--- a/docs/praesi.pptx
+++ b/docs/praesi.pptx
@@ -1,23 +1,122 @@
 
 <file path=ppt/presentation.xml><?xml version="1.0" encoding="utf-8"?>
-<p:presentation xmlns:a="http://schemas.openxmlformats.org/drawingml/2006/main" xmlns:p="http://schemas.openxmlformats.org/presentationml/2006/main" xmlns:r="http://schemas.openxmlformats.org/officeDocument/2006/relationships" xmlns:p14="http://schemas.microsoft.com/office/powerpoint/2010/main" xmlns:p15="http://schemas.microsoft.com/office/powerpoint/2012/main" xmlns:mc="http://schemas.openxmlformats.org/markup-compatibility/2006">
+<p:presentation xmlns:a="http://schemas.openxmlformats.org/drawingml/2006/main" xmlns:r="http://schemas.openxmlformats.org/officeDocument/2006/relationships" xmlns:p="http://schemas.openxmlformats.org/presentationml/2006/main">
   <p:sldMasterIdLst>
-    <p:sldMasterId id="2147483648" r:id="rId2"/>
-    <p:sldMasterId id="2147483661" r:id="rId3"/>
+    <p:sldMasterId id="2147483648" r:id="rId1"/>
+    <p:sldMasterId id="2147483661" r:id="rId2"/>
   </p:sldMasterIdLst>
   <p:sldIdLst>
-    <p:sldId id="256" r:id="rId4"/>
-    <p:sldId id="257" r:id="rId5"/>
-    <p:sldId id="258" r:id="rId6"/>
-    <p:sldId id="259" r:id="rId7"/>
+    <p:sldId id="256" r:id="rId3"/>
+    <p:sldId id="257" r:id="rId4"/>
+    <p:sldId id="258" r:id="rId5"/>
+    <p:sldId id="259" r:id="rId6"/>
+    <p:sldId id="263" r:id="rId7"/>
+    <p:sldId id="260" r:id="rId8"/>
+    <p:sldId id="261" r:id="rId9"/>
+    <p:sldId id="262" r:id="rId10"/>
   </p:sldIdLst>
-  <p:sldSz cx="9144000" cy="6858000"/>
-  <p:notesSz cx="7559675" cy="10691812"/>
+  <p:sldSz cx="9144000" cy="6858000" type="screen4x3"/>
+  <p:notesSz cx="7559675" cy="10691813"/>
+  <p:defaultTextStyle>
+    <a:defPPr>
+      <a:defRPr lang="de-DE"/>
+    </a:defPPr>
+    <a:lvl1pPr marL="0" algn="l" defTabSz="914400" rtl="0" eaLnBrk="1" latinLnBrk="0" hangingPunct="1">
+      <a:defRPr sz="1800" kern="1200">
+        <a:solidFill>
+          <a:schemeClr val="tx1"/>
+        </a:solidFill>
+        <a:latin typeface="+mn-lt"/>
+        <a:ea typeface="+mn-ea"/>
+        <a:cs typeface="+mn-cs"/>
+      </a:defRPr>
+    </a:lvl1pPr>
+    <a:lvl2pPr marL="457200" algn="l" defTabSz="914400" rtl="0" eaLnBrk="1" latinLnBrk="0" hangingPunct="1">
+      <a:defRPr sz="1800" kern="1200">
+        <a:solidFill>
+          <a:schemeClr val="tx1"/>
+        </a:solidFill>
+        <a:latin typeface="+mn-lt"/>
+        <a:ea typeface="+mn-ea"/>
+        <a:cs typeface="+mn-cs"/>
+      </a:defRPr>
+    </a:lvl2pPr>
+    <a:lvl3pPr marL="914400" algn="l" defTabSz="914400" rtl="0" eaLnBrk="1" latinLnBrk="0" hangingPunct="1">
+      <a:defRPr sz="1800" kern="1200">
+        <a:solidFill>
+          <a:schemeClr val="tx1"/>
+        </a:solidFill>
+        <a:latin typeface="+mn-lt"/>
+        <a:ea typeface="+mn-ea"/>
+        <a:cs typeface="+mn-cs"/>
+      </a:defRPr>
+    </a:lvl3pPr>
+    <a:lvl4pPr marL="1371600" algn="l" defTabSz="914400" rtl="0" eaLnBrk="1" latinLnBrk="0" hangingPunct="1">
+      <a:defRPr sz="1800" kern="1200">
+        <a:solidFill>
+          <a:schemeClr val="tx1"/>
+        </a:solidFill>
+        <a:latin typeface="+mn-lt"/>
+        <a:ea typeface="+mn-ea"/>
+        <a:cs typeface="+mn-cs"/>
+      </a:defRPr>
+    </a:lvl4pPr>
+    <a:lvl5pPr marL="1828800" algn="l" defTabSz="914400" rtl="0" eaLnBrk="1" latinLnBrk="0" hangingPunct="1">
+      <a:defRPr sz="1800" kern="1200">
+        <a:solidFill>
+          <a:schemeClr val="tx1"/>
+        </a:solidFill>
+        <a:latin typeface="+mn-lt"/>
+        <a:ea typeface="+mn-ea"/>
+        <a:cs typeface="+mn-cs"/>
+      </a:defRPr>
+    </a:lvl5pPr>
+    <a:lvl6pPr marL="2286000" algn="l" defTabSz="914400" rtl="0" eaLnBrk="1" latinLnBrk="0" hangingPunct="1">
+      <a:defRPr sz="1800" kern="1200">
+        <a:solidFill>
+          <a:schemeClr val="tx1"/>
+        </a:solidFill>
+        <a:latin typeface="+mn-lt"/>
+        <a:ea typeface="+mn-ea"/>
+        <a:cs typeface="+mn-cs"/>
+      </a:defRPr>
+    </a:lvl6pPr>
+    <a:lvl7pPr marL="2743200" algn="l" defTabSz="914400" rtl="0" eaLnBrk="1" latinLnBrk="0" hangingPunct="1">
+      <a:defRPr sz="1800" kern="1200">
+        <a:solidFill>
+          <a:schemeClr val="tx1"/>
+        </a:solidFill>
+        <a:latin typeface="+mn-lt"/>
+        <a:ea typeface="+mn-ea"/>
+        <a:cs typeface="+mn-cs"/>
+      </a:defRPr>
+    </a:lvl7pPr>
+    <a:lvl8pPr marL="3200400" algn="l" defTabSz="914400" rtl="0" eaLnBrk="1" latinLnBrk="0" hangingPunct="1">
+      <a:defRPr sz="1800" kern="1200">
+        <a:solidFill>
+          <a:schemeClr val="tx1"/>
+        </a:solidFill>
+        <a:latin typeface="+mn-lt"/>
+        <a:ea typeface="+mn-ea"/>
+        <a:cs typeface="+mn-cs"/>
+      </a:defRPr>
+    </a:lvl8pPr>
+    <a:lvl9pPr marL="3657600" algn="l" defTabSz="914400" rtl="0" eaLnBrk="1" latinLnBrk="0" hangingPunct="1">
+      <a:defRPr sz="1800" kern="1200">
+        <a:solidFill>
+          <a:schemeClr val="tx1"/>
+        </a:solidFill>
+        <a:latin typeface="+mn-lt"/>
+        <a:ea typeface="+mn-ea"/>
+        <a:cs typeface="+mn-cs"/>
+      </a:defRPr>
+    </a:lvl9pPr>
+  </p:defaultTextStyle>
 </p:presentation>
 </file>
 
 <file path=ppt/slideLayouts/slideLayout1.xml><?xml version="1.0" encoding="utf-8"?>
-<p:sldLayout xmlns:a="http://schemas.openxmlformats.org/drawingml/2006/main" xmlns:p="http://schemas.openxmlformats.org/presentationml/2006/main" xmlns:r="http://schemas.openxmlformats.org/officeDocument/2006/relationships" xmlns:p14="http://schemas.microsoft.com/office/powerpoint/2010/main" xmlns:p15="http://schemas.microsoft.com/office/powerpoint/2012/main" xmlns:mc="http://schemas.openxmlformats.org/markup-compatibility/2006" type="blank" preserve="1">
+<p:sldLayout xmlns:a="http://schemas.openxmlformats.org/drawingml/2006/main" xmlns:r="http://schemas.openxmlformats.org/officeDocument/2006/relationships" xmlns:p="http://schemas.openxmlformats.org/presentationml/2006/main" type="blank" preserve="1">
   <p:cSld name="Blank Slide">
     <p:spTree>
       <p:nvGrpSpPr>
@@ -35,11 +134,14 @@
       </p:grpSpPr>
     </p:spTree>
   </p:cSld>
+  <p:clrMapOvr>
+    <a:masterClrMapping/>
+  </p:clrMapOvr>
 </p:sldLayout>
 </file>
 
 <file path=ppt/slideLayouts/slideLayout10.xml><?xml version="1.0" encoding="utf-8"?>
-<p:sldLayout xmlns:a="http://schemas.openxmlformats.org/drawingml/2006/main" xmlns:p="http://schemas.openxmlformats.org/presentationml/2006/main" xmlns:r="http://schemas.openxmlformats.org/officeDocument/2006/relationships" xmlns:p14="http://schemas.microsoft.com/office/powerpoint/2010/main" xmlns:p15="http://schemas.microsoft.com/office/powerpoint/2012/main" xmlns:mc="http://schemas.openxmlformats.org/markup-compatibility/2006" type="objOverTx" preserve="1">
+<p:sldLayout xmlns:a="http://schemas.openxmlformats.org/drawingml/2006/main" xmlns:r="http://schemas.openxmlformats.org/officeDocument/2006/relationships" xmlns:p="http://schemas.openxmlformats.org/presentationml/2006/main" type="objOverTx" preserve="1">
   <p:cSld name="Title, Content over Content">
     <p:spTree>
       <p:nvGrpSpPr>
@@ -75,15 +177,16 @@
           </a:prstGeom>
         </p:spPr>
         <p:txBody>
-          <a:bodyPr lIns="0" rIns="0" tIns="0" bIns="0" anchor="ctr"/>
-          <a:p>
-            <a:endParaRPr b="0" lang="de-DE" sz="4400" spc="-1" strike="noStrike">
-              <a:solidFill>
-                <a:srgbClr val="000000"/>
-              </a:solidFill>
-              <a:uFill>
-                <a:solidFill>
-                  <a:srgbClr val="ffffff"/>
+          <a:bodyPr lIns="0" tIns="0" rIns="0" bIns="0" anchor="ctr"/>
+          <a:lstStyle/>
+          <a:p>
+            <a:endParaRPr lang="de-DE" sz="4400" b="0" strike="noStrike" spc="-1">
+              <a:solidFill>
+                <a:srgbClr val="000000"/>
+              </a:solidFill>
+              <a:uFill>
+                <a:solidFill>
+                  <a:srgbClr val="FFFFFF"/>
                 </a:solidFill>
               </a:uFill>
               <a:latin typeface="Arial"/>
@@ -111,17 +214,18 @@
           </a:prstGeom>
         </p:spPr>
         <p:txBody>
-          <a:bodyPr lIns="0" rIns="0" tIns="0" bIns="0">
+          <a:bodyPr lIns="0" tIns="0" rIns="0" bIns="0">
             <a:normAutofit/>
           </a:bodyPr>
-          <a:p>
-            <a:endParaRPr b="0" lang="de-DE" sz="3200" spc="-1" strike="noStrike">
-              <a:solidFill>
-                <a:srgbClr val="000000"/>
-              </a:solidFill>
-              <a:uFill>
-                <a:solidFill>
-                  <a:srgbClr val="ffffff"/>
+          <a:lstStyle/>
+          <a:p>
+            <a:endParaRPr lang="de-DE" sz="3200" b="0" strike="noStrike" spc="-1">
+              <a:solidFill>
+                <a:srgbClr val="000000"/>
+              </a:solidFill>
+              <a:uFill>
+                <a:solidFill>
+                  <a:srgbClr val="FFFFFF"/>
                 </a:solidFill>
               </a:uFill>
               <a:latin typeface="Arial"/>
@@ -149,17 +253,18 @@
           </a:prstGeom>
         </p:spPr>
         <p:txBody>
-          <a:bodyPr lIns="0" rIns="0" tIns="0" bIns="0">
+          <a:bodyPr lIns="0" tIns="0" rIns="0" bIns="0">
             <a:normAutofit/>
           </a:bodyPr>
-          <a:p>
-            <a:endParaRPr b="0" lang="de-DE" sz="3200" spc="-1" strike="noStrike">
-              <a:solidFill>
-                <a:srgbClr val="000000"/>
-              </a:solidFill>
-              <a:uFill>
-                <a:solidFill>
-                  <a:srgbClr val="ffffff"/>
+          <a:lstStyle/>
+          <a:p>
+            <a:endParaRPr lang="de-DE" sz="3200" b="0" strike="noStrike" spc="-1">
+              <a:solidFill>
+                <a:srgbClr val="000000"/>
+              </a:solidFill>
+              <a:uFill>
+                <a:solidFill>
+                  <a:srgbClr val="FFFFFF"/>
                 </a:solidFill>
               </a:uFill>
               <a:latin typeface="Arial"/>
@@ -169,11 +274,14 @@
       </p:sp>
     </p:spTree>
   </p:cSld>
+  <p:clrMapOvr>
+    <a:masterClrMapping/>
+  </p:clrMapOvr>
 </p:sldLayout>
 </file>
 
 <file path=ppt/slideLayouts/slideLayout11.xml><?xml version="1.0" encoding="utf-8"?>
-<p:sldLayout xmlns:a="http://schemas.openxmlformats.org/drawingml/2006/main" xmlns:p="http://schemas.openxmlformats.org/presentationml/2006/main" xmlns:r="http://schemas.openxmlformats.org/officeDocument/2006/relationships" xmlns:p14="http://schemas.microsoft.com/office/powerpoint/2010/main" xmlns:p15="http://schemas.microsoft.com/office/powerpoint/2012/main" xmlns:mc="http://schemas.openxmlformats.org/markup-compatibility/2006" type="fourObj" preserve="1">
+<p:sldLayout xmlns:a="http://schemas.openxmlformats.org/drawingml/2006/main" xmlns:r="http://schemas.openxmlformats.org/officeDocument/2006/relationships" xmlns:p="http://schemas.openxmlformats.org/presentationml/2006/main" type="fourObj" preserve="1">
   <p:cSld name="Title, 4 Content">
     <p:spTree>
       <p:nvGrpSpPr>
@@ -209,15 +317,16 @@
           </a:prstGeom>
         </p:spPr>
         <p:txBody>
-          <a:bodyPr lIns="0" rIns="0" tIns="0" bIns="0" anchor="ctr"/>
-          <a:p>
-            <a:endParaRPr b="0" lang="de-DE" sz="4400" spc="-1" strike="noStrike">
-              <a:solidFill>
-                <a:srgbClr val="000000"/>
-              </a:solidFill>
-              <a:uFill>
-                <a:solidFill>
-                  <a:srgbClr val="ffffff"/>
+          <a:bodyPr lIns="0" tIns="0" rIns="0" bIns="0" anchor="ctr"/>
+          <a:lstStyle/>
+          <a:p>
+            <a:endParaRPr lang="de-DE" sz="4400" b="0" strike="noStrike" spc="-1">
+              <a:solidFill>
+                <a:srgbClr val="000000"/>
+              </a:solidFill>
+              <a:uFill>
+                <a:solidFill>
+                  <a:srgbClr val="FFFFFF"/>
                 </a:solidFill>
               </a:uFill>
               <a:latin typeface="Arial"/>
@@ -245,17 +354,18 @@
           </a:prstGeom>
         </p:spPr>
         <p:txBody>
-          <a:bodyPr lIns="0" rIns="0" tIns="0" bIns="0">
+          <a:bodyPr lIns="0" tIns="0" rIns="0" bIns="0">
             <a:normAutofit/>
           </a:bodyPr>
-          <a:p>
-            <a:endParaRPr b="0" lang="de-DE" sz="3200" spc="-1" strike="noStrike">
-              <a:solidFill>
-                <a:srgbClr val="000000"/>
-              </a:solidFill>
-              <a:uFill>
-                <a:solidFill>
-                  <a:srgbClr val="ffffff"/>
+          <a:lstStyle/>
+          <a:p>
+            <a:endParaRPr lang="de-DE" sz="3200" b="0" strike="noStrike" spc="-1">
+              <a:solidFill>
+                <a:srgbClr val="000000"/>
+              </a:solidFill>
+              <a:uFill>
+                <a:solidFill>
+                  <a:srgbClr val="FFFFFF"/>
                 </a:solidFill>
               </a:uFill>
               <a:latin typeface="Arial"/>
@@ -283,17 +393,18 @@
           </a:prstGeom>
         </p:spPr>
         <p:txBody>
-          <a:bodyPr lIns="0" rIns="0" tIns="0" bIns="0">
+          <a:bodyPr lIns="0" tIns="0" rIns="0" bIns="0">
             <a:normAutofit/>
           </a:bodyPr>
-          <a:p>
-            <a:endParaRPr b="0" lang="de-DE" sz="3200" spc="-1" strike="noStrike">
-              <a:solidFill>
-                <a:srgbClr val="000000"/>
-              </a:solidFill>
-              <a:uFill>
-                <a:solidFill>
-                  <a:srgbClr val="ffffff"/>
+          <a:lstStyle/>
+          <a:p>
+            <a:endParaRPr lang="de-DE" sz="3200" b="0" strike="noStrike" spc="-1">
+              <a:solidFill>
+                <a:srgbClr val="000000"/>
+              </a:solidFill>
+              <a:uFill>
+                <a:solidFill>
+                  <a:srgbClr val="FFFFFF"/>
                 </a:solidFill>
               </a:uFill>
               <a:latin typeface="Arial"/>
@@ -321,17 +432,18 @@
           </a:prstGeom>
         </p:spPr>
         <p:txBody>
-          <a:bodyPr lIns="0" rIns="0" tIns="0" bIns="0">
+          <a:bodyPr lIns="0" tIns="0" rIns="0" bIns="0">
             <a:normAutofit/>
           </a:bodyPr>
-          <a:p>
-            <a:endParaRPr b="0" lang="de-DE" sz="3200" spc="-1" strike="noStrike">
-              <a:solidFill>
-                <a:srgbClr val="000000"/>
-              </a:solidFill>
-              <a:uFill>
-                <a:solidFill>
-                  <a:srgbClr val="ffffff"/>
+          <a:lstStyle/>
+          <a:p>
+            <a:endParaRPr lang="de-DE" sz="3200" b="0" strike="noStrike" spc="-1">
+              <a:solidFill>
+                <a:srgbClr val="000000"/>
+              </a:solidFill>
+              <a:uFill>
+                <a:solidFill>
+                  <a:srgbClr val="FFFFFF"/>
                 </a:solidFill>
               </a:uFill>
               <a:latin typeface="Arial"/>
@@ -359,17 +471,18 @@
           </a:prstGeom>
         </p:spPr>
         <p:txBody>
-          <a:bodyPr lIns="0" rIns="0" tIns="0" bIns="0">
+          <a:bodyPr lIns="0" tIns="0" rIns="0" bIns="0">
             <a:normAutofit/>
           </a:bodyPr>
-          <a:p>
-            <a:endParaRPr b="0" lang="de-DE" sz="3200" spc="-1" strike="noStrike">
-              <a:solidFill>
-                <a:srgbClr val="000000"/>
-              </a:solidFill>
-              <a:uFill>
-                <a:solidFill>
-                  <a:srgbClr val="ffffff"/>
+          <a:lstStyle/>
+          <a:p>
+            <a:endParaRPr lang="de-DE" sz="3200" b="0" strike="noStrike" spc="-1">
+              <a:solidFill>
+                <a:srgbClr val="000000"/>
+              </a:solidFill>
+              <a:uFill>
+                <a:solidFill>
+                  <a:srgbClr val="FFFFFF"/>
                 </a:solidFill>
               </a:uFill>
               <a:latin typeface="Arial"/>
@@ -379,11 +492,14 @@
       </p:sp>
     </p:spTree>
   </p:cSld>
+  <p:clrMapOvr>
+    <a:masterClrMapping/>
+  </p:clrMapOvr>
 </p:sldLayout>
 </file>
 
 <file path=ppt/slideLayouts/slideLayout12.xml><?xml version="1.0" encoding="utf-8"?>
-<p:sldLayout xmlns:a="http://schemas.openxmlformats.org/drawingml/2006/main" xmlns:p="http://schemas.openxmlformats.org/presentationml/2006/main" xmlns:r="http://schemas.openxmlformats.org/officeDocument/2006/relationships" xmlns:p14="http://schemas.microsoft.com/office/powerpoint/2010/main" xmlns:p15="http://schemas.microsoft.com/office/powerpoint/2012/main" xmlns:mc="http://schemas.openxmlformats.org/markup-compatibility/2006" type="blank" preserve="1">
+<p:sldLayout xmlns:a="http://schemas.openxmlformats.org/drawingml/2006/main" xmlns:r="http://schemas.openxmlformats.org/officeDocument/2006/relationships" xmlns:p="http://schemas.openxmlformats.org/presentationml/2006/main" type="blank" preserve="1">
   <p:cSld name="Title, 6 Content">
     <p:spTree>
       <p:nvGrpSpPr>
@@ -419,15 +535,16 @@
           </a:prstGeom>
         </p:spPr>
         <p:txBody>
-          <a:bodyPr lIns="0" rIns="0" tIns="0" bIns="0" anchor="ctr"/>
-          <a:p>
-            <a:endParaRPr b="0" lang="de-DE" sz="4400" spc="-1" strike="noStrike">
-              <a:solidFill>
-                <a:srgbClr val="000000"/>
-              </a:solidFill>
-              <a:uFill>
-                <a:solidFill>
-                  <a:srgbClr val="ffffff"/>
+          <a:bodyPr lIns="0" tIns="0" rIns="0" bIns="0" anchor="ctr"/>
+          <a:lstStyle/>
+          <a:p>
+            <a:endParaRPr lang="de-DE" sz="4400" b="0" strike="noStrike" spc="-1">
+              <a:solidFill>
+                <a:srgbClr val="000000"/>
+              </a:solidFill>
+              <a:uFill>
+                <a:solidFill>
+                  <a:srgbClr val="FFFFFF"/>
                 </a:solidFill>
               </a:uFill>
               <a:latin typeface="Arial"/>
@@ -455,17 +572,18 @@
           </a:prstGeom>
         </p:spPr>
         <p:txBody>
-          <a:bodyPr lIns="0" rIns="0" tIns="0" bIns="0">
+          <a:bodyPr lIns="0" tIns="0" rIns="0" bIns="0">
             <a:normAutofit/>
           </a:bodyPr>
-          <a:p>
-            <a:endParaRPr b="0" lang="de-DE" sz="3200" spc="-1" strike="noStrike">
-              <a:solidFill>
-                <a:srgbClr val="000000"/>
-              </a:solidFill>
-              <a:uFill>
-                <a:solidFill>
-                  <a:srgbClr val="ffffff"/>
+          <a:lstStyle/>
+          <a:p>
+            <a:endParaRPr lang="de-DE" sz="3200" b="0" strike="noStrike" spc="-1">
+              <a:solidFill>
+                <a:srgbClr val="000000"/>
+              </a:solidFill>
+              <a:uFill>
+                <a:solidFill>
+                  <a:srgbClr val="FFFFFF"/>
                 </a:solidFill>
               </a:uFill>
               <a:latin typeface="Arial"/>
@@ -493,17 +611,18 @@
           </a:prstGeom>
         </p:spPr>
         <p:txBody>
-          <a:bodyPr lIns="0" rIns="0" tIns="0" bIns="0">
+          <a:bodyPr lIns="0" tIns="0" rIns="0" bIns="0">
             <a:normAutofit/>
           </a:bodyPr>
-          <a:p>
-            <a:endParaRPr b="0" lang="de-DE" sz="3200" spc="-1" strike="noStrike">
-              <a:solidFill>
-                <a:srgbClr val="000000"/>
-              </a:solidFill>
-              <a:uFill>
-                <a:solidFill>
-                  <a:srgbClr val="ffffff"/>
+          <a:lstStyle/>
+          <a:p>
+            <a:endParaRPr lang="de-DE" sz="3200" b="0" strike="noStrike" spc="-1">
+              <a:solidFill>
+                <a:srgbClr val="000000"/>
+              </a:solidFill>
+              <a:uFill>
+                <a:solidFill>
+                  <a:srgbClr val="FFFFFF"/>
                 </a:solidFill>
               </a:uFill>
               <a:latin typeface="Arial"/>
@@ -531,17 +650,18 @@
           </a:prstGeom>
         </p:spPr>
         <p:txBody>
-          <a:bodyPr lIns="0" rIns="0" tIns="0" bIns="0">
+          <a:bodyPr lIns="0" tIns="0" rIns="0" bIns="0">
             <a:normAutofit/>
           </a:bodyPr>
-          <a:p>
-            <a:endParaRPr b="0" lang="de-DE" sz="3200" spc="-1" strike="noStrike">
-              <a:solidFill>
-                <a:srgbClr val="000000"/>
-              </a:solidFill>
-              <a:uFill>
-                <a:solidFill>
-                  <a:srgbClr val="ffffff"/>
+          <a:lstStyle/>
+          <a:p>
+            <a:endParaRPr lang="de-DE" sz="3200" b="0" strike="noStrike" spc="-1">
+              <a:solidFill>
+                <a:srgbClr val="000000"/>
+              </a:solidFill>
+              <a:uFill>
+                <a:solidFill>
+                  <a:srgbClr val="FFFFFF"/>
                 </a:solidFill>
               </a:uFill>
               <a:latin typeface="Arial"/>
@@ -569,17 +689,18 @@
           </a:prstGeom>
         </p:spPr>
         <p:txBody>
-          <a:bodyPr lIns="0" rIns="0" tIns="0" bIns="0">
+          <a:bodyPr lIns="0" tIns="0" rIns="0" bIns="0">
             <a:normAutofit/>
           </a:bodyPr>
-          <a:p>
-            <a:endParaRPr b="0" lang="de-DE" sz="3200" spc="-1" strike="noStrike">
-              <a:solidFill>
-                <a:srgbClr val="000000"/>
-              </a:solidFill>
-              <a:uFill>
-                <a:solidFill>
-                  <a:srgbClr val="ffffff"/>
+          <a:lstStyle/>
+          <a:p>
+            <a:endParaRPr lang="de-DE" sz="3200" b="0" strike="noStrike" spc="-1">
+              <a:solidFill>
+                <a:srgbClr val="000000"/>
+              </a:solidFill>
+              <a:uFill>
+                <a:solidFill>
+                  <a:srgbClr val="FFFFFF"/>
                 </a:solidFill>
               </a:uFill>
               <a:latin typeface="Arial"/>
@@ -607,17 +728,18 @@
           </a:prstGeom>
         </p:spPr>
         <p:txBody>
-          <a:bodyPr lIns="0" rIns="0" tIns="0" bIns="0">
+          <a:bodyPr lIns="0" tIns="0" rIns="0" bIns="0">
             <a:normAutofit/>
           </a:bodyPr>
-          <a:p>
-            <a:endParaRPr b="0" lang="de-DE" sz="3200" spc="-1" strike="noStrike">
-              <a:solidFill>
-                <a:srgbClr val="000000"/>
-              </a:solidFill>
-              <a:uFill>
-                <a:solidFill>
-                  <a:srgbClr val="ffffff"/>
+          <a:lstStyle/>
+          <a:p>
+            <a:endParaRPr lang="de-DE" sz="3200" b="0" strike="noStrike" spc="-1">
+              <a:solidFill>
+                <a:srgbClr val="000000"/>
+              </a:solidFill>
+              <a:uFill>
+                <a:solidFill>
+                  <a:srgbClr val="FFFFFF"/>
                 </a:solidFill>
               </a:uFill>
               <a:latin typeface="Arial"/>
@@ -645,17 +767,18 @@
           </a:prstGeom>
         </p:spPr>
         <p:txBody>
-          <a:bodyPr lIns="0" rIns="0" tIns="0" bIns="0">
+          <a:bodyPr lIns="0" tIns="0" rIns="0" bIns="0">
             <a:normAutofit/>
           </a:bodyPr>
-          <a:p>
-            <a:endParaRPr b="0" lang="de-DE" sz="3200" spc="-1" strike="noStrike">
-              <a:solidFill>
-                <a:srgbClr val="000000"/>
-              </a:solidFill>
-              <a:uFill>
-                <a:solidFill>
-                  <a:srgbClr val="ffffff"/>
+          <a:lstStyle/>
+          <a:p>
+            <a:endParaRPr lang="de-DE" sz="3200" b="0" strike="noStrike" spc="-1">
+              <a:solidFill>
+                <a:srgbClr val="000000"/>
+              </a:solidFill>
+              <a:uFill>
+                <a:solidFill>
+                  <a:srgbClr val="FFFFFF"/>
                 </a:solidFill>
               </a:uFill>
               <a:latin typeface="Arial"/>
@@ -665,11 +788,14 @@
       </p:sp>
     </p:spTree>
   </p:cSld>
+  <p:clrMapOvr>
+    <a:masterClrMapping/>
+  </p:clrMapOvr>
 </p:sldLayout>
 </file>
 
 <file path=ppt/slideLayouts/slideLayout13.xml><?xml version="1.0" encoding="utf-8"?>
-<p:sldLayout xmlns:a="http://schemas.openxmlformats.org/drawingml/2006/main" xmlns:p="http://schemas.openxmlformats.org/presentationml/2006/main" xmlns:r="http://schemas.openxmlformats.org/officeDocument/2006/relationships" xmlns:p14="http://schemas.microsoft.com/office/powerpoint/2010/main" xmlns:p15="http://schemas.microsoft.com/office/powerpoint/2012/main" xmlns:mc="http://schemas.openxmlformats.org/markup-compatibility/2006" type="blank" preserve="1">
+<p:sldLayout xmlns:a="http://schemas.openxmlformats.org/drawingml/2006/main" xmlns:r="http://schemas.openxmlformats.org/officeDocument/2006/relationships" xmlns:p="http://schemas.openxmlformats.org/presentationml/2006/main" type="blank" preserve="1">
   <p:cSld name="Blank Slide">
     <p:spTree>
       <p:nvGrpSpPr>
@@ -687,11 +813,14 @@
       </p:grpSpPr>
     </p:spTree>
   </p:cSld>
+  <p:clrMapOvr>
+    <a:masterClrMapping/>
+  </p:clrMapOvr>
 </p:sldLayout>
 </file>
 
 <file path=ppt/slideLayouts/slideLayout14.xml><?xml version="1.0" encoding="utf-8"?>
-<p:sldLayout xmlns:a="http://schemas.openxmlformats.org/drawingml/2006/main" xmlns:p="http://schemas.openxmlformats.org/presentationml/2006/main" xmlns:r="http://schemas.openxmlformats.org/officeDocument/2006/relationships" xmlns:p14="http://schemas.microsoft.com/office/powerpoint/2010/main" xmlns:p15="http://schemas.microsoft.com/office/powerpoint/2012/main" xmlns:mc="http://schemas.openxmlformats.org/markup-compatibility/2006" type="tx" preserve="1">
+<p:sldLayout xmlns:a="http://schemas.openxmlformats.org/drawingml/2006/main" xmlns:r="http://schemas.openxmlformats.org/officeDocument/2006/relationships" xmlns:p="http://schemas.openxmlformats.org/presentationml/2006/main" type="tx" preserve="1">
   <p:cSld name="Title Slide">
     <p:spTree>
       <p:nvGrpSpPr>
@@ -727,15 +856,16 @@
           </a:prstGeom>
         </p:spPr>
         <p:txBody>
-          <a:bodyPr lIns="0" rIns="0" tIns="0" bIns="0" anchor="ctr"/>
-          <a:p>
-            <a:endParaRPr b="0" lang="de-DE" sz="4400" spc="-1" strike="noStrike">
-              <a:solidFill>
-                <a:srgbClr val="000000"/>
-              </a:solidFill>
-              <a:uFill>
-                <a:solidFill>
-                  <a:srgbClr val="ffffff"/>
+          <a:bodyPr lIns="0" tIns="0" rIns="0" bIns="0" anchor="ctr"/>
+          <a:lstStyle/>
+          <a:p>
+            <a:endParaRPr lang="de-DE" sz="4400" b="0" strike="noStrike" spc="-1">
+              <a:solidFill>
+                <a:srgbClr val="000000"/>
+              </a:solidFill>
+              <a:uFill>
+                <a:solidFill>
+                  <a:srgbClr val="FFFFFF"/>
                 </a:solidFill>
               </a:uFill>
               <a:latin typeface="Arial"/>
@@ -763,16 +893,17 @@
           </a:prstGeom>
         </p:spPr>
         <p:txBody>
-          <a:bodyPr lIns="0" rIns="0" tIns="0" bIns="0" anchor="ctr"/>
+          <a:bodyPr lIns="0" tIns="0" rIns="0" bIns="0" anchor="ctr"/>
+          <a:lstStyle/>
           <a:p>
             <a:pPr algn="ctr"/>
-            <a:endParaRPr b="0" lang="de-DE" sz="3200" spc="-1" strike="noStrike">
-              <a:solidFill>
-                <a:srgbClr val="000000"/>
-              </a:solidFill>
-              <a:uFill>
-                <a:solidFill>
-                  <a:srgbClr val="ffffff"/>
+            <a:endParaRPr lang="de-DE" sz="3200" b="0" strike="noStrike" spc="-1">
+              <a:solidFill>
+                <a:srgbClr val="000000"/>
+              </a:solidFill>
+              <a:uFill>
+                <a:solidFill>
+                  <a:srgbClr val="FFFFFF"/>
                 </a:solidFill>
               </a:uFill>
               <a:latin typeface="Arial"/>
@@ -782,11 +913,14 @@
       </p:sp>
     </p:spTree>
   </p:cSld>
+  <p:clrMapOvr>
+    <a:masterClrMapping/>
+  </p:clrMapOvr>
 </p:sldLayout>
 </file>
 
 <file path=ppt/slideLayouts/slideLayout15.xml><?xml version="1.0" encoding="utf-8"?>
-<p:sldLayout xmlns:a="http://schemas.openxmlformats.org/drawingml/2006/main" xmlns:p="http://schemas.openxmlformats.org/presentationml/2006/main" xmlns:r="http://schemas.openxmlformats.org/officeDocument/2006/relationships" xmlns:p14="http://schemas.microsoft.com/office/powerpoint/2010/main" xmlns:p15="http://schemas.microsoft.com/office/powerpoint/2012/main" xmlns:mc="http://schemas.openxmlformats.org/markup-compatibility/2006" type="obj" preserve="1">
+<p:sldLayout xmlns:a="http://schemas.openxmlformats.org/drawingml/2006/main" xmlns:r="http://schemas.openxmlformats.org/officeDocument/2006/relationships" xmlns:p="http://schemas.openxmlformats.org/presentationml/2006/main" type="obj" preserve="1">
   <p:cSld name="Title, Content">
     <p:spTree>
       <p:nvGrpSpPr>
@@ -822,15 +956,16 @@
           </a:prstGeom>
         </p:spPr>
         <p:txBody>
-          <a:bodyPr lIns="0" rIns="0" tIns="0" bIns="0" anchor="ctr"/>
-          <a:p>
-            <a:endParaRPr b="0" lang="de-DE" sz="4400" spc="-1" strike="noStrike">
-              <a:solidFill>
-                <a:srgbClr val="000000"/>
-              </a:solidFill>
-              <a:uFill>
-                <a:solidFill>
-                  <a:srgbClr val="ffffff"/>
+          <a:bodyPr lIns="0" tIns="0" rIns="0" bIns="0" anchor="ctr"/>
+          <a:lstStyle/>
+          <a:p>
+            <a:endParaRPr lang="de-DE" sz="4400" b="0" strike="noStrike" spc="-1">
+              <a:solidFill>
+                <a:srgbClr val="000000"/>
+              </a:solidFill>
+              <a:uFill>
+                <a:solidFill>
+                  <a:srgbClr val="FFFFFF"/>
                 </a:solidFill>
               </a:uFill>
               <a:latin typeface="Arial"/>
@@ -858,17 +993,18 @@
           </a:prstGeom>
         </p:spPr>
         <p:txBody>
-          <a:bodyPr lIns="0" rIns="0" tIns="0" bIns="0">
+          <a:bodyPr lIns="0" tIns="0" rIns="0" bIns="0">
             <a:normAutofit/>
           </a:bodyPr>
-          <a:p>
-            <a:endParaRPr b="0" lang="de-DE" sz="3200" spc="-1" strike="noStrike">
-              <a:solidFill>
-                <a:srgbClr val="000000"/>
-              </a:solidFill>
-              <a:uFill>
-                <a:solidFill>
-                  <a:srgbClr val="ffffff"/>
+          <a:lstStyle/>
+          <a:p>
+            <a:endParaRPr lang="de-DE" sz="3200" b="0" strike="noStrike" spc="-1">
+              <a:solidFill>
+                <a:srgbClr val="000000"/>
+              </a:solidFill>
+              <a:uFill>
+                <a:solidFill>
+                  <a:srgbClr val="FFFFFF"/>
                 </a:solidFill>
               </a:uFill>
               <a:latin typeface="Arial"/>
@@ -878,11 +1014,14 @@
       </p:sp>
     </p:spTree>
   </p:cSld>
+  <p:clrMapOvr>
+    <a:masterClrMapping/>
+  </p:clrMapOvr>
 </p:sldLayout>
 </file>
 
 <file path=ppt/slideLayouts/slideLayout16.xml><?xml version="1.0" encoding="utf-8"?>
-<p:sldLayout xmlns:a="http://schemas.openxmlformats.org/drawingml/2006/main" xmlns:p="http://schemas.openxmlformats.org/presentationml/2006/main" xmlns:r="http://schemas.openxmlformats.org/officeDocument/2006/relationships" xmlns:p14="http://schemas.microsoft.com/office/powerpoint/2010/main" xmlns:p15="http://schemas.microsoft.com/office/powerpoint/2012/main" xmlns:mc="http://schemas.openxmlformats.org/markup-compatibility/2006" type="twoObj" preserve="1">
+<p:sldLayout xmlns:a="http://schemas.openxmlformats.org/drawingml/2006/main" xmlns:r="http://schemas.openxmlformats.org/officeDocument/2006/relationships" xmlns:p="http://schemas.openxmlformats.org/presentationml/2006/main" type="twoObj" preserve="1">
   <p:cSld name="Title, 2 Content">
     <p:spTree>
       <p:nvGrpSpPr>
@@ -918,15 +1057,16 @@
           </a:prstGeom>
         </p:spPr>
         <p:txBody>
-          <a:bodyPr lIns="0" rIns="0" tIns="0" bIns="0" anchor="ctr"/>
-          <a:p>
-            <a:endParaRPr b="0" lang="de-DE" sz="4400" spc="-1" strike="noStrike">
-              <a:solidFill>
-                <a:srgbClr val="000000"/>
-              </a:solidFill>
-              <a:uFill>
-                <a:solidFill>
-                  <a:srgbClr val="ffffff"/>
+          <a:bodyPr lIns="0" tIns="0" rIns="0" bIns="0" anchor="ctr"/>
+          <a:lstStyle/>
+          <a:p>
+            <a:endParaRPr lang="de-DE" sz="4400" b="0" strike="noStrike" spc="-1">
+              <a:solidFill>
+                <a:srgbClr val="000000"/>
+              </a:solidFill>
+              <a:uFill>
+                <a:solidFill>
+                  <a:srgbClr val="FFFFFF"/>
                 </a:solidFill>
               </a:uFill>
               <a:latin typeface="Arial"/>
@@ -954,17 +1094,18 @@
           </a:prstGeom>
         </p:spPr>
         <p:txBody>
-          <a:bodyPr lIns="0" rIns="0" tIns="0" bIns="0">
+          <a:bodyPr lIns="0" tIns="0" rIns="0" bIns="0">
             <a:normAutofit/>
           </a:bodyPr>
-          <a:p>
-            <a:endParaRPr b="0" lang="de-DE" sz="3200" spc="-1" strike="noStrike">
-              <a:solidFill>
-                <a:srgbClr val="000000"/>
-              </a:solidFill>
-              <a:uFill>
-                <a:solidFill>
-                  <a:srgbClr val="ffffff"/>
+          <a:lstStyle/>
+          <a:p>
+            <a:endParaRPr lang="de-DE" sz="3200" b="0" strike="noStrike" spc="-1">
+              <a:solidFill>
+                <a:srgbClr val="000000"/>
+              </a:solidFill>
+              <a:uFill>
+                <a:solidFill>
+                  <a:srgbClr val="FFFFFF"/>
                 </a:solidFill>
               </a:uFill>
               <a:latin typeface="Arial"/>
@@ -992,17 +1133,18 @@
           </a:prstGeom>
         </p:spPr>
         <p:txBody>
-          <a:bodyPr lIns="0" rIns="0" tIns="0" bIns="0">
+          <a:bodyPr lIns="0" tIns="0" rIns="0" bIns="0">
             <a:normAutofit/>
           </a:bodyPr>
-          <a:p>
-            <a:endParaRPr b="0" lang="de-DE" sz="3200" spc="-1" strike="noStrike">
-              <a:solidFill>
-                <a:srgbClr val="000000"/>
-              </a:solidFill>
-              <a:uFill>
-                <a:solidFill>
-                  <a:srgbClr val="ffffff"/>
+          <a:lstStyle/>
+          <a:p>
+            <a:endParaRPr lang="de-DE" sz="3200" b="0" strike="noStrike" spc="-1">
+              <a:solidFill>
+                <a:srgbClr val="000000"/>
+              </a:solidFill>
+              <a:uFill>
+                <a:solidFill>
+                  <a:srgbClr val="FFFFFF"/>
                 </a:solidFill>
               </a:uFill>
               <a:latin typeface="Arial"/>
@@ -1012,11 +1154,14 @@
       </p:sp>
     </p:spTree>
   </p:cSld>
+  <p:clrMapOvr>
+    <a:masterClrMapping/>
+  </p:clrMapOvr>
 </p:sldLayout>
 </file>
 
 <file path=ppt/slideLayouts/slideLayout17.xml><?xml version="1.0" encoding="utf-8"?>
-<p:sldLayout xmlns:a="http://schemas.openxmlformats.org/drawingml/2006/main" xmlns:p="http://schemas.openxmlformats.org/presentationml/2006/main" xmlns:r="http://schemas.openxmlformats.org/officeDocument/2006/relationships" xmlns:p14="http://schemas.microsoft.com/office/powerpoint/2010/main" xmlns:p15="http://schemas.microsoft.com/office/powerpoint/2012/main" xmlns:mc="http://schemas.openxmlformats.org/markup-compatibility/2006" type="titleOnly" preserve="1">
+<p:sldLayout xmlns:a="http://schemas.openxmlformats.org/drawingml/2006/main" xmlns:r="http://schemas.openxmlformats.org/officeDocument/2006/relationships" xmlns:p="http://schemas.openxmlformats.org/presentationml/2006/main" type="titleOnly" preserve="1">
   <p:cSld name="Title Only">
     <p:spTree>
       <p:nvGrpSpPr>
@@ -1052,15 +1197,16 @@
           </a:prstGeom>
         </p:spPr>
         <p:txBody>
-          <a:bodyPr lIns="0" rIns="0" tIns="0" bIns="0" anchor="ctr"/>
-          <a:p>
-            <a:endParaRPr b="0" lang="de-DE" sz="4400" spc="-1" strike="noStrike">
-              <a:solidFill>
-                <a:srgbClr val="000000"/>
-              </a:solidFill>
-              <a:uFill>
-                <a:solidFill>
-                  <a:srgbClr val="ffffff"/>
+          <a:bodyPr lIns="0" tIns="0" rIns="0" bIns="0" anchor="ctr"/>
+          <a:lstStyle/>
+          <a:p>
+            <a:endParaRPr lang="de-DE" sz="4400" b="0" strike="noStrike" spc="-1">
+              <a:solidFill>
+                <a:srgbClr val="000000"/>
+              </a:solidFill>
+              <a:uFill>
+                <a:solidFill>
+                  <a:srgbClr val="FFFFFF"/>
                 </a:solidFill>
               </a:uFill>
               <a:latin typeface="Arial"/>
@@ -1070,11 +1216,14 @@
       </p:sp>
     </p:spTree>
   </p:cSld>
+  <p:clrMapOvr>
+    <a:masterClrMapping/>
+  </p:clrMapOvr>
 </p:sldLayout>
 </file>
 
 <file path=ppt/slideLayouts/slideLayout18.xml><?xml version="1.0" encoding="utf-8"?>
-<p:sldLayout xmlns:a="http://schemas.openxmlformats.org/drawingml/2006/main" xmlns:p="http://schemas.openxmlformats.org/presentationml/2006/main" xmlns:r="http://schemas.openxmlformats.org/officeDocument/2006/relationships" xmlns:p14="http://schemas.microsoft.com/office/powerpoint/2010/main" xmlns:p15="http://schemas.microsoft.com/office/powerpoint/2012/main" xmlns:mc="http://schemas.openxmlformats.org/markup-compatibility/2006" type="objOnly" preserve="1">
+<p:sldLayout xmlns:a="http://schemas.openxmlformats.org/drawingml/2006/main" xmlns:r="http://schemas.openxmlformats.org/officeDocument/2006/relationships" xmlns:p="http://schemas.openxmlformats.org/presentationml/2006/main" type="objOnly" preserve="1">
   <p:cSld name="Centered Text">
     <p:spTree>
       <p:nvGrpSpPr>
@@ -1110,16 +1259,17 @@
           </a:prstGeom>
         </p:spPr>
         <p:txBody>
-          <a:bodyPr lIns="0" rIns="0" tIns="0" bIns="0" anchor="ctr"/>
+          <a:bodyPr lIns="0" tIns="0" rIns="0" bIns="0" anchor="ctr"/>
+          <a:lstStyle/>
           <a:p>
             <a:pPr algn="ctr"/>
-            <a:endParaRPr b="0" lang="de-DE" sz="3200" spc="-1" strike="noStrike">
-              <a:solidFill>
-                <a:srgbClr val="000000"/>
-              </a:solidFill>
-              <a:uFill>
-                <a:solidFill>
-                  <a:srgbClr val="ffffff"/>
+            <a:endParaRPr lang="de-DE" sz="3200" b="0" strike="noStrike" spc="-1">
+              <a:solidFill>
+                <a:srgbClr val="000000"/>
+              </a:solidFill>
+              <a:uFill>
+                <a:solidFill>
+                  <a:srgbClr val="FFFFFF"/>
                 </a:solidFill>
               </a:uFill>
               <a:latin typeface="Arial"/>
@@ -1129,11 +1279,14 @@
       </p:sp>
     </p:spTree>
   </p:cSld>
+  <p:clrMapOvr>
+    <a:masterClrMapping/>
+  </p:clrMapOvr>
 </p:sldLayout>
 </file>
 
 <file path=ppt/slideLayouts/slideLayout19.xml><?xml version="1.0" encoding="utf-8"?>
-<p:sldLayout xmlns:a="http://schemas.openxmlformats.org/drawingml/2006/main" xmlns:p="http://schemas.openxmlformats.org/presentationml/2006/main" xmlns:r="http://schemas.openxmlformats.org/officeDocument/2006/relationships" xmlns:p14="http://schemas.microsoft.com/office/powerpoint/2010/main" xmlns:p15="http://schemas.microsoft.com/office/powerpoint/2012/main" xmlns:mc="http://schemas.openxmlformats.org/markup-compatibility/2006" type="twoObjAndObj" preserve="1">
+<p:sldLayout xmlns:a="http://schemas.openxmlformats.org/drawingml/2006/main" xmlns:r="http://schemas.openxmlformats.org/officeDocument/2006/relationships" xmlns:p="http://schemas.openxmlformats.org/presentationml/2006/main" type="twoObjAndObj" preserve="1">
   <p:cSld name="Title, 2 Content and Content">
     <p:spTree>
       <p:nvGrpSpPr>
@@ -1169,15 +1322,16 @@
           </a:prstGeom>
         </p:spPr>
         <p:txBody>
-          <a:bodyPr lIns="0" rIns="0" tIns="0" bIns="0" anchor="ctr"/>
-          <a:p>
-            <a:endParaRPr b="0" lang="de-DE" sz="4400" spc="-1" strike="noStrike">
-              <a:solidFill>
-                <a:srgbClr val="000000"/>
-              </a:solidFill>
-              <a:uFill>
-                <a:solidFill>
-                  <a:srgbClr val="ffffff"/>
+          <a:bodyPr lIns="0" tIns="0" rIns="0" bIns="0" anchor="ctr"/>
+          <a:lstStyle/>
+          <a:p>
+            <a:endParaRPr lang="de-DE" sz="4400" b="0" strike="noStrike" spc="-1">
+              <a:solidFill>
+                <a:srgbClr val="000000"/>
+              </a:solidFill>
+              <a:uFill>
+                <a:solidFill>
+                  <a:srgbClr val="FFFFFF"/>
                 </a:solidFill>
               </a:uFill>
               <a:latin typeface="Arial"/>
@@ -1205,17 +1359,18 @@
           </a:prstGeom>
         </p:spPr>
         <p:txBody>
-          <a:bodyPr lIns="0" rIns="0" tIns="0" bIns="0">
+          <a:bodyPr lIns="0" tIns="0" rIns="0" bIns="0">
             <a:normAutofit/>
           </a:bodyPr>
-          <a:p>
-            <a:endParaRPr b="0" lang="de-DE" sz="3200" spc="-1" strike="noStrike">
-              <a:solidFill>
-                <a:srgbClr val="000000"/>
-              </a:solidFill>
-              <a:uFill>
-                <a:solidFill>
-                  <a:srgbClr val="ffffff"/>
+          <a:lstStyle/>
+          <a:p>
+            <a:endParaRPr lang="de-DE" sz="3200" b="0" strike="noStrike" spc="-1">
+              <a:solidFill>
+                <a:srgbClr val="000000"/>
+              </a:solidFill>
+              <a:uFill>
+                <a:solidFill>
+                  <a:srgbClr val="FFFFFF"/>
                 </a:solidFill>
               </a:uFill>
               <a:latin typeface="Arial"/>
@@ -1243,17 +1398,18 @@
           </a:prstGeom>
         </p:spPr>
         <p:txBody>
-          <a:bodyPr lIns="0" rIns="0" tIns="0" bIns="0">
+          <a:bodyPr lIns="0" tIns="0" rIns="0" bIns="0">
             <a:normAutofit/>
           </a:bodyPr>
-          <a:p>
-            <a:endParaRPr b="0" lang="de-DE" sz="3200" spc="-1" strike="noStrike">
-              <a:solidFill>
-                <a:srgbClr val="000000"/>
-              </a:solidFill>
-              <a:uFill>
-                <a:solidFill>
-                  <a:srgbClr val="ffffff"/>
+          <a:lstStyle/>
+          <a:p>
+            <a:endParaRPr lang="de-DE" sz="3200" b="0" strike="noStrike" spc="-1">
+              <a:solidFill>
+                <a:srgbClr val="000000"/>
+              </a:solidFill>
+              <a:uFill>
+                <a:solidFill>
+                  <a:srgbClr val="FFFFFF"/>
                 </a:solidFill>
               </a:uFill>
               <a:latin typeface="Arial"/>
@@ -1281,17 +1437,18 @@
           </a:prstGeom>
         </p:spPr>
         <p:txBody>
-          <a:bodyPr lIns="0" rIns="0" tIns="0" bIns="0">
+          <a:bodyPr lIns="0" tIns="0" rIns="0" bIns="0">
             <a:normAutofit/>
           </a:bodyPr>
-          <a:p>
-            <a:endParaRPr b="0" lang="de-DE" sz="3200" spc="-1" strike="noStrike">
-              <a:solidFill>
-                <a:srgbClr val="000000"/>
-              </a:solidFill>
-              <a:uFill>
-                <a:solidFill>
-                  <a:srgbClr val="ffffff"/>
+          <a:lstStyle/>
+          <a:p>
+            <a:endParaRPr lang="de-DE" sz="3200" b="0" strike="noStrike" spc="-1">
+              <a:solidFill>
+                <a:srgbClr val="000000"/>
+              </a:solidFill>
+              <a:uFill>
+                <a:solidFill>
+                  <a:srgbClr val="FFFFFF"/>
                 </a:solidFill>
               </a:uFill>
               <a:latin typeface="Arial"/>
@@ -1301,11 +1458,14 @@
       </p:sp>
     </p:spTree>
   </p:cSld>
+  <p:clrMapOvr>
+    <a:masterClrMapping/>
+  </p:clrMapOvr>
 </p:sldLayout>
 </file>
 
 <file path=ppt/slideLayouts/slideLayout2.xml><?xml version="1.0" encoding="utf-8"?>
-<p:sldLayout xmlns:a="http://schemas.openxmlformats.org/drawingml/2006/main" xmlns:p="http://schemas.openxmlformats.org/presentationml/2006/main" xmlns:r="http://schemas.openxmlformats.org/officeDocument/2006/relationships" xmlns:p14="http://schemas.microsoft.com/office/powerpoint/2010/main" xmlns:p15="http://schemas.microsoft.com/office/powerpoint/2012/main" xmlns:mc="http://schemas.openxmlformats.org/markup-compatibility/2006" type="tx" preserve="1">
+<p:sldLayout xmlns:a="http://schemas.openxmlformats.org/drawingml/2006/main" xmlns:r="http://schemas.openxmlformats.org/officeDocument/2006/relationships" xmlns:p="http://schemas.openxmlformats.org/presentationml/2006/main" type="tx" preserve="1">
   <p:cSld name="Title Slide">
     <p:spTree>
       <p:nvGrpSpPr>
@@ -1341,15 +1501,16 @@
           </a:prstGeom>
         </p:spPr>
         <p:txBody>
-          <a:bodyPr lIns="0" rIns="0" tIns="0" bIns="0" anchor="ctr"/>
-          <a:p>
-            <a:endParaRPr b="0" lang="de-DE" sz="4400" spc="-1" strike="noStrike">
-              <a:solidFill>
-                <a:srgbClr val="000000"/>
-              </a:solidFill>
-              <a:uFill>
-                <a:solidFill>
-                  <a:srgbClr val="ffffff"/>
+          <a:bodyPr lIns="0" tIns="0" rIns="0" bIns="0" anchor="ctr"/>
+          <a:lstStyle/>
+          <a:p>
+            <a:endParaRPr lang="de-DE" sz="4400" b="0" strike="noStrike" spc="-1">
+              <a:solidFill>
+                <a:srgbClr val="000000"/>
+              </a:solidFill>
+              <a:uFill>
+                <a:solidFill>
+                  <a:srgbClr val="FFFFFF"/>
                 </a:solidFill>
               </a:uFill>
               <a:latin typeface="Arial"/>
@@ -1377,16 +1538,17 @@
           </a:prstGeom>
         </p:spPr>
         <p:txBody>
-          <a:bodyPr lIns="0" rIns="0" tIns="0" bIns="0" anchor="ctr"/>
+          <a:bodyPr lIns="0" tIns="0" rIns="0" bIns="0" anchor="ctr"/>
+          <a:lstStyle/>
           <a:p>
             <a:pPr algn="ctr"/>
-            <a:endParaRPr b="0" lang="de-DE" sz="3200" spc="-1" strike="noStrike">
-              <a:solidFill>
-                <a:srgbClr val="ffffff"/>
-              </a:solidFill>
-              <a:uFill>
-                <a:solidFill>
-                  <a:srgbClr val="ffffff"/>
+            <a:endParaRPr lang="de-DE" sz="3200" b="0" strike="noStrike" spc="-1">
+              <a:solidFill>
+                <a:srgbClr val="FFFFFF"/>
+              </a:solidFill>
+              <a:uFill>
+                <a:solidFill>
+                  <a:srgbClr val="FFFFFF"/>
                 </a:solidFill>
               </a:uFill>
               <a:latin typeface="Arial"/>
@@ -1396,11 +1558,14 @@
       </p:sp>
     </p:spTree>
   </p:cSld>
+  <p:clrMapOvr>
+    <a:masterClrMapping/>
+  </p:clrMapOvr>
 </p:sldLayout>
 </file>
 
 <file path=ppt/slideLayouts/slideLayout20.xml><?xml version="1.0" encoding="utf-8"?>
-<p:sldLayout xmlns:a="http://schemas.openxmlformats.org/drawingml/2006/main" xmlns:p="http://schemas.openxmlformats.org/presentationml/2006/main" xmlns:r="http://schemas.openxmlformats.org/officeDocument/2006/relationships" xmlns:p14="http://schemas.microsoft.com/office/powerpoint/2010/main" xmlns:p15="http://schemas.microsoft.com/office/powerpoint/2012/main" xmlns:mc="http://schemas.openxmlformats.org/markup-compatibility/2006" type="objAndTwoObj" preserve="1">
+<p:sldLayout xmlns:a="http://schemas.openxmlformats.org/drawingml/2006/main" xmlns:r="http://schemas.openxmlformats.org/officeDocument/2006/relationships" xmlns:p="http://schemas.openxmlformats.org/presentationml/2006/main" type="objAndTwoObj" preserve="1">
   <p:cSld name="Title Content and 2 Content">
     <p:spTree>
       <p:nvGrpSpPr>
@@ -1436,15 +1601,16 @@
           </a:prstGeom>
         </p:spPr>
         <p:txBody>
-          <a:bodyPr lIns="0" rIns="0" tIns="0" bIns="0" anchor="ctr"/>
-          <a:p>
-            <a:endParaRPr b="0" lang="de-DE" sz="4400" spc="-1" strike="noStrike">
-              <a:solidFill>
-                <a:srgbClr val="000000"/>
-              </a:solidFill>
-              <a:uFill>
-                <a:solidFill>
-                  <a:srgbClr val="ffffff"/>
+          <a:bodyPr lIns="0" tIns="0" rIns="0" bIns="0" anchor="ctr"/>
+          <a:lstStyle/>
+          <a:p>
+            <a:endParaRPr lang="de-DE" sz="4400" b="0" strike="noStrike" spc="-1">
+              <a:solidFill>
+                <a:srgbClr val="000000"/>
+              </a:solidFill>
+              <a:uFill>
+                <a:solidFill>
+                  <a:srgbClr val="FFFFFF"/>
                 </a:solidFill>
               </a:uFill>
               <a:latin typeface="Arial"/>
@@ -1472,17 +1638,18 @@
           </a:prstGeom>
         </p:spPr>
         <p:txBody>
-          <a:bodyPr lIns="0" rIns="0" tIns="0" bIns="0">
+          <a:bodyPr lIns="0" tIns="0" rIns="0" bIns="0">
             <a:normAutofit/>
           </a:bodyPr>
-          <a:p>
-            <a:endParaRPr b="0" lang="de-DE" sz="3200" spc="-1" strike="noStrike">
-              <a:solidFill>
-                <a:srgbClr val="000000"/>
-              </a:solidFill>
-              <a:uFill>
-                <a:solidFill>
-                  <a:srgbClr val="ffffff"/>
+          <a:lstStyle/>
+          <a:p>
+            <a:endParaRPr lang="de-DE" sz="3200" b="0" strike="noStrike" spc="-1">
+              <a:solidFill>
+                <a:srgbClr val="000000"/>
+              </a:solidFill>
+              <a:uFill>
+                <a:solidFill>
+                  <a:srgbClr val="FFFFFF"/>
                 </a:solidFill>
               </a:uFill>
               <a:latin typeface="Arial"/>
@@ -1510,17 +1677,18 @@
           </a:prstGeom>
         </p:spPr>
         <p:txBody>
-          <a:bodyPr lIns="0" rIns="0" tIns="0" bIns="0">
+          <a:bodyPr lIns="0" tIns="0" rIns="0" bIns="0">
             <a:normAutofit/>
           </a:bodyPr>
-          <a:p>
-            <a:endParaRPr b="0" lang="de-DE" sz="3200" spc="-1" strike="noStrike">
-              <a:solidFill>
-                <a:srgbClr val="000000"/>
-              </a:solidFill>
-              <a:uFill>
-                <a:solidFill>
-                  <a:srgbClr val="ffffff"/>
+          <a:lstStyle/>
+          <a:p>
+            <a:endParaRPr lang="de-DE" sz="3200" b="0" strike="noStrike" spc="-1">
+              <a:solidFill>
+                <a:srgbClr val="000000"/>
+              </a:solidFill>
+              <a:uFill>
+                <a:solidFill>
+                  <a:srgbClr val="FFFFFF"/>
                 </a:solidFill>
               </a:uFill>
               <a:latin typeface="Arial"/>
@@ -1548,17 +1716,18 @@
           </a:prstGeom>
         </p:spPr>
         <p:txBody>
-          <a:bodyPr lIns="0" rIns="0" tIns="0" bIns="0">
+          <a:bodyPr lIns="0" tIns="0" rIns="0" bIns="0">
             <a:normAutofit/>
           </a:bodyPr>
-          <a:p>
-            <a:endParaRPr b="0" lang="de-DE" sz="3200" spc="-1" strike="noStrike">
-              <a:solidFill>
-                <a:srgbClr val="000000"/>
-              </a:solidFill>
-              <a:uFill>
-                <a:solidFill>
-                  <a:srgbClr val="ffffff"/>
+          <a:lstStyle/>
+          <a:p>
+            <a:endParaRPr lang="de-DE" sz="3200" b="0" strike="noStrike" spc="-1">
+              <a:solidFill>
+                <a:srgbClr val="000000"/>
+              </a:solidFill>
+              <a:uFill>
+                <a:solidFill>
+                  <a:srgbClr val="FFFFFF"/>
                 </a:solidFill>
               </a:uFill>
               <a:latin typeface="Arial"/>
@@ -1568,11 +1737,14 @@
       </p:sp>
     </p:spTree>
   </p:cSld>
+  <p:clrMapOvr>
+    <a:masterClrMapping/>
+  </p:clrMapOvr>
 </p:sldLayout>
 </file>
 
 <file path=ppt/slideLayouts/slideLayout21.xml><?xml version="1.0" encoding="utf-8"?>
-<p:sldLayout xmlns:a="http://schemas.openxmlformats.org/drawingml/2006/main" xmlns:p="http://schemas.openxmlformats.org/presentationml/2006/main" xmlns:r="http://schemas.openxmlformats.org/officeDocument/2006/relationships" xmlns:p14="http://schemas.microsoft.com/office/powerpoint/2010/main" xmlns:p15="http://schemas.microsoft.com/office/powerpoint/2012/main" xmlns:mc="http://schemas.openxmlformats.org/markup-compatibility/2006" type="twoObjOverTx" preserve="1">
+<p:sldLayout xmlns:a="http://schemas.openxmlformats.org/drawingml/2006/main" xmlns:r="http://schemas.openxmlformats.org/officeDocument/2006/relationships" xmlns:p="http://schemas.openxmlformats.org/presentationml/2006/main" type="twoObjOverTx" preserve="1">
   <p:cSld name="Title, 2 Content over Content">
     <p:spTree>
       <p:nvGrpSpPr>
@@ -1608,15 +1780,16 @@
           </a:prstGeom>
         </p:spPr>
         <p:txBody>
-          <a:bodyPr lIns="0" rIns="0" tIns="0" bIns="0" anchor="ctr"/>
-          <a:p>
-            <a:endParaRPr b="0" lang="de-DE" sz="4400" spc="-1" strike="noStrike">
-              <a:solidFill>
-                <a:srgbClr val="000000"/>
-              </a:solidFill>
-              <a:uFill>
-                <a:solidFill>
-                  <a:srgbClr val="ffffff"/>
+          <a:bodyPr lIns="0" tIns="0" rIns="0" bIns="0" anchor="ctr"/>
+          <a:lstStyle/>
+          <a:p>
+            <a:endParaRPr lang="de-DE" sz="4400" b="0" strike="noStrike" spc="-1">
+              <a:solidFill>
+                <a:srgbClr val="000000"/>
+              </a:solidFill>
+              <a:uFill>
+                <a:solidFill>
+                  <a:srgbClr val="FFFFFF"/>
                 </a:solidFill>
               </a:uFill>
               <a:latin typeface="Arial"/>
@@ -1644,17 +1817,18 @@
           </a:prstGeom>
         </p:spPr>
         <p:txBody>
-          <a:bodyPr lIns="0" rIns="0" tIns="0" bIns="0">
+          <a:bodyPr lIns="0" tIns="0" rIns="0" bIns="0">
             <a:normAutofit/>
           </a:bodyPr>
-          <a:p>
-            <a:endParaRPr b="0" lang="de-DE" sz="3200" spc="-1" strike="noStrike">
-              <a:solidFill>
-                <a:srgbClr val="000000"/>
-              </a:solidFill>
-              <a:uFill>
-                <a:solidFill>
-                  <a:srgbClr val="ffffff"/>
+          <a:lstStyle/>
+          <a:p>
+            <a:endParaRPr lang="de-DE" sz="3200" b="0" strike="noStrike" spc="-1">
+              <a:solidFill>
+                <a:srgbClr val="000000"/>
+              </a:solidFill>
+              <a:uFill>
+                <a:solidFill>
+                  <a:srgbClr val="FFFFFF"/>
                 </a:solidFill>
               </a:uFill>
               <a:latin typeface="Arial"/>
@@ -1682,17 +1856,18 @@
           </a:prstGeom>
         </p:spPr>
         <p:txBody>
-          <a:bodyPr lIns="0" rIns="0" tIns="0" bIns="0">
+          <a:bodyPr lIns="0" tIns="0" rIns="0" bIns="0">
             <a:normAutofit/>
           </a:bodyPr>
-          <a:p>
-            <a:endParaRPr b="0" lang="de-DE" sz="3200" spc="-1" strike="noStrike">
-              <a:solidFill>
-                <a:srgbClr val="000000"/>
-              </a:solidFill>
-              <a:uFill>
-                <a:solidFill>
-                  <a:srgbClr val="ffffff"/>
+          <a:lstStyle/>
+          <a:p>
+            <a:endParaRPr lang="de-DE" sz="3200" b="0" strike="noStrike" spc="-1">
+              <a:solidFill>
+                <a:srgbClr val="000000"/>
+              </a:solidFill>
+              <a:uFill>
+                <a:solidFill>
+                  <a:srgbClr val="FFFFFF"/>
                 </a:solidFill>
               </a:uFill>
               <a:latin typeface="Arial"/>
@@ -1720,17 +1895,18 @@
           </a:prstGeom>
         </p:spPr>
         <p:txBody>
-          <a:bodyPr lIns="0" rIns="0" tIns="0" bIns="0">
+          <a:bodyPr lIns="0" tIns="0" rIns="0" bIns="0">
             <a:normAutofit/>
           </a:bodyPr>
-          <a:p>
-            <a:endParaRPr b="0" lang="de-DE" sz="3200" spc="-1" strike="noStrike">
-              <a:solidFill>
-                <a:srgbClr val="000000"/>
-              </a:solidFill>
-              <a:uFill>
-                <a:solidFill>
-                  <a:srgbClr val="ffffff"/>
+          <a:lstStyle/>
+          <a:p>
+            <a:endParaRPr lang="de-DE" sz="3200" b="0" strike="noStrike" spc="-1">
+              <a:solidFill>
+                <a:srgbClr val="000000"/>
+              </a:solidFill>
+              <a:uFill>
+                <a:solidFill>
+                  <a:srgbClr val="FFFFFF"/>
                 </a:solidFill>
               </a:uFill>
               <a:latin typeface="Arial"/>
@@ -1740,11 +1916,14 @@
       </p:sp>
     </p:spTree>
   </p:cSld>
+  <p:clrMapOvr>
+    <a:masterClrMapping/>
+  </p:clrMapOvr>
 </p:sldLayout>
 </file>
 
 <file path=ppt/slideLayouts/slideLayout22.xml><?xml version="1.0" encoding="utf-8"?>
-<p:sldLayout xmlns:a="http://schemas.openxmlformats.org/drawingml/2006/main" xmlns:p="http://schemas.openxmlformats.org/presentationml/2006/main" xmlns:r="http://schemas.openxmlformats.org/officeDocument/2006/relationships" xmlns:p14="http://schemas.microsoft.com/office/powerpoint/2010/main" xmlns:p15="http://schemas.microsoft.com/office/powerpoint/2012/main" xmlns:mc="http://schemas.openxmlformats.org/markup-compatibility/2006" type="objOverTx" preserve="1">
+<p:sldLayout xmlns:a="http://schemas.openxmlformats.org/drawingml/2006/main" xmlns:r="http://schemas.openxmlformats.org/officeDocument/2006/relationships" xmlns:p="http://schemas.openxmlformats.org/presentationml/2006/main" type="objOverTx" preserve="1">
   <p:cSld name="Title, Content over Content">
     <p:spTree>
       <p:nvGrpSpPr>
@@ -1780,15 +1959,16 @@
           </a:prstGeom>
         </p:spPr>
         <p:txBody>
-          <a:bodyPr lIns="0" rIns="0" tIns="0" bIns="0" anchor="ctr"/>
-          <a:p>
-            <a:endParaRPr b="0" lang="de-DE" sz="4400" spc="-1" strike="noStrike">
-              <a:solidFill>
-                <a:srgbClr val="000000"/>
-              </a:solidFill>
-              <a:uFill>
-                <a:solidFill>
-                  <a:srgbClr val="ffffff"/>
+          <a:bodyPr lIns="0" tIns="0" rIns="0" bIns="0" anchor="ctr"/>
+          <a:lstStyle/>
+          <a:p>
+            <a:endParaRPr lang="de-DE" sz="4400" b="0" strike="noStrike" spc="-1">
+              <a:solidFill>
+                <a:srgbClr val="000000"/>
+              </a:solidFill>
+              <a:uFill>
+                <a:solidFill>
+                  <a:srgbClr val="FFFFFF"/>
                 </a:solidFill>
               </a:uFill>
               <a:latin typeface="Arial"/>
@@ -1816,17 +1996,18 @@
           </a:prstGeom>
         </p:spPr>
         <p:txBody>
-          <a:bodyPr lIns="0" rIns="0" tIns="0" bIns="0">
+          <a:bodyPr lIns="0" tIns="0" rIns="0" bIns="0">
             <a:normAutofit/>
           </a:bodyPr>
-          <a:p>
-            <a:endParaRPr b="0" lang="de-DE" sz="3200" spc="-1" strike="noStrike">
-              <a:solidFill>
-                <a:srgbClr val="000000"/>
-              </a:solidFill>
-              <a:uFill>
-                <a:solidFill>
-                  <a:srgbClr val="ffffff"/>
+          <a:lstStyle/>
+          <a:p>
+            <a:endParaRPr lang="de-DE" sz="3200" b="0" strike="noStrike" spc="-1">
+              <a:solidFill>
+                <a:srgbClr val="000000"/>
+              </a:solidFill>
+              <a:uFill>
+                <a:solidFill>
+                  <a:srgbClr val="FFFFFF"/>
                 </a:solidFill>
               </a:uFill>
               <a:latin typeface="Arial"/>
@@ -1854,17 +2035,18 @@
           </a:prstGeom>
         </p:spPr>
         <p:txBody>
-          <a:bodyPr lIns="0" rIns="0" tIns="0" bIns="0">
+          <a:bodyPr lIns="0" tIns="0" rIns="0" bIns="0">
             <a:normAutofit/>
           </a:bodyPr>
-          <a:p>
-            <a:endParaRPr b="0" lang="de-DE" sz="3200" spc="-1" strike="noStrike">
-              <a:solidFill>
-                <a:srgbClr val="000000"/>
-              </a:solidFill>
-              <a:uFill>
-                <a:solidFill>
-                  <a:srgbClr val="ffffff"/>
+          <a:lstStyle/>
+          <a:p>
+            <a:endParaRPr lang="de-DE" sz="3200" b="0" strike="noStrike" spc="-1">
+              <a:solidFill>
+                <a:srgbClr val="000000"/>
+              </a:solidFill>
+              <a:uFill>
+                <a:solidFill>
+                  <a:srgbClr val="FFFFFF"/>
                 </a:solidFill>
               </a:uFill>
               <a:latin typeface="Arial"/>
@@ -1874,11 +2056,14 @@
       </p:sp>
     </p:spTree>
   </p:cSld>
+  <p:clrMapOvr>
+    <a:masterClrMapping/>
+  </p:clrMapOvr>
 </p:sldLayout>
 </file>
 
 <file path=ppt/slideLayouts/slideLayout23.xml><?xml version="1.0" encoding="utf-8"?>
-<p:sldLayout xmlns:a="http://schemas.openxmlformats.org/drawingml/2006/main" xmlns:p="http://schemas.openxmlformats.org/presentationml/2006/main" xmlns:r="http://schemas.openxmlformats.org/officeDocument/2006/relationships" xmlns:p14="http://schemas.microsoft.com/office/powerpoint/2010/main" xmlns:p15="http://schemas.microsoft.com/office/powerpoint/2012/main" xmlns:mc="http://schemas.openxmlformats.org/markup-compatibility/2006" type="fourObj" preserve="1">
+<p:sldLayout xmlns:a="http://schemas.openxmlformats.org/drawingml/2006/main" xmlns:r="http://schemas.openxmlformats.org/officeDocument/2006/relationships" xmlns:p="http://schemas.openxmlformats.org/presentationml/2006/main" type="fourObj" preserve="1">
   <p:cSld name="Title, 4 Content">
     <p:spTree>
       <p:nvGrpSpPr>
@@ -1914,15 +2099,16 @@
           </a:prstGeom>
         </p:spPr>
         <p:txBody>
-          <a:bodyPr lIns="0" rIns="0" tIns="0" bIns="0" anchor="ctr"/>
-          <a:p>
-            <a:endParaRPr b="0" lang="de-DE" sz="4400" spc="-1" strike="noStrike">
-              <a:solidFill>
-                <a:srgbClr val="000000"/>
-              </a:solidFill>
-              <a:uFill>
-                <a:solidFill>
-                  <a:srgbClr val="ffffff"/>
+          <a:bodyPr lIns="0" tIns="0" rIns="0" bIns="0" anchor="ctr"/>
+          <a:lstStyle/>
+          <a:p>
+            <a:endParaRPr lang="de-DE" sz="4400" b="0" strike="noStrike" spc="-1">
+              <a:solidFill>
+                <a:srgbClr val="000000"/>
+              </a:solidFill>
+              <a:uFill>
+                <a:solidFill>
+                  <a:srgbClr val="FFFFFF"/>
                 </a:solidFill>
               </a:uFill>
               <a:latin typeface="Arial"/>
@@ -1950,17 +2136,18 @@
           </a:prstGeom>
         </p:spPr>
         <p:txBody>
-          <a:bodyPr lIns="0" rIns="0" tIns="0" bIns="0">
+          <a:bodyPr lIns="0" tIns="0" rIns="0" bIns="0">
             <a:normAutofit/>
           </a:bodyPr>
-          <a:p>
-            <a:endParaRPr b="0" lang="de-DE" sz="3200" spc="-1" strike="noStrike">
-              <a:solidFill>
-                <a:srgbClr val="000000"/>
-              </a:solidFill>
-              <a:uFill>
-                <a:solidFill>
-                  <a:srgbClr val="ffffff"/>
+          <a:lstStyle/>
+          <a:p>
+            <a:endParaRPr lang="de-DE" sz="3200" b="0" strike="noStrike" spc="-1">
+              <a:solidFill>
+                <a:srgbClr val="000000"/>
+              </a:solidFill>
+              <a:uFill>
+                <a:solidFill>
+                  <a:srgbClr val="FFFFFF"/>
                 </a:solidFill>
               </a:uFill>
               <a:latin typeface="Arial"/>
@@ -1988,17 +2175,18 @@
           </a:prstGeom>
         </p:spPr>
         <p:txBody>
-          <a:bodyPr lIns="0" rIns="0" tIns="0" bIns="0">
+          <a:bodyPr lIns="0" tIns="0" rIns="0" bIns="0">
             <a:normAutofit/>
           </a:bodyPr>
-          <a:p>
-            <a:endParaRPr b="0" lang="de-DE" sz="3200" spc="-1" strike="noStrike">
-              <a:solidFill>
-                <a:srgbClr val="000000"/>
-              </a:solidFill>
-              <a:uFill>
-                <a:solidFill>
-                  <a:srgbClr val="ffffff"/>
+          <a:lstStyle/>
+          <a:p>
+            <a:endParaRPr lang="de-DE" sz="3200" b="0" strike="noStrike" spc="-1">
+              <a:solidFill>
+                <a:srgbClr val="000000"/>
+              </a:solidFill>
+              <a:uFill>
+                <a:solidFill>
+                  <a:srgbClr val="FFFFFF"/>
                 </a:solidFill>
               </a:uFill>
               <a:latin typeface="Arial"/>
@@ -2026,17 +2214,18 @@
           </a:prstGeom>
         </p:spPr>
         <p:txBody>
-          <a:bodyPr lIns="0" rIns="0" tIns="0" bIns="0">
+          <a:bodyPr lIns="0" tIns="0" rIns="0" bIns="0">
             <a:normAutofit/>
           </a:bodyPr>
-          <a:p>
-            <a:endParaRPr b="0" lang="de-DE" sz="3200" spc="-1" strike="noStrike">
-              <a:solidFill>
-                <a:srgbClr val="000000"/>
-              </a:solidFill>
-              <a:uFill>
-                <a:solidFill>
-                  <a:srgbClr val="ffffff"/>
+          <a:lstStyle/>
+          <a:p>
+            <a:endParaRPr lang="de-DE" sz="3200" b="0" strike="noStrike" spc="-1">
+              <a:solidFill>
+                <a:srgbClr val="000000"/>
+              </a:solidFill>
+              <a:uFill>
+                <a:solidFill>
+                  <a:srgbClr val="FFFFFF"/>
                 </a:solidFill>
               </a:uFill>
               <a:latin typeface="Arial"/>
@@ -2064,17 +2253,18 @@
           </a:prstGeom>
         </p:spPr>
         <p:txBody>
-          <a:bodyPr lIns="0" rIns="0" tIns="0" bIns="0">
+          <a:bodyPr lIns="0" tIns="0" rIns="0" bIns="0">
             <a:normAutofit/>
           </a:bodyPr>
-          <a:p>
-            <a:endParaRPr b="0" lang="de-DE" sz="3200" spc="-1" strike="noStrike">
-              <a:solidFill>
-                <a:srgbClr val="000000"/>
-              </a:solidFill>
-              <a:uFill>
-                <a:solidFill>
-                  <a:srgbClr val="ffffff"/>
+          <a:lstStyle/>
+          <a:p>
+            <a:endParaRPr lang="de-DE" sz="3200" b="0" strike="noStrike" spc="-1">
+              <a:solidFill>
+                <a:srgbClr val="000000"/>
+              </a:solidFill>
+              <a:uFill>
+                <a:solidFill>
+                  <a:srgbClr val="FFFFFF"/>
                 </a:solidFill>
               </a:uFill>
               <a:latin typeface="Arial"/>
@@ -2084,11 +2274,14 @@
       </p:sp>
     </p:spTree>
   </p:cSld>
+  <p:clrMapOvr>
+    <a:masterClrMapping/>
+  </p:clrMapOvr>
 </p:sldLayout>
 </file>
 
 <file path=ppt/slideLayouts/slideLayout24.xml><?xml version="1.0" encoding="utf-8"?>
-<p:sldLayout xmlns:a="http://schemas.openxmlformats.org/drawingml/2006/main" xmlns:p="http://schemas.openxmlformats.org/presentationml/2006/main" xmlns:r="http://schemas.openxmlformats.org/officeDocument/2006/relationships" xmlns:p14="http://schemas.microsoft.com/office/powerpoint/2010/main" xmlns:p15="http://schemas.microsoft.com/office/powerpoint/2012/main" xmlns:mc="http://schemas.openxmlformats.org/markup-compatibility/2006" type="blank" preserve="1">
+<p:sldLayout xmlns:a="http://schemas.openxmlformats.org/drawingml/2006/main" xmlns:r="http://schemas.openxmlformats.org/officeDocument/2006/relationships" xmlns:p="http://schemas.openxmlformats.org/presentationml/2006/main" type="blank" preserve="1">
   <p:cSld name="Title, 6 Content">
     <p:spTree>
       <p:nvGrpSpPr>
@@ -2124,15 +2317,16 @@
           </a:prstGeom>
         </p:spPr>
         <p:txBody>
-          <a:bodyPr lIns="0" rIns="0" tIns="0" bIns="0" anchor="ctr"/>
-          <a:p>
-            <a:endParaRPr b="0" lang="de-DE" sz="4400" spc="-1" strike="noStrike">
-              <a:solidFill>
-                <a:srgbClr val="000000"/>
-              </a:solidFill>
-              <a:uFill>
-                <a:solidFill>
-                  <a:srgbClr val="ffffff"/>
+          <a:bodyPr lIns="0" tIns="0" rIns="0" bIns="0" anchor="ctr"/>
+          <a:lstStyle/>
+          <a:p>
+            <a:endParaRPr lang="de-DE" sz="4400" b="0" strike="noStrike" spc="-1">
+              <a:solidFill>
+                <a:srgbClr val="000000"/>
+              </a:solidFill>
+              <a:uFill>
+                <a:solidFill>
+                  <a:srgbClr val="FFFFFF"/>
                 </a:solidFill>
               </a:uFill>
               <a:latin typeface="Arial"/>
@@ -2160,17 +2354,18 @@
           </a:prstGeom>
         </p:spPr>
         <p:txBody>
-          <a:bodyPr lIns="0" rIns="0" tIns="0" bIns="0">
+          <a:bodyPr lIns="0" tIns="0" rIns="0" bIns="0">
             <a:normAutofit/>
           </a:bodyPr>
-          <a:p>
-            <a:endParaRPr b="0" lang="de-DE" sz="3200" spc="-1" strike="noStrike">
-              <a:solidFill>
-                <a:srgbClr val="000000"/>
-              </a:solidFill>
-              <a:uFill>
-                <a:solidFill>
-                  <a:srgbClr val="ffffff"/>
+          <a:lstStyle/>
+          <a:p>
+            <a:endParaRPr lang="de-DE" sz="3200" b="0" strike="noStrike" spc="-1">
+              <a:solidFill>
+                <a:srgbClr val="000000"/>
+              </a:solidFill>
+              <a:uFill>
+                <a:solidFill>
+                  <a:srgbClr val="FFFFFF"/>
                 </a:solidFill>
               </a:uFill>
               <a:latin typeface="Arial"/>
@@ -2198,17 +2393,18 @@
           </a:prstGeom>
         </p:spPr>
         <p:txBody>
-          <a:bodyPr lIns="0" rIns="0" tIns="0" bIns="0">
+          <a:bodyPr lIns="0" tIns="0" rIns="0" bIns="0">
             <a:normAutofit/>
           </a:bodyPr>
-          <a:p>
-            <a:endParaRPr b="0" lang="de-DE" sz="3200" spc="-1" strike="noStrike">
-              <a:solidFill>
-                <a:srgbClr val="000000"/>
-              </a:solidFill>
-              <a:uFill>
-                <a:solidFill>
-                  <a:srgbClr val="ffffff"/>
+          <a:lstStyle/>
+          <a:p>
+            <a:endParaRPr lang="de-DE" sz="3200" b="0" strike="noStrike" spc="-1">
+              <a:solidFill>
+                <a:srgbClr val="000000"/>
+              </a:solidFill>
+              <a:uFill>
+                <a:solidFill>
+                  <a:srgbClr val="FFFFFF"/>
                 </a:solidFill>
               </a:uFill>
               <a:latin typeface="Arial"/>
@@ -2236,17 +2432,18 @@
           </a:prstGeom>
         </p:spPr>
         <p:txBody>
-          <a:bodyPr lIns="0" rIns="0" tIns="0" bIns="0">
+          <a:bodyPr lIns="0" tIns="0" rIns="0" bIns="0">
             <a:normAutofit/>
           </a:bodyPr>
-          <a:p>
-            <a:endParaRPr b="0" lang="de-DE" sz="3200" spc="-1" strike="noStrike">
-              <a:solidFill>
-                <a:srgbClr val="000000"/>
-              </a:solidFill>
-              <a:uFill>
-                <a:solidFill>
-                  <a:srgbClr val="ffffff"/>
+          <a:lstStyle/>
+          <a:p>
+            <a:endParaRPr lang="de-DE" sz="3200" b="0" strike="noStrike" spc="-1">
+              <a:solidFill>
+                <a:srgbClr val="000000"/>
+              </a:solidFill>
+              <a:uFill>
+                <a:solidFill>
+                  <a:srgbClr val="FFFFFF"/>
                 </a:solidFill>
               </a:uFill>
               <a:latin typeface="Arial"/>
@@ -2274,17 +2471,18 @@
           </a:prstGeom>
         </p:spPr>
         <p:txBody>
-          <a:bodyPr lIns="0" rIns="0" tIns="0" bIns="0">
+          <a:bodyPr lIns="0" tIns="0" rIns="0" bIns="0">
             <a:normAutofit/>
           </a:bodyPr>
-          <a:p>
-            <a:endParaRPr b="0" lang="de-DE" sz="3200" spc="-1" strike="noStrike">
-              <a:solidFill>
-                <a:srgbClr val="000000"/>
-              </a:solidFill>
-              <a:uFill>
-                <a:solidFill>
-                  <a:srgbClr val="ffffff"/>
+          <a:lstStyle/>
+          <a:p>
+            <a:endParaRPr lang="de-DE" sz="3200" b="0" strike="noStrike" spc="-1">
+              <a:solidFill>
+                <a:srgbClr val="000000"/>
+              </a:solidFill>
+              <a:uFill>
+                <a:solidFill>
+                  <a:srgbClr val="FFFFFF"/>
                 </a:solidFill>
               </a:uFill>
               <a:latin typeface="Arial"/>
@@ -2312,17 +2510,18 @@
           </a:prstGeom>
         </p:spPr>
         <p:txBody>
-          <a:bodyPr lIns="0" rIns="0" tIns="0" bIns="0">
+          <a:bodyPr lIns="0" tIns="0" rIns="0" bIns="0">
             <a:normAutofit/>
           </a:bodyPr>
-          <a:p>
-            <a:endParaRPr b="0" lang="de-DE" sz="3200" spc="-1" strike="noStrike">
-              <a:solidFill>
-                <a:srgbClr val="000000"/>
-              </a:solidFill>
-              <a:uFill>
-                <a:solidFill>
-                  <a:srgbClr val="ffffff"/>
+          <a:lstStyle/>
+          <a:p>
+            <a:endParaRPr lang="de-DE" sz="3200" b="0" strike="noStrike" spc="-1">
+              <a:solidFill>
+                <a:srgbClr val="000000"/>
+              </a:solidFill>
+              <a:uFill>
+                <a:solidFill>
+                  <a:srgbClr val="FFFFFF"/>
                 </a:solidFill>
               </a:uFill>
               <a:latin typeface="Arial"/>
@@ -2350,17 +2549,18 @@
           </a:prstGeom>
         </p:spPr>
         <p:txBody>
-          <a:bodyPr lIns="0" rIns="0" tIns="0" bIns="0">
+          <a:bodyPr lIns="0" tIns="0" rIns="0" bIns="0">
             <a:normAutofit/>
           </a:bodyPr>
-          <a:p>
-            <a:endParaRPr b="0" lang="de-DE" sz="3200" spc="-1" strike="noStrike">
-              <a:solidFill>
-                <a:srgbClr val="000000"/>
-              </a:solidFill>
-              <a:uFill>
-                <a:solidFill>
-                  <a:srgbClr val="ffffff"/>
+          <a:lstStyle/>
+          <a:p>
+            <a:endParaRPr lang="de-DE" sz="3200" b="0" strike="noStrike" spc="-1">
+              <a:solidFill>
+                <a:srgbClr val="000000"/>
+              </a:solidFill>
+              <a:uFill>
+                <a:solidFill>
+                  <a:srgbClr val="FFFFFF"/>
                 </a:solidFill>
               </a:uFill>
               <a:latin typeface="Arial"/>
@@ -2370,11 +2570,14 @@
       </p:sp>
     </p:spTree>
   </p:cSld>
+  <p:clrMapOvr>
+    <a:masterClrMapping/>
+  </p:clrMapOvr>
 </p:sldLayout>
 </file>
 
 <file path=ppt/slideLayouts/slideLayout3.xml><?xml version="1.0" encoding="utf-8"?>
-<p:sldLayout xmlns:a="http://schemas.openxmlformats.org/drawingml/2006/main" xmlns:p="http://schemas.openxmlformats.org/presentationml/2006/main" xmlns:r="http://schemas.openxmlformats.org/officeDocument/2006/relationships" xmlns:p14="http://schemas.microsoft.com/office/powerpoint/2010/main" xmlns:p15="http://schemas.microsoft.com/office/powerpoint/2012/main" xmlns:mc="http://schemas.openxmlformats.org/markup-compatibility/2006" type="obj" preserve="1">
+<p:sldLayout xmlns:a="http://schemas.openxmlformats.org/drawingml/2006/main" xmlns:r="http://schemas.openxmlformats.org/officeDocument/2006/relationships" xmlns:p="http://schemas.openxmlformats.org/presentationml/2006/main" type="obj" preserve="1">
   <p:cSld name="Title, Content">
     <p:spTree>
       <p:nvGrpSpPr>
@@ -2410,15 +2613,16 @@
           </a:prstGeom>
         </p:spPr>
         <p:txBody>
-          <a:bodyPr lIns="0" rIns="0" tIns="0" bIns="0" anchor="ctr"/>
-          <a:p>
-            <a:endParaRPr b="0" lang="de-DE" sz="4400" spc="-1" strike="noStrike">
-              <a:solidFill>
-                <a:srgbClr val="000000"/>
-              </a:solidFill>
-              <a:uFill>
-                <a:solidFill>
-                  <a:srgbClr val="ffffff"/>
+          <a:bodyPr lIns="0" tIns="0" rIns="0" bIns="0" anchor="ctr"/>
+          <a:lstStyle/>
+          <a:p>
+            <a:endParaRPr lang="de-DE" sz="4400" b="0" strike="noStrike" spc="-1">
+              <a:solidFill>
+                <a:srgbClr val="000000"/>
+              </a:solidFill>
+              <a:uFill>
+                <a:solidFill>
+                  <a:srgbClr val="FFFFFF"/>
                 </a:solidFill>
               </a:uFill>
               <a:latin typeface="Arial"/>
@@ -2446,17 +2650,18 @@
           </a:prstGeom>
         </p:spPr>
         <p:txBody>
-          <a:bodyPr lIns="0" rIns="0" tIns="0" bIns="0">
+          <a:bodyPr lIns="0" tIns="0" rIns="0" bIns="0">
             <a:normAutofit/>
           </a:bodyPr>
-          <a:p>
-            <a:endParaRPr b="0" lang="de-DE" sz="3200" spc="-1" strike="noStrike">
-              <a:solidFill>
-                <a:srgbClr val="000000"/>
-              </a:solidFill>
-              <a:uFill>
-                <a:solidFill>
-                  <a:srgbClr val="ffffff"/>
+          <a:lstStyle/>
+          <a:p>
+            <a:endParaRPr lang="de-DE" sz="3200" b="0" strike="noStrike" spc="-1">
+              <a:solidFill>
+                <a:srgbClr val="000000"/>
+              </a:solidFill>
+              <a:uFill>
+                <a:solidFill>
+                  <a:srgbClr val="FFFFFF"/>
                 </a:solidFill>
               </a:uFill>
               <a:latin typeface="Arial"/>
@@ -2466,11 +2671,14 @@
       </p:sp>
     </p:spTree>
   </p:cSld>
+  <p:clrMapOvr>
+    <a:masterClrMapping/>
+  </p:clrMapOvr>
 </p:sldLayout>
 </file>
 
 <file path=ppt/slideLayouts/slideLayout4.xml><?xml version="1.0" encoding="utf-8"?>
-<p:sldLayout xmlns:a="http://schemas.openxmlformats.org/drawingml/2006/main" xmlns:p="http://schemas.openxmlformats.org/presentationml/2006/main" xmlns:r="http://schemas.openxmlformats.org/officeDocument/2006/relationships" xmlns:p14="http://schemas.microsoft.com/office/powerpoint/2010/main" xmlns:p15="http://schemas.microsoft.com/office/powerpoint/2012/main" xmlns:mc="http://schemas.openxmlformats.org/markup-compatibility/2006" type="twoObj" preserve="1">
+<p:sldLayout xmlns:a="http://schemas.openxmlformats.org/drawingml/2006/main" xmlns:r="http://schemas.openxmlformats.org/officeDocument/2006/relationships" xmlns:p="http://schemas.openxmlformats.org/presentationml/2006/main" type="twoObj" preserve="1">
   <p:cSld name="Title, 2 Content">
     <p:spTree>
       <p:nvGrpSpPr>
@@ -2506,15 +2714,16 @@
           </a:prstGeom>
         </p:spPr>
         <p:txBody>
-          <a:bodyPr lIns="0" rIns="0" tIns="0" bIns="0" anchor="ctr"/>
-          <a:p>
-            <a:endParaRPr b="0" lang="de-DE" sz="4400" spc="-1" strike="noStrike">
-              <a:solidFill>
-                <a:srgbClr val="000000"/>
-              </a:solidFill>
-              <a:uFill>
-                <a:solidFill>
-                  <a:srgbClr val="ffffff"/>
+          <a:bodyPr lIns="0" tIns="0" rIns="0" bIns="0" anchor="ctr"/>
+          <a:lstStyle/>
+          <a:p>
+            <a:endParaRPr lang="de-DE" sz="4400" b="0" strike="noStrike" spc="-1">
+              <a:solidFill>
+                <a:srgbClr val="000000"/>
+              </a:solidFill>
+              <a:uFill>
+                <a:solidFill>
+                  <a:srgbClr val="FFFFFF"/>
                 </a:solidFill>
               </a:uFill>
               <a:latin typeface="Arial"/>
@@ -2542,17 +2751,18 @@
           </a:prstGeom>
         </p:spPr>
         <p:txBody>
-          <a:bodyPr lIns="0" rIns="0" tIns="0" bIns="0">
+          <a:bodyPr lIns="0" tIns="0" rIns="0" bIns="0">
             <a:normAutofit/>
           </a:bodyPr>
-          <a:p>
-            <a:endParaRPr b="0" lang="de-DE" sz="3200" spc="-1" strike="noStrike">
-              <a:solidFill>
-                <a:srgbClr val="000000"/>
-              </a:solidFill>
-              <a:uFill>
-                <a:solidFill>
-                  <a:srgbClr val="ffffff"/>
+          <a:lstStyle/>
+          <a:p>
+            <a:endParaRPr lang="de-DE" sz="3200" b="0" strike="noStrike" spc="-1">
+              <a:solidFill>
+                <a:srgbClr val="000000"/>
+              </a:solidFill>
+              <a:uFill>
+                <a:solidFill>
+                  <a:srgbClr val="FFFFFF"/>
                 </a:solidFill>
               </a:uFill>
               <a:latin typeface="Arial"/>
@@ -2580,17 +2790,18 @@
           </a:prstGeom>
         </p:spPr>
         <p:txBody>
-          <a:bodyPr lIns="0" rIns="0" tIns="0" bIns="0">
+          <a:bodyPr lIns="0" tIns="0" rIns="0" bIns="0">
             <a:normAutofit/>
           </a:bodyPr>
-          <a:p>
-            <a:endParaRPr b="0" lang="de-DE" sz="3200" spc="-1" strike="noStrike">
-              <a:solidFill>
-                <a:srgbClr val="000000"/>
-              </a:solidFill>
-              <a:uFill>
-                <a:solidFill>
-                  <a:srgbClr val="ffffff"/>
+          <a:lstStyle/>
+          <a:p>
+            <a:endParaRPr lang="de-DE" sz="3200" b="0" strike="noStrike" spc="-1">
+              <a:solidFill>
+                <a:srgbClr val="000000"/>
+              </a:solidFill>
+              <a:uFill>
+                <a:solidFill>
+                  <a:srgbClr val="FFFFFF"/>
                 </a:solidFill>
               </a:uFill>
               <a:latin typeface="Arial"/>
@@ -2600,11 +2811,14 @@
       </p:sp>
     </p:spTree>
   </p:cSld>
+  <p:clrMapOvr>
+    <a:masterClrMapping/>
+  </p:clrMapOvr>
 </p:sldLayout>
 </file>
 
 <file path=ppt/slideLayouts/slideLayout5.xml><?xml version="1.0" encoding="utf-8"?>
-<p:sldLayout xmlns:a="http://schemas.openxmlformats.org/drawingml/2006/main" xmlns:p="http://schemas.openxmlformats.org/presentationml/2006/main" xmlns:r="http://schemas.openxmlformats.org/officeDocument/2006/relationships" xmlns:p14="http://schemas.microsoft.com/office/powerpoint/2010/main" xmlns:p15="http://schemas.microsoft.com/office/powerpoint/2012/main" xmlns:mc="http://schemas.openxmlformats.org/markup-compatibility/2006" type="titleOnly" preserve="1">
+<p:sldLayout xmlns:a="http://schemas.openxmlformats.org/drawingml/2006/main" xmlns:r="http://schemas.openxmlformats.org/officeDocument/2006/relationships" xmlns:p="http://schemas.openxmlformats.org/presentationml/2006/main" type="titleOnly" preserve="1">
   <p:cSld name="Title Only">
     <p:spTree>
       <p:nvGrpSpPr>
@@ -2640,15 +2854,16 @@
           </a:prstGeom>
         </p:spPr>
         <p:txBody>
-          <a:bodyPr lIns="0" rIns="0" tIns="0" bIns="0" anchor="ctr"/>
-          <a:p>
-            <a:endParaRPr b="0" lang="de-DE" sz="4400" spc="-1" strike="noStrike">
-              <a:solidFill>
-                <a:srgbClr val="000000"/>
-              </a:solidFill>
-              <a:uFill>
-                <a:solidFill>
-                  <a:srgbClr val="ffffff"/>
+          <a:bodyPr lIns="0" tIns="0" rIns="0" bIns="0" anchor="ctr"/>
+          <a:lstStyle/>
+          <a:p>
+            <a:endParaRPr lang="de-DE" sz="4400" b="0" strike="noStrike" spc="-1">
+              <a:solidFill>
+                <a:srgbClr val="000000"/>
+              </a:solidFill>
+              <a:uFill>
+                <a:solidFill>
+                  <a:srgbClr val="FFFFFF"/>
                 </a:solidFill>
               </a:uFill>
               <a:latin typeface="Arial"/>
@@ -2658,11 +2873,14 @@
       </p:sp>
     </p:spTree>
   </p:cSld>
+  <p:clrMapOvr>
+    <a:masterClrMapping/>
+  </p:clrMapOvr>
 </p:sldLayout>
 </file>
 
 <file path=ppt/slideLayouts/slideLayout6.xml><?xml version="1.0" encoding="utf-8"?>
-<p:sldLayout xmlns:a="http://schemas.openxmlformats.org/drawingml/2006/main" xmlns:p="http://schemas.openxmlformats.org/presentationml/2006/main" xmlns:r="http://schemas.openxmlformats.org/officeDocument/2006/relationships" xmlns:p14="http://schemas.microsoft.com/office/powerpoint/2010/main" xmlns:p15="http://schemas.microsoft.com/office/powerpoint/2012/main" xmlns:mc="http://schemas.openxmlformats.org/markup-compatibility/2006" type="objOnly" preserve="1">
+<p:sldLayout xmlns:a="http://schemas.openxmlformats.org/drawingml/2006/main" xmlns:r="http://schemas.openxmlformats.org/officeDocument/2006/relationships" xmlns:p="http://schemas.openxmlformats.org/presentationml/2006/main" type="objOnly" preserve="1">
   <p:cSld name="Centered Text">
     <p:spTree>
       <p:nvGrpSpPr>
@@ -2698,16 +2916,17 @@
           </a:prstGeom>
         </p:spPr>
         <p:txBody>
-          <a:bodyPr lIns="0" rIns="0" tIns="0" bIns="0" anchor="ctr"/>
+          <a:bodyPr lIns="0" tIns="0" rIns="0" bIns="0" anchor="ctr"/>
+          <a:lstStyle/>
           <a:p>
             <a:pPr algn="ctr"/>
-            <a:endParaRPr b="0" lang="de-DE" sz="3200" spc="-1" strike="noStrike">
-              <a:solidFill>
-                <a:srgbClr val="ffffff"/>
-              </a:solidFill>
-              <a:uFill>
-                <a:solidFill>
-                  <a:srgbClr val="ffffff"/>
+            <a:endParaRPr lang="de-DE" sz="3200" b="0" strike="noStrike" spc="-1">
+              <a:solidFill>
+                <a:srgbClr val="FFFFFF"/>
+              </a:solidFill>
+              <a:uFill>
+                <a:solidFill>
+                  <a:srgbClr val="FFFFFF"/>
                 </a:solidFill>
               </a:uFill>
               <a:latin typeface="Arial"/>
@@ -2717,11 +2936,14 @@
       </p:sp>
     </p:spTree>
   </p:cSld>
+  <p:clrMapOvr>
+    <a:masterClrMapping/>
+  </p:clrMapOvr>
 </p:sldLayout>
 </file>
 
 <file path=ppt/slideLayouts/slideLayout7.xml><?xml version="1.0" encoding="utf-8"?>
-<p:sldLayout xmlns:a="http://schemas.openxmlformats.org/drawingml/2006/main" xmlns:p="http://schemas.openxmlformats.org/presentationml/2006/main" xmlns:r="http://schemas.openxmlformats.org/officeDocument/2006/relationships" xmlns:p14="http://schemas.microsoft.com/office/powerpoint/2010/main" xmlns:p15="http://schemas.microsoft.com/office/powerpoint/2012/main" xmlns:mc="http://schemas.openxmlformats.org/markup-compatibility/2006" type="twoObjAndObj" preserve="1">
+<p:sldLayout xmlns:a="http://schemas.openxmlformats.org/drawingml/2006/main" xmlns:r="http://schemas.openxmlformats.org/officeDocument/2006/relationships" xmlns:p="http://schemas.openxmlformats.org/presentationml/2006/main" type="twoObjAndObj" preserve="1">
   <p:cSld name="Title, 2 Content and Content">
     <p:spTree>
       <p:nvGrpSpPr>
@@ -2757,15 +2979,16 @@
           </a:prstGeom>
         </p:spPr>
         <p:txBody>
-          <a:bodyPr lIns="0" rIns="0" tIns="0" bIns="0" anchor="ctr"/>
-          <a:p>
-            <a:endParaRPr b="0" lang="de-DE" sz="4400" spc="-1" strike="noStrike">
-              <a:solidFill>
-                <a:srgbClr val="000000"/>
-              </a:solidFill>
-              <a:uFill>
-                <a:solidFill>
-                  <a:srgbClr val="ffffff"/>
+          <a:bodyPr lIns="0" tIns="0" rIns="0" bIns="0" anchor="ctr"/>
+          <a:lstStyle/>
+          <a:p>
+            <a:endParaRPr lang="de-DE" sz="4400" b="0" strike="noStrike" spc="-1">
+              <a:solidFill>
+                <a:srgbClr val="000000"/>
+              </a:solidFill>
+              <a:uFill>
+                <a:solidFill>
+                  <a:srgbClr val="FFFFFF"/>
                 </a:solidFill>
               </a:uFill>
               <a:latin typeface="Arial"/>
@@ -2793,17 +3016,18 @@
           </a:prstGeom>
         </p:spPr>
         <p:txBody>
-          <a:bodyPr lIns="0" rIns="0" tIns="0" bIns="0">
+          <a:bodyPr lIns="0" tIns="0" rIns="0" bIns="0">
             <a:normAutofit/>
           </a:bodyPr>
-          <a:p>
-            <a:endParaRPr b="0" lang="de-DE" sz="3200" spc="-1" strike="noStrike">
-              <a:solidFill>
-                <a:srgbClr val="000000"/>
-              </a:solidFill>
-              <a:uFill>
-                <a:solidFill>
-                  <a:srgbClr val="ffffff"/>
+          <a:lstStyle/>
+          <a:p>
+            <a:endParaRPr lang="de-DE" sz="3200" b="0" strike="noStrike" spc="-1">
+              <a:solidFill>
+                <a:srgbClr val="000000"/>
+              </a:solidFill>
+              <a:uFill>
+                <a:solidFill>
+                  <a:srgbClr val="FFFFFF"/>
                 </a:solidFill>
               </a:uFill>
               <a:latin typeface="Arial"/>
@@ -2831,17 +3055,18 @@
           </a:prstGeom>
         </p:spPr>
         <p:txBody>
-          <a:bodyPr lIns="0" rIns="0" tIns="0" bIns="0">
+          <a:bodyPr lIns="0" tIns="0" rIns="0" bIns="0">
             <a:normAutofit/>
           </a:bodyPr>
-          <a:p>
-            <a:endParaRPr b="0" lang="de-DE" sz="3200" spc="-1" strike="noStrike">
-              <a:solidFill>
-                <a:srgbClr val="000000"/>
-              </a:solidFill>
-              <a:uFill>
-                <a:solidFill>
-                  <a:srgbClr val="ffffff"/>
+          <a:lstStyle/>
+          <a:p>
+            <a:endParaRPr lang="de-DE" sz="3200" b="0" strike="noStrike" spc="-1">
+              <a:solidFill>
+                <a:srgbClr val="000000"/>
+              </a:solidFill>
+              <a:uFill>
+                <a:solidFill>
+                  <a:srgbClr val="FFFFFF"/>
                 </a:solidFill>
               </a:uFill>
               <a:latin typeface="Arial"/>
@@ -2869,17 +3094,18 @@
           </a:prstGeom>
         </p:spPr>
         <p:txBody>
-          <a:bodyPr lIns="0" rIns="0" tIns="0" bIns="0">
+          <a:bodyPr lIns="0" tIns="0" rIns="0" bIns="0">
             <a:normAutofit/>
           </a:bodyPr>
-          <a:p>
-            <a:endParaRPr b="0" lang="de-DE" sz="3200" spc="-1" strike="noStrike">
-              <a:solidFill>
-                <a:srgbClr val="000000"/>
-              </a:solidFill>
-              <a:uFill>
-                <a:solidFill>
-                  <a:srgbClr val="ffffff"/>
+          <a:lstStyle/>
+          <a:p>
+            <a:endParaRPr lang="de-DE" sz="3200" b="0" strike="noStrike" spc="-1">
+              <a:solidFill>
+                <a:srgbClr val="000000"/>
+              </a:solidFill>
+              <a:uFill>
+                <a:solidFill>
+                  <a:srgbClr val="FFFFFF"/>
                 </a:solidFill>
               </a:uFill>
               <a:latin typeface="Arial"/>
@@ -2889,11 +3115,14 @@
       </p:sp>
     </p:spTree>
   </p:cSld>
+  <p:clrMapOvr>
+    <a:masterClrMapping/>
+  </p:clrMapOvr>
 </p:sldLayout>
 </file>
 
 <file path=ppt/slideLayouts/slideLayout8.xml><?xml version="1.0" encoding="utf-8"?>
-<p:sldLayout xmlns:a="http://schemas.openxmlformats.org/drawingml/2006/main" xmlns:p="http://schemas.openxmlformats.org/presentationml/2006/main" xmlns:r="http://schemas.openxmlformats.org/officeDocument/2006/relationships" xmlns:p14="http://schemas.microsoft.com/office/powerpoint/2010/main" xmlns:p15="http://schemas.microsoft.com/office/powerpoint/2012/main" xmlns:mc="http://schemas.openxmlformats.org/markup-compatibility/2006" type="objAndTwoObj" preserve="1">
+<p:sldLayout xmlns:a="http://schemas.openxmlformats.org/drawingml/2006/main" xmlns:r="http://schemas.openxmlformats.org/officeDocument/2006/relationships" xmlns:p="http://schemas.openxmlformats.org/presentationml/2006/main" type="objAndTwoObj" preserve="1">
   <p:cSld name="Title Content and 2 Content">
     <p:spTree>
       <p:nvGrpSpPr>
@@ -2929,15 +3158,16 @@
           </a:prstGeom>
         </p:spPr>
         <p:txBody>
-          <a:bodyPr lIns="0" rIns="0" tIns="0" bIns="0" anchor="ctr"/>
-          <a:p>
-            <a:endParaRPr b="0" lang="de-DE" sz="4400" spc="-1" strike="noStrike">
-              <a:solidFill>
-                <a:srgbClr val="000000"/>
-              </a:solidFill>
-              <a:uFill>
-                <a:solidFill>
-                  <a:srgbClr val="ffffff"/>
+          <a:bodyPr lIns="0" tIns="0" rIns="0" bIns="0" anchor="ctr"/>
+          <a:lstStyle/>
+          <a:p>
+            <a:endParaRPr lang="de-DE" sz="4400" b="0" strike="noStrike" spc="-1">
+              <a:solidFill>
+                <a:srgbClr val="000000"/>
+              </a:solidFill>
+              <a:uFill>
+                <a:solidFill>
+                  <a:srgbClr val="FFFFFF"/>
                 </a:solidFill>
               </a:uFill>
               <a:latin typeface="Arial"/>
@@ -2965,17 +3195,18 @@
           </a:prstGeom>
         </p:spPr>
         <p:txBody>
-          <a:bodyPr lIns="0" rIns="0" tIns="0" bIns="0">
+          <a:bodyPr lIns="0" tIns="0" rIns="0" bIns="0">
             <a:normAutofit/>
           </a:bodyPr>
-          <a:p>
-            <a:endParaRPr b="0" lang="de-DE" sz="3200" spc="-1" strike="noStrike">
-              <a:solidFill>
-                <a:srgbClr val="000000"/>
-              </a:solidFill>
-              <a:uFill>
-                <a:solidFill>
-                  <a:srgbClr val="ffffff"/>
+          <a:lstStyle/>
+          <a:p>
+            <a:endParaRPr lang="de-DE" sz="3200" b="0" strike="noStrike" spc="-1">
+              <a:solidFill>
+                <a:srgbClr val="000000"/>
+              </a:solidFill>
+              <a:uFill>
+                <a:solidFill>
+                  <a:srgbClr val="FFFFFF"/>
                 </a:solidFill>
               </a:uFill>
               <a:latin typeface="Arial"/>
@@ -3003,17 +3234,18 @@
           </a:prstGeom>
         </p:spPr>
         <p:txBody>
-          <a:bodyPr lIns="0" rIns="0" tIns="0" bIns="0">
+          <a:bodyPr lIns="0" tIns="0" rIns="0" bIns="0">
             <a:normAutofit/>
           </a:bodyPr>
-          <a:p>
-            <a:endParaRPr b="0" lang="de-DE" sz="3200" spc="-1" strike="noStrike">
-              <a:solidFill>
-                <a:srgbClr val="000000"/>
-              </a:solidFill>
-              <a:uFill>
-                <a:solidFill>
-                  <a:srgbClr val="ffffff"/>
+          <a:lstStyle/>
+          <a:p>
+            <a:endParaRPr lang="de-DE" sz="3200" b="0" strike="noStrike" spc="-1">
+              <a:solidFill>
+                <a:srgbClr val="000000"/>
+              </a:solidFill>
+              <a:uFill>
+                <a:solidFill>
+                  <a:srgbClr val="FFFFFF"/>
                 </a:solidFill>
               </a:uFill>
               <a:latin typeface="Arial"/>
@@ -3041,17 +3273,18 @@
           </a:prstGeom>
         </p:spPr>
         <p:txBody>
-          <a:bodyPr lIns="0" rIns="0" tIns="0" bIns="0">
+          <a:bodyPr lIns="0" tIns="0" rIns="0" bIns="0">
             <a:normAutofit/>
           </a:bodyPr>
-          <a:p>
-            <a:endParaRPr b="0" lang="de-DE" sz="3200" spc="-1" strike="noStrike">
-              <a:solidFill>
-                <a:srgbClr val="000000"/>
-              </a:solidFill>
-              <a:uFill>
-                <a:solidFill>
-                  <a:srgbClr val="ffffff"/>
+          <a:lstStyle/>
+          <a:p>
+            <a:endParaRPr lang="de-DE" sz="3200" b="0" strike="noStrike" spc="-1">
+              <a:solidFill>
+                <a:srgbClr val="000000"/>
+              </a:solidFill>
+              <a:uFill>
+                <a:solidFill>
+                  <a:srgbClr val="FFFFFF"/>
                 </a:solidFill>
               </a:uFill>
               <a:latin typeface="Arial"/>
@@ -3061,11 +3294,14 @@
       </p:sp>
     </p:spTree>
   </p:cSld>
+  <p:clrMapOvr>
+    <a:masterClrMapping/>
+  </p:clrMapOvr>
 </p:sldLayout>
 </file>
 
 <file path=ppt/slideLayouts/slideLayout9.xml><?xml version="1.0" encoding="utf-8"?>
-<p:sldLayout xmlns:a="http://schemas.openxmlformats.org/drawingml/2006/main" xmlns:p="http://schemas.openxmlformats.org/presentationml/2006/main" xmlns:r="http://schemas.openxmlformats.org/officeDocument/2006/relationships" xmlns:p14="http://schemas.microsoft.com/office/powerpoint/2010/main" xmlns:p15="http://schemas.microsoft.com/office/powerpoint/2012/main" xmlns:mc="http://schemas.openxmlformats.org/markup-compatibility/2006" type="twoObjOverTx" preserve="1">
+<p:sldLayout xmlns:a="http://schemas.openxmlformats.org/drawingml/2006/main" xmlns:r="http://schemas.openxmlformats.org/officeDocument/2006/relationships" xmlns:p="http://schemas.openxmlformats.org/presentationml/2006/main" type="twoObjOverTx" preserve="1">
   <p:cSld name="Title, 2 Content over Content">
     <p:spTree>
       <p:nvGrpSpPr>
@@ -3101,15 +3337,16 @@
           </a:prstGeom>
         </p:spPr>
         <p:txBody>
-          <a:bodyPr lIns="0" rIns="0" tIns="0" bIns="0" anchor="ctr"/>
-          <a:p>
-            <a:endParaRPr b="0" lang="de-DE" sz="4400" spc="-1" strike="noStrike">
-              <a:solidFill>
-                <a:srgbClr val="000000"/>
-              </a:solidFill>
-              <a:uFill>
-                <a:solidFill>
-                  <a:srgbClr val="ffffff"/>
+          <a:bodyPr lIns="0" tIns="0" rIns="0" bIns="0" anchor="ctr"/>
+          <a:lstStyle/>
+          <a:p>
+            <a:endParaRPr lang="de-DE" sz="4400" b="0" strike="noStrike" spc="-1">
+              <a:solidFill>
+                <a:srgbClr val="000000"/>
+              </a:solidFill>
+              <a:uFill>
+                <a:solidFill>
+                  <a:srgbClr val="FFFFFF"/>
                 </a:solidFill>
               </a:uFill>
               <a:latin typeface="Arial"/>
@@ -3137,17 +3374,18 @@
           </a:prstGeom>
         </p:spPr>
         <p:txBody>
-          <a:bodyPr lIns="0" rIns="0" tIns="0" bIns="0">
+          <a:bodyPr lIns="0" tIns="0" rIns="0" bIns="0">
             <a:normAutofit/>
           </a:bodyPr>
-          <a:p>
-            <a:endParaRPr b="0" lang="de-DE" sz="3200" spc="-1" strike="noStrike">
-              <a:solidFill>
-                <a:srgbClr val="000000"/>
-              </a:solidFill>
-              <a:uFill>
-                <a:solidFill>
-                  <a:srgbClr val="ffffff"/>
+          <a:lstStyle/>
+          <a:p>
+            <a:endParaRPr lang="de-DE" sz="3200" b="0" strike="noStrike" spc="-1">
+              <a:solidFill>
+                <a:srgbClr val="000000"/>
+              </a:solidFill>
+              <a:uFill>
+                <a:solidFill>
+                  <a:srgbClr val="FFFFFF"/>
                 </a:solidFill>
               </a:uFill>
               <a:latin typeface="Arial"/>
@@ -3175,17 +3413,18 @@
           </a:prstGeom>
         </p:spPr>
         <p:txBody>
-          <a:bodyPr lIns="0" rIns="0" tIns="0" bIns="0">
+          <a:bodyPr lIns="0" tIns="0" rIns="0" bIns="0">
             <a:normAutofit/>
           </a:bodyPr>
-          <a:p>
-            <a:endParaRPr b="0" lang="de-DE" sz="3200" spc="-1" strike="noStrike">
-              <a:solidFill>
-                <a:srgbClr val="000000"/>
-              </a:solidFill>
-              <a:uFill>
-                <a:solidFill>
-                  <a:srgbClr val="ffffff"/>
+          <a:lstStyle/>
+          <a:p>
+            <a:endParaRPr lang="de-DE" sz="3200" b="0" strike="noStrike" spc="-1">
+              <a:solidFill>
+                <a:srgbClr val="000000"/>
+              </a:solidFill>
+              <a:uFill>
+                <a:solidFill>
+                  <a:srgbClr val="FFFFFF"/>
                 </a:solidFill>
               </a:uFill>
               <a:latin typeface="Arial"/>
@@ -3213,17 +3452,18 @@
           </a:prstGeom>
         </p:spPr>
         <p:txBody>
-          <a:bodyPr lIns="0" rIns="0" tIns="0" bIns="0">
+          <a:bodyPr lIns="0" tIns="0" rIns="0" bIns="0">
             <a:normAutofit/>
           </a:bodyPr>
-          <a:p>
-            <a:endParaRPr b="0" lang="de-DE" sz="3200" spc="-1" strike="noStrike">
-              <a:solidFill>
-                <a:srgbClr val="000000"/>
-              </a:solidFill>
-              <a:uFill>
-                <a:solidFill>
-                  <a:srgbClr val="ffffff"/>
+          <a:lstStyle/>
+          <a:p>
+            <a:endParaRPr lang="de-DE" sz="3200" b="0" strike="noStrike" spc="-1">
+              <a:solidFill>
+                <a:srgbClr val="000000"/>
+              </a:solidFill>
+              <a:uFill>
+                <a:solidFill>
+                  <a:srgbClr val="FFFFFF"/>
                 </a:solidFill>
               </a:uFill>
               <a:latin typeface="Arial"/>
@@ -3233,17 +3473,21 @@
       </p:sp>
     </p:spTree>
   </p:cSld>
+  <p:clrMapOvr>
+    <a:masterClrMapping/>
+  </p:clrMapOvr>
 </p:sldLayout>
 </file>
 
 <file path=ppt/slideMasters/slideMaster1.xml><?xml version="1.0" encoding="utf-8"?>
-<p:sldMaster xmlns:a="http://schemas.openxmlformats.org/drawingml/2006/main" xmlns:p="http://schemas.openxmlformats.org/presentationml/2006/main" xmlns:r="http://schemas.openxmlformats.org/officeDocument/2006/relationships" xmlns:p14="http://schemas.microsoft.com/office/powerpoint/2010/main" xmlns:p15="http://schemas.microsoft.com/office/powerpoint/2012/main" xmlns:mc="http://schemas.openxmlformats.org/markup-compatibility/2006">
+<p:sldMaster xmlns:a="http://schemas.openxmlformats.org/drawingml/2006/main" xmlns:r="http://schemas.openxmlformats.org/officeDocument/2006/relationships" xmlns:p="http://schemas.openxmlformats.org/presentationml/2006/main">
   <p:cSld>
     <p:bg>
       <p:bgPr>
         <a:solidFill>
           <a:srgbClr val="000000"/>
         </a:solidFill>
+        <a:effectLst/>
       </p:bgPr>
     </p:bg>
     <p:spTree>
@@ -3262,7 +3506,7 @@
       </p:grpSpPr>
       <p:sp>
         <p:nvSpPr>
-          <p:cNvPr id="0" name="CustomShape 1"/>
+          <p:cNvPr id="5" name="CustomShape 1"/>
           <p:cNvSpPr/>
           <p:nvPr/>
         </p:nvSpPr>
@@ -3280,13 +3524,20 @@
           </a:ln>
         </p:spPr>
         <p:style>
-          <a:lnRef idx="0"/>
-          <a:fillRef idx="0"/>
-          <a:effectRef idx="0"/>
+          <a:lnRef idx="0">
+            <a:scrgbClr r="0" g="0" b="0"/>
+          </a:lnRef>
+          <a:fillRef idx="0">
+            <a:scrgbClr r="0" g="0" b="0"/>
+          </a:fillRef>
+          <a:effectRef idx="0">
+            <a:scrgbClr r="0" g="0" b="0"/>
+          </a:effectRef>
           <a:fontRef idx="minor"/>
         </p:style>
         <p:txBody>
-          <a:bodyPr wrap="none" lIns="0" rIns="0" tIns="0" bIns="0"/>
+          <a:bodyPr wrap="none" lIns="0" tIns="0" rIns="0" bIns="0"/>
+          <a:lstStyle/>
           <a:p>
             <a:pPr>
               <a:lnSpc>
@@ -3294,41 +3545,30 @@
               </a:lnSpc>
             </a:pPr>
             <a:r>
-              <a:rPr b="0" lang="de-DE" sz="1600" spc="-1" strike="noStrike">
-                <a:solidFill>
-                  <a:srgbClr val="ffffff"/>
+              <a:rPr lang="de-DE" sz="1600" b="0" strike="noStrike" spc="-1">
+                <a:solidFill>
+                  <a:srgbClr val="FFFFFF"/>
                 </a:solidFill>
                 <a:uFill>
                   <a:solidFill>
-                    <a:srgbClr val="ffffff"/>
+                    <a:srgbClr val="FFFFFF"/>
                   </a:solidFill>
                 </a:uFill>
                 <a:latin typeface="Arial"/>
               </a:rPr>
               <a:t>www.julius-kuehn.de</a:t>
             </a:r>
-            <a:endParaRPr b="0" lang="de-DE" sz="1600" spc="-1" strike="noStrike">
-              <a:solidFill>
-                <a:srgbClr val="ffffff"/>
-              </a:solidFill>
-              <a:uFill>
-                <a:solidFill>
-                  <a:srgbClr val="ffffff"/>
-                </a:solidFill>
-              </a:uFill>
-              <a:latin typeface="Arial"/>
-            </a:endParaRPr>
           </a:p>
         </p:txBody>
       </p:sp>
       <p:pic>
         <p:nvPicPr>
-          <p:cNvPr id="1" name="Picture 17" descr=""/>
+          <p:cNvPr id="6" name="Picture 17"/>
           <p:cNvPicPr/>
           <p:nvPr/>
         </p:nvPicPr>
         <p:blipFill>
-          <a:blip r:embed="rId2"/>
+          <a:blip r:embed="rId14"/>
           <a:stretch/>
         </p:blipFill>
         <p:spPr>
@@ -3346,12 +3586,12 @@
       </p:pic>
       <p:pic>
         <p:nvPicPr>
-          <p:cNvPr id="2" name="Picture 16" descr=""/>
+          <p:cNvPr id="2" name="Picture 16"/>
           <p:cNvPicPr/>
           <p:nvPr/>
         </p:nvPicPr>
         <p:blipFill>
-          <a:blip r:embed="rId3"/>
+          <a:blip r:embed="rId15"/>
           <a:stretch/>
         </p:blipFill>
         <p:spPr>
@@ -3387,33 +3627,23 @@
           </a:prstGeom>
         </p:spPr>
         <p:txBody>
-          <a:bodyPr lIns="0" rIns="0" tIns="0" bIns="0" anchor="ctr"/>
-          <a:p>
-            <a:r>
-              <a:rPr b="0" lang="de-DE" sz="4400" spc="-1" strike="noStrike">
+          <a:bodyPr lIns="0" tIns="0" rIns="0" bIns="0" anchor="ctr"/>
+          <a:lstStyle/>
+          <a:p>
+            <a:r>
+              <a:rPr lang="de-DE" sz="4400" b="0" strike="noStrike" spc="-1">
                 <a:solidFill>
                   <a:srgbClr val="000000"/>
                 </a:solidFill>
                 <a:uFill>
                   <a:solidFill>
-                    <a:srgbClr val="ffffff"/>
+                    <a:srgbClr val="FFFFFF"/>
                   </a:solidFill>
                 </a:uFill>
                 <a:latin typeface="Arial"/>
               </a:rPr>
               <a:t>Format des Titeltextes durch Klicken bearbeiten</a:t>
             </a:r>
-            <a:endParaRPr b="0" lang="de-DE" sz="4400" spc="-1" strike="noStrike">
-              <a:solidFill>
-                <a:srgbClr val="000000"/>
-              </a:solidFill>
-              <a:uFill>
-                <a:solidFill>
-                  <a:srgbClr val="ffffff"/>
-                </a:solidFill>
-              </a:uFill>
-              <a:latin typeface="Arial"/>
-            </a:endParaRPr>
           </a:p>
         </p:txBody>
       </p:sp>
@@ -3437,305 +3667,510 @@
           </a:prstGeom>
         </p:spPr>
         <p:txBody>
-          <a:bodyPr lIns="0" rIns="0" tIns="0" bIns="0">
+          <a:bodyPr lIns="0" tIns="0" rIns="0" bIns="0">
             <a:normAutofit/>
           </a:bodyPr>
+          <a:lstStyle/>
           <a:p>
             <a:pPr marL="432000" indent="-324000">
               <a:spcBef>
                 <a:spcPts val="1417"/>
               </a:spcBef>
               <a:buClr>
-                <a:srgbClr val="ffffff"/>
+                <a:srgbClr val="FFFFFF"/>
               </a:buClr>
               <a:buSzPct val="45000"/>
               <a:buFont typeface="Wingdings" charset="2"/>
               <a:buChar char=""/>
             </a:pPr>
             <a:r>
-              <a:rPr b="0" lang="de-DE" sz="3200" spc="-1" strike="noStrike">
+              <a:rPr lang="de-DE" sz="3200" b="0" strike="noStrike" spc="-1">
                 <a:solidFill>
                   <a:srgbClr val="000000"/>
                 </a:solidFill>
                 <a:uFill>
                   <a:solidFill>
-                    <a:srgbClr val="ffffff"/>
+                    <a:srgbClr val="FFFFFF"/>
                   </a:solidFill>
                 </a:uFill>
                 <a:latin typeface="Arial"/>
               </a:rPr>
               <a:t>Format des Gliederungstextes durch Klicken bearbeiten</a:t>
             </a:r>
-            <a:endParaRPr b="0" lang="de-DE" sz="3200" spc="-1" strike="noStrike">
-              <a:solidFill>
-                <a:srgbClr val="000000"/>
-              </a:solidFill>
-              <a:uFill>
-                <a:solidFill>
-                  <a:srgbClr val="ffffff"/>
-                </a:solidFill>
-              </a:uFill>
-              <a:latin typeface="Arial"/>
-            </a:endParaRPr>
-          </a:p>
-          <a:p>
-            <a:pPr lvl="1" marL="864000" indent="-324000">
+          </a:p>
+          <a:p>
+            <a:pPr marL="864000" lvl="1" indent="-324000">
               <a:spcBef>
                 <a:spcPts val="1134"/>
               </a:spcBef>
               <a:buClr>
-                <a:srgbClr val="ffffff"/>
+                <a:srgbClr val="FFFFFF"/>
               </a:buClr>
               <a:buSzPct val="75000"/>
               <a:buFont typeface="Symbol" charset="2"/>
               <a:buChar char=""/>
             </a:pPr>
             <a:r>
-              <a:rPr b="0" lang="de-DE" sz="2400" spc="-1" strike="noStrike">
+              <a:rPr lang="de-DE" sz="2400" b="0" strike="noStrike" spc="-1">
                 <a:solidFill>
                   <a:srgbClr val="000000"/>
                 </a:solidFill>
                 <a:uFill>
                   <a:solidFill>
-                    <a:srgbClr val="ffffff"/>
+                    <a:srgbClr val="FFFFFF"/>
                   </a:solidFill>
                 </a:uFill>
                 <a:latin typeface="Arial"/>
               </a:rPr>
               <a:t>Zweite Gliederungsebene</a:t>
             </a:r>
-            <a:endParaRPr b="0" lang="de-DE" sz="2400" spc="-1" strike="noStrike">
-              <a:solidFill>
-                <a:srgbClr val="000000"/>
-              </a:solidFill>
-              <a:uFill>
-                <a:solidFill>
-                  <a:srgbClr val="ffffff"/>
-                </a:solidFill>
-              </a:uFill>
-              <a:latin typeface="Arial"/>
-            </a:endParaRPr>
-          </a:p>
-          <a:p>
-            <a:pPr lvl="2" marL="1296000" indent="-288000">
+          </a:p>
+          <a:p>
+            <a:pPr marL="1296000" lvl="2" indent="-288000">
               <a:spcBef>
                 <a:spcPts val="850"/>
               </a:spcBef>
               <a:buClr>
-                <a:srgbClr val="ffffff"/>
+                <a:srgbClr val="FFFFFF"/>
               </a:buClr>
               <a:buSzPct val="45000"/>
               <a:buFont typeface="Wingdings" charset="2"/>
               <a:buChar char=""/>
             </a:pPr>
             <a:r>
-              <a:rPr b="0" lang="de-DE" sz="2000" spc="-1" strike="noStrike">
+              <a:rPr lang="de-DE" sz="2000" b="0" strike="noStrike" spc="-1">
                 <a:solidFill>
                   <a:srgbClr val="000000"/>
                 </a:solidFill>
                 <a:uFill>
                   <a:solidFill>
-                    <a:srgbClr val="ffffff"/>
+                    <a:srgbClr val="FFFFFF"/>
                   </a:solidFill>
                 </a:uFill>
                 <a:latin typeface="Arial"/>
               </a:rPr>
               <a:t>Dritte Gliederungsebene</a:t>
             </a:r>
-            <a:endParaRPr b="0" lang="de-DE" sz="2000" spc="-1" strike="noStrike">
-              <a:solidFill>
-                <a:srgbClr val="000000"/>
-              </a:solidFill>
-              <a:uFill>
-                <a:solidFill>
-                  <a:srgbClr val="ffffff"/>
-                </a:solidFill>
-              </a:uFill>
-              <a:latin typeface="Arial"/>
-            </a:endParaRPr>
-          </a:p>
-          <a:p>
-            <a:pPr lvl="3" marL="1728000" indent="-216000">
+          </a:p>
+          <a:p>
+            <a:pPr marL="1728000" lvl="3" indent="-216000">
               <a:spcBef>
                 <a:spcPts val="567"/>
               </a:spcBef>
               <a:buClr>
-                <a:srgbClr val="ffffff"/>
+                <a:srgbClr val="FFFFFF"/>
               </a:buClr>
               <a:buSzPct val="75000"/>
               <a:buFont typeface="Symbol" charset="2"/>
               <a:buChar char=""/>
             </a:pPr>
             <a:r>
-              <a:rPr b="0" lang="de-DE" sz="2000" spc="-1" strike="noStrike">
+              <a:rPr lang="de-DE" sz="2000" b="0" strike="noStrike" spc="-1">
                 <a:solidFill>
                   <a:srgbClr val="000000"/>
                 </a:solidFill>
                 <a:uFill>
                   <a:solidFill>
-                    <a:srgbClr val="ffffff"/>
+                    <a:srgbClr val="FFFFFF"/>
                   </a:solidFill>
                 </a:uFill>
                 <a:latin typeface="Arial"/>
               </a:rPr>
               <a:t>Vierte Gliederungsebene</a:t>
             </a:r>
-            <a:endParaRPr b="0" lang="de-DE" sz="2000" spc="-1" strike="noStrike">
-              <a:solidFill>
-                <a:srgbClr val="000000"/>
-              </a:solidFill>
-              <a:uFill>
-                <a:solidFill>
-                  <a:srgbClr val="ffffff"/>
-                </a:solidFill>
-              </a:uFill>
-              <a:latin typeface="Arial"/>
-            </a:endParaRPr>
-          </a:p>
-          <a:p>
-            <a:pPr lvl="4" marL="2160000" indent="-216000">
+          </a:p>
+          <a:p>
+            <a:pPr marL="2160000" lvl="4" indent="-216000">
               <a:spcBef>
                 <a:spcPts val="283"/>
               </a:spcBef>
               <a:buClr>
-                <a:srgbClr val="ffffff"/>
+                <a:srgbClr val="FFFFFF"/>
               </a:buClr>
               <a:buSzPct val="45000"/>
               <a:buFont typeface="Wingdings" charset="2"/>
               <a:buChar char=""/>
             </a:pPr>
             <a:r>
-              <a:rPr b="0" lang="de-DE" sz="2000" spc="-1" strike="noStrike">
+              <a:rPr lang="de-DE" sz="2000" b="0" strike="noStrike" spc="-1">
                 <a:solidFill>
                   <a:srgbClr val="000000"/>
                 </a:solidFill>
                 <a:uFill>
                   <a:solidFill>
-                    <a:srgbClr val="ffffff"/>
+                    <a:srgbClr val="FFFFFF"/>
                   </a:solidFill>
                 </a:uFill>
                 <a:latin typeface="Arial"/>
               </a:rPr>
               <a:t>Fünfte Gliederungsebene</a:t>
             </a:r>
-            <a:endParaRPr b="0" lang="de-DE" sz="2000" spc="-1" strike="noStrike">
-              <a:solidFill>
-                <a:srgbClr val="000000"/>
-              </a:solidFill>
-              <a:uFill>
-                <a:solidFill>
-                  <a:srgbClr val="ffffff"/>
-                </a:solidFill>
-              </a:uFill>
-              <a:latin typeface="Arial"/>
-            </a:endParaRPr>
-          </a:p>
-          <a:p>
-            <a:pPr lvl="5" marL="2592000" indent="-216000">
+          </a:p>
+          <a:p>
+            <a:pPr marL="2592000" lvl="5" indent="-216000">
               <a:spcBef>
                 <a:spcPts val="283"/>
               </a:spcBef>
               <a:buClr>
-                <a:srgbClr val="ffffff"/>
+                <a:srgbClr val="FFFFFF"/>
               </a:buClr>
               <a:buSzPct val="45000"/>
               <a:buFont typeface="Wingdings" charset="2"/>
               <a:buChar char=""/>
             </a:pPr>
             <a:r>
-              <a:rPr b="0" lang="de-DE" sz="2000" spc="-1" strike="noStrike">
+              <a:rPr lang="de-DE" sz="2000" b="0" strike="noStrike" spc="-1">
                 <a:solidFill>
                   <a:srgbClr val="000000"/>
                 </a:solidFill>
                 <a:uFill>
                   <a:solidFill>
-                    <a:srgbClr val="ffffff"/>
+                    <a:srgbClr val="FFFFFF"/>
                   </a:solidFill>
                 </a:uFill>
                 <a:latin typeface="Arial"/>
               </a:rPr>
               <a:t>Sechste Gliederungsebene</a:t>
             </a:r>
-            <a:endParaRPr b="0" lang="de-DE" sz="2000" spc="-1" strike="noStrike">
-              <a:solidFill>
-                <a:srgbClr val="000000"/>
-              </a:solidFill>
-              <a:uFill>
-                <a:solidFill>
-                  <a:srgbClr val="ffffff"/>
-                </a:solidFill>
-              </a:uFill>
-              <a:latin typeface="Arial"/>
-            </a:endParaRPr>
-          </a:p>
-          <a:p>
-            <a:pPr lvl="6" marL="3024000" indent="-216000">
+          </a:p>
+          <a:p>
+            <a:pPr marL="3024000" lvl="6" indent="-216000">
               <a:spcBef>
                 <a:spcPts val="283"/>
               </a:spcBef>
               <a:buClr>
-                <a:srgbClr val="ffffff"/>
+                <a:srgbClr val="FFFFFF"/>
               </a:buClr>
               <a:buSzPct val="45000"/>
               <a:buFont typeface="Wingdings" charset="2"/>
               <a:buChar char=""/>
             </a:pPr>
             <a:r>
-              <a:rPr b="0" lang="de-DE" sz="2000" spc="-1" strike="noStrike">
+              <a:rPr lang="de-DE" sz="2000" b="0" strike="noStrike" spc="-1">
                 <a:solidFill>
                   <a:srgbClr val="000000"/>
                 </a:solidFill>
                 <a:uFill>
                   <a:solidFill>
-                    <a:srgbClr val="ffffff"/>
+                    <a:srgbClr val="FFFFFF"/>
                   </a:solidFill>
                 </a:uFill>
                 <a:latin typeface="Arial"/>
               </a:rPr>
               <a:t>Siebte Gliederungsebene</a:t>
             </a:r>
-            <a:endParaRPr b="0" lang="de-DE" sz="2000" spc="-1" strike="noStrike">
-              <a:solidFill>
-                <a:srgbClr val="000000"/>
-              </a:solidFill>
-              <a:uFill>
-                <a:solidFill>
-                  <a:srgbClr val="ffffff"/>
-                </a:solidFill>
-              </a:uFill>
-              <a:latin typeface="Arial"/>
-            </a:endParaRPr>
           </a:p>
         </p:txBody>
       </p:sp>
     </p:spTree>
   </p:cSld>
-  <p:clrMap bg1="lt1" bg2="lt2" tx1="dk1" tx2="dk2" accent1="accent1" accent2="accent2" accent3="accent3" accent4="accent4" accent5="accent5" accent6="accent6" hlink="hlink" folHlink="folHlink"/>
+  <p:clrMap bg1="lt1" tx1="dk1" bg2="lt2" tx2="dk2" accent1="accent1" accent2="accent2" accent3="accent3" accent4="accent4" accent5="accent5" accent6="accent6" hlink="hlink" folHlink="folHlink"/>
   <p:sldLayoutIdLst>
-    <p:sldLayoutId id="2147483649" r:id="rId4"/>
-    <p:sldLayoutId id="2147483650" r:id="rId5"/>
-    <p:sldLayoutId id="2147483651" r:id="rId6"/>
-    <p:sldLayoutId id="2147483652" r:id="rId7"/>
-    <p:sldLayoutId id="2147483653" r:id="rId8"/>
-    <p:sldLayoutId id="2147483654" r:id="rId9"/>
-    <p:sldLayoutId id="2147483655" r:id="rId10"/>
-    <p:sldLayoutId id="2147483656" r:id="rId11"/>
-    <p:sldLayoutId id="2147483657" r:id="rId12"/>
-    <p:sldLayoutId id="2147483658" r:id="rId13"/>
-    <p:sldLayoutId id="2147483659" r:id="rId14"/>
-    <p:sldLayoutId id="2147483660" r:id="rId15"/>
+    <p:sldLayoutId id="2147483649" r:id="rId1"/>
+    <p:sldLayoutId id="2147483650" r:id="rId2"/>
+    <p:sldLayoutId id="2147483651" r:id="rId3"/>
+    <p:sldLayoutId id="2147483652" r:id="rId4"/>
+    <p:sldLayoutId id="2147483653" r:id="rId5"/>
+    <p:sldLayoutId id="2147483654" r:id="rId6"/>
+    <p:sldLayoutId id="2147483655" r:id="rId7"/>
+    <p:sldLayoutId id="2147483656" r:id="rId8"/>
+    <p:sldLayoutId id="2147483657" r:id="rId9"/>
+    <p:sldLayoutId id="2147483658" r:id="rId10"/>
+    <p:sldLayoutId id="2147483659" r:id="rId11"/>
+    <p:sldLayoutId id="2147483660" r:id="rId12"/>
   </p:sldLayoutIdLst>
+  <p:txStyles>
+    <p:titleStyle>
+      <a:lvl1pPr algn="l" defTabSz="914400" rtl="0" eaLnBrk="1" latinLnBrk="0" hangingPunct="1">
+        <a:lnSpc>
+          <a:spcPct val="90000"/>
+        </a:lnSpc>
+        <a:spcBef>
+          <a:spcPct val="0"/>
+        </a:spcBef>
+        <a:buNone/>
+        <a:defRPr sz="4400" kern="1200">
+          <a:solidFill>
+            <a:schemeClr val="tx1"/>
+          </a:solidFill>
+          <a:latin typeface="+mj-lt"/>
+          <a:ea typeface="+mj-ea"/>
+          <a:cs typeface="+mj-cs"/>
+        </a:defRPr>
+      </a:lvl1pPr>
+    </p:titleStyle>
+    <p:bodyStyle>
+      <a:lvl1pPr marL="228600" indent="-228600" algn="l" defTabSz="914400" rtl="0" eaLnBrk="1" latinLnBrk="0" hangingPunct="1">
+        <a:lnSpc>
+          <a:spcPct val="90000"/>
+        </a:lnSpc>
+        <a:spcBef>
+          <a:spcPts val="1000"/>
+        </a:spcBef>
+        <a:buFont typeface="Arial" panose="020B0604020202020204" pitchFamily="34" charset="0"/>
+        <a:buChar char="•"/>
+        <a:defRPr sz="2800" kern="1200">
+          <a:solidFill>
+            <a:schemeClr val="tx1"/>
+          </a:solidFill>
+          <a:latin typeface="+mn-lt"/>
+          <a:ea typeface="+mn-ea"/>
+          <a:cs typeface="+mn-cs"/>
+        </a:defRPr>
+      </a:lvl1pPr>
+      <a:lvl2pPr marL="685800" indent="-228600" algn="l" defTabSz="914400" rtl="0" eaLnBrk="1" latinLnBrk="0" hangingPunct="1">
+        <a:lnSpc>
+          <a:spcPct val="90000"/>
+        </a:lnSpc>
+        <a:spcBef>
+          <a:spcPts val="500"/>
+        </a:spcBef>
+        <a:buFont typeface="Arial" panose="020B0604020202020204" pitchFamily="34" charset="0"/>
+        <a:buChar char="•"/>
+        <a:defRPr sz="2400" kern="1200">
+          <a:solidFill>
+            <a:schemeClr val="tx1"/>
+          </a:solidFill>
+          <a:latin typeface="+mn-lt"/>
+          <a:ea typeface="+mn-ea"/>
+          <a:cs typeface="+mn-cs"/>
+        </a:defRPr>
+      </a:lvl2pPr>
+      <a:lvl3pPr marL="1143000" indent="-228600" algn="l" defTabSz="914400" rtl="0" eaLnBrk="1" latinLnBrk="0" hangingPunct="1">
+        <a:lnSpc>
+          <a:spcPct val="90000"/>
+        </a:lnSpc>
+        <a:spcBef>
+          <a:spcPts val="500"/>
+        </a:spcBef>
+        <a:buFont typeface="Arial" panose="020B0604020202020204" pitchFamily="34" charset="0"/>
+        <a:buChar char="•"/>
+        <a:defRPr sz="2000" kern="1200">
+          <a:solidFill>
+            <a:schemeClr val="tx1"/>
+          </a:solidFill>
+          <a:latin typeface="+mn-lt"/>
+          <a:ea typeface="+mn-ea"/>
+          <a:cs typeface="+mn-cs"/>
+        </a:defRPr>
+      </a:lvl3pPr>
+      <a:lvl4pPr marL="1600200" indent="-228600" algn="l" defTabSz="914400" rtl="0" eaLnBrk="1" latinLnBrk="0" hangingPunct="1">
+        <a:lnSpc>
+          <a:spcPct val="90000"/>
+        </a:lnSpc>
+        <a:spcBef>
+          <a:spcPts val="500"/>
+        </a:spcBef>
+        <a:buFont typeface="Arial" panose="020B0604020202020204" pitchFamily="34" charset="0"/>
+        <a:buChar char="•"/>
+        <a:defRPr sz="1800" kern="1200">
+          <a:solidFill>
+            <a:schemeClr val="tx1"/>
+          </a:solidFill>
+          <a:latin typeface="+mn-lt"/>
+          <a:ea typeface="+mn-ea"/>
+          <a:cs typeface="+mn-cs"/>
+        </a:defRPr>
+      </a:lvl4pPr>
+      <a:lvl5pPr marL="2057400" indent="-228600" algn="l" defTabSz="914400" rtl="0" eaLnBrk="1" latinLnBrk="0" hangingPunct="1">
+        <a:lnSpc>
+          <a:spcPct val="90000"/>
+        </a:lnSpc>
+        <a:spcBef>
+          <a:spcPts val="500"/>
+        </a:spcBef>
+        <a:buFont typeface="Arial" panose="020B0604020202020204" pitchFamily="34" charset="0"/>
+        <a:buChar char="•"/>
+        <a:defRPr sz="1800" kern="1200">
+          <a:solidFill>
+            <a:schemeClr val="tx1"/>
+          </a:solidFill>
+          <a:latin typeface="+mn-lt"/>
+          <a:ea typeface="+mn-ea"/>
+          <a:cs typeface="+mn-cs"/>
+        </a:defRPr>
+      </a:lvl5pPr>
+      <a:lvl6pPr marL="2514600" indent="-228600" algn="l" defTabSz="914400" rtl="0" eaLnBrk="1" latinLnBrk="0" hangingPunct="1">
+        <a:lnSpc>
+          <a:spcPct val="90000"/>
+        </a:lnSpc>
+        <a:spcBef>
+          <a:spcPts val="500"/>
+        </a:spcBef>
+        <a:buFont typeface="Arial" panose="020B0604020202020204" pitchFamily="34" charset="0"/>
+        <a:buChar char="•"/>
+        <a:defRPr sz="1800" kern="1200">
+          <a:solidFill>
+            <a:schemeClr val="tx1"/>
+          </a:solidFill>
+          <a:latin typeface="+mn-lt"/>
+          <a:ea typeface="+mn-ea"/>
+          <a:cs typeface="+mn-cs"/>
+        </a:defRPr>
+      </a:lvl6pPr>
+      <a:lvl7pPr marL="2971800" indent="-228600" algn="l" defTabSz="914400" rtl="0" eaLnBrk="1" latinLnBrk="0" hangingPunct="1">
+        <a:lnSpc>
+          <a:spcPct val="90000"/>
+        </a:lnSpc>
+        <a:spcBef>
+          <a:spcPts val="500"/>
+        </a:spcBef>
+        <a:buFont typeface="Arial" panose="020B0604020202020204" pitchFamily="34" charset="0"/>
+        <a:buChar char="•"/>
+        <a:defRPr sz="1800" kern="1200">
+          <a:solidFill>
+            <a:schemeClr val="tx1"/>
+          </a:solidFill>
+          <a:latin typeface="+mn-lt"/>
+          <a:ea typeface="+mn-ea"/>
+          <a:cs typeface="+mn-cs"/>
+        </a:defRPr>
+      </a:lvl7pPr>
+      <a:lvl8pPr marL="3429000" indent="-228600" algn="l" defTabSz="914400" rtl="0" eaLnBrk="1" latinLnBrk="0" hangingPunct="1">
+        <a:lnSpc>
+          <a:spcPct val="90000"/>
+        </a:lnSpc>
+        <a:spcBef>
+          <a:spcPts val="500"/>
+        </a:spcBef>
+        <a:buFont typeface="Arial" panose="020B0604020202020204" pitchFamily="34" charset="0"/>
+        <a:buChar char="•"/>
+        <a:defRPr sz="1800" kern="1200">
+          <a:solidFill>
+            <a:schemeClr val="tx1"/>
+          </a:solidFill>
+          <a:latin typeface="+mn-lt"/>
+          <a:ea typeface="+mn-ea"/>
+          <a:cs typeface="+mn-cs"/>
+        </a:defRPr>
+      </a:lvl8pPr>
+      <a:lvl9pPr marL="3886200" indent="-228600" algn="l" defTabSz="914400" rtl="0" eaLnBrk="1" latinLnBrk="0" hangingPunct="1">
+        <a:lnSpc>
+          <a:spcPct val="90000"/>
+        </a:lnSpc>
+        <a:spcBef>
+          <a:spcPts val="500"/>
+        </a:spcBef>
+        <a:buFont typeface="Arial" panose="020B0604020202020204" pitchFamily="34" charset="0"/>
+        <a:buChar char="•"/>
+        <a:defRPr sz="1800" kern="1200">
+          <a:solidFill>
+            <a:schemeClr val="tx1"/>
+          </a:solidFill>
+          <a:latin typeface="+mn-lt"/>
+          <a:ea typeface="+mn-ea"/>
+          <a:cs typeface="+mn-cs"/>
+        </a:defRPr>
+      </a:lvl9pPr>
+    </p:bodyStyle>
+    <p:otherStyle>
+      <a:defPPr>
+        <a:defRPr lang="de-DE"/>
+      </a:defPPr>
+      <a:lvl1pPr marL="0" algn="l" defTabSz="914400" rtl="0" eaLnBrk="1" latinLnBrk="0" hangingPunct="1">
+        <a:defRPr sz="1800" kern="1200">
+          <a:solidFill>
+            <a:schemeClr val="tx1"/>
+          </a:solidFill>
+          <a:latin typeface="+mn-lt"/>
+          <a:ea typeface="+mn-ea"/>
+          <a:cs typeface="+mn-cs"/>
+        </a:defRPr>
+      </a:lvl1pPr>
+      <a:lvl2pPr marL="457200" algn="l" defTabSz="914400" rtl="0" eaLnBrk="1" latinLnBrk="0" hangingPunct="1">
+        <a:defRPr sz="1800" kern="1200">
+          <a:solidFill>
+            <a:schemeClr val="tx1"/>
+          </a:solidFill>
+          <a:latin typeface="+mn-lt"/>
+          <a:ea typeface="+mn-ea"/>
+          <a:cs typeface="+mn-cs"/>
+        </a:defRPr>
+      </a:lvl2pPr>
+      <a:lvl3pPr marL="914400" algn="l" defTabSz="914400" rtl="0" eaLnBrk="1" latinLnBrk="0" hangingPunct="1">
+        <a:defRPr sz="1800" kern="1200">
+          <a:solidFill>
+            <a:schemeClr val="tx1"/>
+          </a:solidFill>
+          <a:latin typeface="+mn-lt"/>
+          <a:ea typeface="+mn-ea"/>
+          <a:cs typeface="+mn-cs"/>
+        </a:defRPr>
+      </a:lvl3pPr>
+      <a:lvl4pPr marL="1371600" algn="l" defTabSz="914400" rtl="0" eaLnBrk="1" latinLnBrk="0" hangingPunct="1">
+        <a:defRPr sz="1800" kern="1200">
+          <a:solidFill>
+            <a:schemeClr val="tx1"/>
+          </a:solidFill>
+          <a:latin typeface="+mn-lt"/>
+          <a:ea typeface="+mn-ea"/>
+          <a:cs typeface="+mn-cs"/>
+        </a:defRPr>
+      </a:lvl4pPr>
+      <a:lvl5pPr marL="1828800" algn="l" defTabSz="914400" rtl="0" eaLnBrk="1" latinLnBrk="0" hangingPunct="1">
+        <a:defRPr sz="1800" kern="1200">
+          <a:solidFill>
+            <a:schemeClr val="tx1"/>
+          </a:solidFill>
+          <a:latin typeface="+mn-lt"/>
+          <a:ea typeface="+mn-ea"/>
+          <a:cs typeface="+mn-cs"/>
+        </a:defRPr>
+      </a:lvl5pPr>
+      <a:lvl6pPr marL="2286000" algn="l" defTabSz="914400" rtl="0" eaLnBrk="1" latinLnBrk="0" hangingPunct="1">
+        <a:defRPr sz="1800" kern="1200">
+          <a:solidFill>
+            <a:schemeClr val="tx1"/>
+          </a:solidFill>
+          <a:latin typeface="+mn-lt"/>
+          <a:ea typeface="+mn-ea"/>
+          <a:cs typeface="+mn-cs"/>
+        </a:defRPr>
+      </a:lvl6pPr>
+      <a:lvl7pPr marL="2743200" algn="l" defTabSz="914400" rtl="0" eaLnBrk="1" latinLnBrk="0" hangingPunct="1">
+        <a:defRPr sz="1800" kern="1200">
+          <a:solidFill>
+            <a:schemeClr val="tx1"/>
+          </a:solidFill>
+          <a:latin typeface="+mn-lt"/>
+          <a:ea typeface="+mn-ea"/>
+          <a:cs typeface="+mn-cs"/>
+        </a:defRPr>
+      </a:lvl7pPr>
+      <a:lvl8pPr marL="3200400" algn="l" defTabSz="914400" rtl="0" eaLnBrk="1" latinLnBrk="0" hangingPunct="1">
+        <a:defRPr sz="1800" kern="1200">
+          <a:solidFill>
+            <a:schemeClr val="tx1"/>
+          </a:solidFill>
+          <a:latin typeface="+mn-lt"/>
+          <a:ea typeface="+mn-ea"/>
+          <a:cs typeface="+mn-cs"/>
+        </a:defRPr>
+      </a:lvl8pPr>
+      <a:lvl9pPr marL="3657600" algn="l" defTabSz="914400" rtl="0" eaLnBrk="1" latinLnBrk="0" hangingPunct="1">
+        <a:defRPr sz="1800" kern="1200">
+          <a:solidFill>
+            <a:schemeClr val="tx1"/>
+          </a:solidFill>
+          <a:latin typeface="+mn-lt"/>
+          <a:ea typeface="+mn-ea"/>
+          <a:cs typeface="+mn-cs"/>
+        </a:defRPr>
+      </a:lvl9pPr>
+    </p:otherStyle>
+  </p:txStyles>
 </p:sldMaster>
 </file>
 
 <file path=ppt/slideMasters/slideMaster2.xml><?xml version="1.0" encoding="utf-8"?>
-<p:sldMaster xmlns:a="http://schemas.openxmlformats.org/drawingml/2006/main" xmlns:p="http://schemas.openxmlformats.org/presentationml/2006/main" xmlns:r="http://schemas.openxmlformats.org/officeDocument/2006/relationships" xmlns:p14="http://schemas.microsoft.com/office/powerpoint/2010/main" xmlns:p15="http://schemas.microsoft.com/office/powerpoint/2012/main" xmlns:mc="http://schemas.openxmlformats.org/markup-compatibility/2006">
+<p:sldMaster xmlns:a="http://schemas.openxmlformats.org/drawingml/2006/main" xmlns:r="http://schemas.openxmlformats.org/officeDocument/2006/relationships" xmlns:p="http://schemas.openxmlformats.org/presentationml/2006/main">
   <p:cSld>
     <p:bg>
       <p:bgPr>
         <a:solidFill>
-          <a:srgbClr val="ffffff"/>
+          <a:srgbClr val="FFFFFF"/>
         </a:solidFill>
+        <a:effectLst/>
       </p:bgPr>
     </p:bg>
     <p:spTree>
@@ -3772,13 +4207,20 @@
           </a:ln>
         </p:spPr>
         <p:style>
-          <a:lnRef idx="0"/>
-          <a:fillRef idx="0"/>
-          <a:effectRef idx="0"/>
+          <a:lnRef idx="0">
+            <a:scrgbClr r="0" g="0" b="0"/>
+          </a:lnRef>
+          <a:fillRef idx="0">
+            <a:scrgbClr r="0" g="0" b="0"/>
+          </a:fillRef>
+          <a:effectRef idx="0">
+            <a:scrgbClr r="0" g="0" b="0"/>
+          </a:effectRef>
           <a:fontRef idx="minor"/>
         </p:style>
         <p:txBody>
-          <a:bodyPr wrap="none" lIns="0" rIns="0" tIns="0" bIns="0"/>
+          <a:bodyPr wrap="none" lIns="0" tIns="0" rIns="0" bIns="0"/>
+          <a:lstStyle/>
           <a:p>
             <a:pPr>
               <a:lnSpc>
@@ -3786,26 +4228,26 @@
               </a:lnSpc>
             </a:pPr>
             <a:r>
-              <a:rPr b="0" lang="de-DE" sz="1600" spc="-1" strike="noStrike">
-                <a:solidFill>
-                  <a:srgbClr val="ffffff"/>
+              <a:rPr lang="de-DE" sz="1600" b="0" strike="noStrike" spc="-1">
+                <a:solidFill>
+                  <a:srgbClr val="FFFFFF"/>
                 </a:solidFill>
                 <a:uFill>
                   <a:solidFill>
-                    <a:srgbClr val="ffffff"/>
+                    <a:srgbClr val="FFFFFF"/>
                   </a:solidFill>
                 </a:uFill>
                 <a:latin typeface="Arial"/>
               </a:rPr>
               <a:t>www.julius-kuehn.de</a:t>
             </a:r>
-            <a:endParaRPr b="0" lang="de-DE" sz="1600" spc="-1" strike="noStrike">
-              <a:solidFill>
-                <a:srgbClr val="000000"/>
-              </a:solidFill>
-              <a:uFill>
-                <a:solidFill>
-                  <a:srgbClr val="ffffff"/>
+            <a:endParaRPr lang="de-DE" sz="1600" b="0" strike="noStrike" spc="-1">
+              <a:solidFill>
+                <a:srgbClr val="000000"/>
+              </a:solidFill>
+              <a:uFill>
+                <a:solidFill>
+                  <a:srgbClr val="FFFFFF"/>
                 </a:solidFill>
               </a:uFill>
               <a:latin typeface="Arial"/>
@@ -3815,12 +4257,12 @@
       </p:sp>
       <p:pic>
         <p:nvPicPr>
-          <p:cNvPr id="42" name="Picture 10" descr=""/>
+          <p:cNvPr id="42" name="Picture 10"/>
           <p:cNvPicPr/>
           <p:nvPr/>
         </p:nvPicPr>
         <p:blipFill>
-          <a:blip r:embed="rId2"/>
+          <a:blip r:embed="rId14"/>
           <a:stretch/>
         </p:blipFill>
         <p:spPr>
@@ -3838,12 +4280,12 @@
       </p:pic>
       <p:pic>
         <p:nvPicPr>
-          <p:cNvPr id="43" name="Picture 9" descr=""/>
+          <p:cNvPr id="43" name="Picture 9"/>
           <p:cNvPicPr/>
           <p:nvPr/>
         </p:nvPicPr>
         <p:blipFill>
-          <a:blip r:embed="rId3"/>
+          <a:blip r:embed="rId15"/>
           <a:stretch/>
         </p:blipFill>
         <p:spPr>
@@ -3880,6 +4322,7 @@
         </p:spPr>
         <p:txBody>
           <a:bodyPr anchor="ctr"/>
+          <a:lstStyle/>
           <a:p>
             <a:pPr algn="ctr">
               <a:lnSpc>
@@ -3887,30 +4330,19 @@
               </a:lnSpc>
             </a:pPr>
             <a:r>
-              <a:rPr b="0" lang="de-DE" sz="4400" spc="-1" strike="noStrike">
+              <a:rPr lang="de-DE" sz="4400" b="0" strike="noStrike" spc="-1">
                 <a:solidFill>
                   <a:srgbClr val="000000"/>
                 </a:solidFill>
                 <a:uFill>
                   <a:solidFill>
-                    <a:srgbClr val="ffffff"/>
+                    <a:srgbClr val="FFFFFF"/>
                   </a:solidFill>
                 </a:uFill>
                 <a:latin typeface="Arial"/>
               </a:rPr>
               <a:t>Titelmasterformat durch Klicken bearbeiten</a:t>
             </a:r>
-            <a:endParaRPr b="0" lang="de-DE" sz="4400" spc="-1" strike="noStrike">
-              <a:solidFill>
-                <a:srgbClr val="000000"/>
-              </a:solidFill>
-              <a:uFill>
-                <a:solidFill>
-                  <a:srgbClr val="ffffff"/>
-                </a:solidFill>
-              </a:uFill>
-              <a:latin typeface="Arial"/>
-            </a:endParaRPr>
           </a:p>
         </p:txBody>
       </p:sp>
@@ -3935,6 +4367,7 @@
         </p:spPr>
         <p:txBody>
           <a:bodyPr/>
+          <a:lstStyle/>
           <a:p>
             <a:pPr marL="343080" indent="-342720">
               <a:lnSpc>
@@ -3950,33 +4383,22 @@
               <a:buChar char=""/>
             </a:pPr>
             <a:r>
-              <a:rPr b="0" lang="de-DE" sz="3200" spc="-1" strike="noStrike">
+              <a:rPr lang="de-DE" sz="3200" b="0" strike="noStrike" spc="-1">
                 <a:solidFill>
                   <a:srgbClr val="000000"/>
                 </a:solidFill>
                 <a:uFill>
                   <a:solidFill>
-                    <a:srgbClr val="ffffff"/>
+                    <a:srgbClr val="FFFFFF"/>
                   </a:solidFill>
                 </a:uFill>
                 <a:latin typeface="Arial"/>
               </a:rPr>
               <a:t>Textmasterformate durch Klicken bearbeiten</a:t>
             </a:r>
-            <a:endParaRPr b="0" lang="de-DE" sz="3200" spc="-1" strike="noStrike">
-              <a:solidFill>
-                <a:srgbClr val="000000"/>
-              </a:solidFill>
-              <a:uFill>
-                <a:solidFill>
-                  <a:srgbClr val="ffffff"/>
-                </a:solidFill>
-              </a:uFill>
-              <a:latin typeface="Arial"/>
-            </a:endParaRPr>
-          </a:p>
-          <a:p>
-            <a:pPr lvl="1" marL="743040" indent="-285480">
+          </a:p>
+          <a:p>
+            <a:pPr marL="743040" lvl="1" indent="-285480">
               <a:lnSpc>
                 <a:spcPct val="100000"/>
               </a:lnSpc>
@@ -3990,33 +4412,22 @@
               <a:buChar char=""/>
             </a:pPr>
             <a:r>
-              <a:rPr b="0" lang="de-DE" sz="2800" spc="-1" strike="noStrike">
+              <a:rPr lang="de-DE" sz="2800" b="0" strike="noStrike" spc="-1">
                 <a:solidFill>
                   <a:srgbClr val="000000"/>
                 </a:solidFill>
                 <a:uFill>
                   <a:solidFill>
-                    <a:srgbClr val="ffffff"/>
+                    <a:srgbClr val="FFFFFF"/>
                   </a:solidFill>
                 </a:uFill>
                 <a:latin typeface="Arial"/>
               </a:rPr>
               <a:t>Zweite Ebene</a:t>
             </a:r>
-            <a:endParaRPr b="0" lang="de-DE" sz="2800" spc="-1" strike="noStrike">
-              <a:solidFill>
-                <a:srgbClr val="000000"/>
-              </a:solidFill>
-              <a:uFill>
-                <a:solidFill>
-                  <a:srgbClr val="ffffff"/>
-                </a:solidFill>
-              </a:uFill>
-              <a:latin typeface="Arial"/>
-            </a:endParaRPr>
-          </a:p>
-          <a:p>
-            <a:pPr lvl="2" marL="1143000" indent="-228240">
+          </a:p>
+          <a:p>
+            <a:pPr marL="1143000" lvl="2" indent="-228240">
               <a:lnSpc>
                 <a:spcPct val="100000"/>
               </a:lnSpc>
@@ -4030,33 +4441,22 @@
               <a:buChar char=""/>
             </a:pPr>
             <a:r>
-              <a:rPr b="0" lang="de-DE" sz="2400" spc="-1" strike="noStrike">
+              <a:rPr lang="de-DE" sz="2400" b="0" strike="noStrike" spc="-1">
                 <a:solidFill>
                   <a:srgbClr val="000000"/>
                 </a:solidFill>
                 <a:uFill>
                   <a:solidFill>
-                    <a:srgbClr val="ffffff"/>
+                    <a:srgbClr val="FFFFFF"/>
                   </a:solidFill>
                 </a:uFill>
                 <a:latin typeface="Arial"/>
               </a:rPr>
               <a:t>Dritte Ebene</a:t>
             </a:r>
-            <a:endParaRPr b="0" lang="de-DE" sz="2400" spc="-1" strike="noStrike">
-              <a:solidFill>
-                <a:srgbClr val="000000"/>
-              </a:solidFill>
-              <a:uFill>
-                <a:solidFill>
-                  <a:srgbClr val="ffffff"/>
-                </a:solidFill>
-              </a:uFill>
-              <a:latin typeface="Arial"/>
-            </a:endParaRPr>
-          </a:p>
-          <a:p>
-            <a:pPr lvl="3" marL="1600200" indent="-228240">
+          </a:p>
+          <a:p>
+            <a:pPr marL="1600200" lvl="3" indent="-228240">
               <a:lnSpc>
                 <a:spcPct val="100000"/>
               </a:lnSpc>
@@ -4070,33 +4470,22 @@
               <a:buChar char=""/>
             </a:pPr>
             <a:r>
-              <a:rPr b="0" lang="de-DE" sz="2000" spc="-1" strike="noStrike">
+              <a:rPr lang="de-DE" sz="2000" b="0" strike="noStrike" spc="-1">
                 <a:solidFill>
                   <a:srgbClr val="000000"/>
                 </a:solidFill>
                 <a:uFill>
                   <a:solidFill>
-                    <a:srgbClr val="ffffff"/>
+                    <a:srgbClr val="FFFFFF"/>
                   </a:solidFill>
                 </a:uFill>
                 <a:latin typeface="Arial"/>
               </a:rPr>
               <a:t>Vierte Ebene</a:t>
             </a:r>
-            <a:endParaRPr b="0" lang="de-DE" sz="2000" spc="-1" strike="noStrike">
-              <a:solidFill>
-                <a:srgbClr val="000000"/>
-              </a:solidFill>
-              <a:uFill>
-                <a:solidFill>
-                  <a:srgbClr val="ffffff"/>
-                </a:solidFill>
-              </a:uFill>
-              <a:latin typeface="Arial"/>
-            </a:endParaRPr>
-          </a:p>
-          <a:p>
-            <a:pPr lvl="4" marL="2057400" indent="-228240">
+          </a:p>
+          <a:p>
+            <a:pPr marL="2057400" lvl="4" indent="-228240">
               <a:lnSpc>
                 <a:spcPct val="100000"/>
               </a:lnSpc>
@@ -4110,30 +4499,19 @@
               <a:buChar char="»"/>
             </a:pPr>
             <a:r>
-              <a:rPr b="0" lang="de-DE" sz="2000" spc="-1" strike="noStrike">
+              <a:rPr lang="de-DE" sz="2000" b="0" strike="noStrike" spc="-1">
                 <a:solidFill>
                   <a:srgbClr val="000000"/>
                 </a:solidFill>
                 <a:uFill>
                   <a:solidFill>
-                    <a:srgbClr val="ffffff"/>
+                    <a:srgbClr val="FFFFFF"/>
                   </a:solidFill>
                 </a:uFill>
                 <a:latin typeface="Arial"/>
               </a:rPr>
               <a:t>Fünfte Ebene</a:t>
             </a:r>
-            <a:endParaRPr b="0" lang="de-DE" sz="2000" spc="-1" strike="noStrike">
-              <a:solidFill>
-                <a:srgbClr val="000000"/>
-              </a:solidFill>
-              <a:uFill>
-                <a:solidFill>
-                  <a:srgbClr val="ffffff"/>
-                </a:solidFill>
-              </a:uFill>
-              <a:latin typeface="Arial"/>
-            </a:endParaRPr>
           </a:p>
         </p:txBody>
       </p:sp>
@@ -4158,6 +4536,7 @@
         </p:spPr>
         <p:txBody>
           <a:bodyPr anchor="ctr"/>
+          <a:lstStyle/>
           <a:p>
             <a:pPr>
               <a:lnSpc>
@@ -4165,26 +4544,26 @@
               </a:lnSpc>
             </a:pPr>
             <a:r>
-              <a:rPr b="0" lang="de-DE" sz="1200" spc="-1" strike="noStrike">
-                <a:solidFill>
-                  <a:srgbClr val="8b8b8b"/>
+              <a:rPr lang="de-DE" sz="1200" b="0" strike="noStrike" spc="-1">
+                <a:solidFill>
+                  <a:srgbClr val="8B8B8B"/>
                 </a:solidFill>
                 <a:uFill>
                   <a:solidFill>
-                    <a:srgbClr val="ffffff"/>
+                    <a:srgbClr val="FFFFFF"/>
                   </a:solidFill>
                 </a:uFill>
                 <a:latin typeface="Arial"/>
               </a:rPr>
               <a:t>11.09.2013</a:t>
             </a:r>
-            <a:endParaRPr b="0" lang="de-DE" sz="1200" spc="-1" strike="noStrike">
-              <a:solidFill>
-                <a:srgbClr val="000000"/>
-              </a:solidFill>
-              <a:uFill>
-                <a:solidFill>
-                  <a:srgbClr val="ffffff"/>
+            <a:endParaRPr lang="de-DE" sz="1200" b="0" strike="noStrike" spc="-1">
+              <a:solidFill>
+                <a:srgbClr val="000000"/>
+              </a:solidFill>
+              <a:uFill>
+                <a:solidFill>
+                  <a:srgbClr val="FFFFFF"/>
                 </a:solidFill>
               </a:uFill>
               <a:latin typeface="Times New Roman"/>
@@ -4213,14 +4592,15 @@
         </p:spPr>
         <p:txBody>
           <a:bodyPr anchor="ctr"/>
-          <a:p>
-            <a:endParaRPr b="0" lang="de-DE" sz="2400" spc="-1" strike="noStrike">
-              <a:solidFill>
-                <a:srgbClr val="000000"/>
-              </a:solidFill>
-              <a:uFill>
-                <a:solidFill>
-                  <a:srgbClr val="ffffff"/>
+          <a:lstStyle/>
+          <a:p>
+            <a:endParaRPr lang="de-DE" sz="2400" b="0" strike="noStrike" spc="-1">
+              <a:solidFill>
+                <a:srgbClr val="000000"/>
+              </a:solidFill>
+              <a:uFill>
+                <a:solidFill>
+                  <a:srgbClr val="FFFFFF"/>
                 </a:solidFill>
               </a:uFill>
               <a:latin typeface="Times New Roman"/>
@@ -4249,6 +4629,7 @@
         </p:spPr>
         <p:txBody>
           <a:bodyPr anchor="ctr"/>
+          <a:lstStyle/>
           <a:p>
             <a:pPr algn="r">
               <a:lnSpc>
@@ -4256,26 +4637,26 @@
               </a:lnSpc>
             </a:pPr>
             <a:fld id="{FC06D5D6-CDCC-4FD6-A532-DA6619DDAD49}" type="slidenum">
-              <a:rPr b="0" lang="de-DE" sz="1200" spc="-1" strike="noStrike">
-                <a:solidFill>
-                  <a:srgbClr val="8b8b8b"/>
+              <a:rPr lang="de-DE" sz="1200" b="0" strike="noStrike" spc="-1">
+                <a:solidFill>
+                  <a:srgbClr val="8B8B8B"/>
                 </a:solidFill>
                 <a:uFill>
                   <a:solidFill>
-                    <a:srgbClr val="ffffff"/>
+                    <a:srgbClr val="FFFFFF"/>
                   </a:solidFill>
                 </a:uFill>
                 <a:latin typeface="Arial"/>
               </a:rPr>
-              <a:t>&lt;Foliennummer&gt;</a:t>
+              <a:t>‹Nr.›</a:t>
             </a:fld>
-            <a:endParaRPr b="0" lang="de-DE" sz="1200" spc="-1" strike="noStrike">
-              <a:solidFill>
-                <a:srgbClr val="000000"/>
-              </a:solidFill>
-              <a:uFill>
-                <a:solidFill>
-                  <a:srgbClr val="ffffff"/>
+            <a:endParaRPr lang="de-DE" sz="1200" b="0" strike="noStrike" spc="-1">
+              <a:solidFill>
+                <a:srgbClr val="000000"/>
+              </a:solidFill>
+              <a:uFill>
+                <a:solidFill>
+                  <a:srgbClr val="FFFFFF"/>
                 </a:solidFill>
               </a:uFill>
               <a:latin typeface="Times New Roman"/>
@@ -4285,26 +4666,306 @@
       </p:sp>
     </p:spTree>
   </p:cSld>
-  <p:clrMap bg1="lt1" bg2="lt2" tx1="dk1" tx2="dk2" accent1="accent1" accent2="accent2" accent3="accent3" accent4="accent4" accent5="accent5" accent6="accent6" hlink="hlink" folHlink="folHlink"/>
+  <p:clrMap bg1="lt1" tx1="dk1" bg2="lt2" tx2="dk2" accent1="accent1" accent2="accent2" accent3="accent3" accent4="accent4" accent5="accent5" accent6="accent6" hlink="hlink" folHlink="folHlink"/>
   <p:sldLayoutIdLst>
-    <p:sldLayoutId id="2147483662" r:id="rId4"/>
-    <p:sldLayoutId id="2147483663" r:id="rId5"/>
-    <p:sldLayoutId id="2147483664" r:id="rId6"/>
-    <p:sldLayoutId id="2147483665" r:id="rId7"/>
-    <p:sldLayoutId id="2147483666" r:id="rId8"/>
-    <p:sldLayoutId id="2147483667" r:id="rId9"/>
-    <p:sldLayoutId id="2147483668" r:id="rId10"/>
-    <p:sldLayoutId id="2147483669" r:id="rId11"/>
-    <p:sldLayoutId id="2147483670" r:id="rId12"/>
-    <p:sldLayoutId id="2147483671" r:id="rId13"/>
-    <p:sldLayoutId id="2147483672" r:id="rId14"/>
-    <p:sldLayoutId id="2147483673" r:id="rId15"/>
+    <p:sldLayoutId id="2147483662" r:id="rId1"/>
+    <p:sldLayoutId id="2147483663" r:id="rId2"/>
+    <p:sldLayoutId id="2147483664" r:id="rId3"/>
+    <p:sldLayoutId id="2147483665" r:id="rId4"/>
+    <p:sldLayoutId id="2147483666" r:id="rId5"/>
+    <p:sldLayoutId id="2147483667" r:id="rId6"/>
+    <p:sldLayoutId id="2147483668" r:id="rId7"/>
+    <p:sldLayoutId id="2147483669" r:id="rId8"/>
+    <p:sldLayoutId id="2147483670" r:id="rId9"/>
+    <p:sldLayoutId id="2147483671" r:id="rId10"/>
+    <p:sldLayoutId id="2147483672" r:id="rId11"/>
+    <p:sldLayoutId id="2147483673" r:id="rId12"/>
   </p:sldLayoutIdLst>
+  <p:txStyles>
+    <p:titleStyle>
+      <a:lvl1pPr algn="l" defTabSz="914400" rtl="0" eaLnBrk="1" latinLnBrk="0" hangingPunct="1">
+        <a:lnSpc>
+          <a:spcPct val="90000"/>
+        </a:lnSpc>
+        <a:spcBef>
+          <a:spcPct val="0"/>
+        </a:spcBef>
+        <a:buNone/>
+        <a:defRPr sz="4400" kern="1200">
+          <a:solidFill>
+            <a:schemeClr val="tx1"/>
+          </a:solidFill>
+          <a:latin typeface="+mj-lt"/>
+          <a:ea typeface="+mj-ea"/>
+          <a:cs typeface="+mj-cs"/>
+        </a:defRPr>
+      </a:lvl1pPr>
+    </p:titleStyle>
+    <p:bodyStyle>
+      <a:lvl1pPr marL="228600" indent="-228600" algn="l" defTabSz="914400" rtl="0" eaLnBrk="1" latinLnBrk="0" hangingPunct="1">
+        <a:lnSpc>
+          <a:spcPct val="90000"/>
+        </a:lnSpc>
+        <a:spcBef>
+          <a:spcPts val="1000"/>
+        </a:spcBef>
+        <a:buFont typeface="Arial" panose="020B0604020202020204" pitchFamily="34" charset="0"/>
+        <a:buChar char="•"/>
+        <a:defRPr sz="2800" kern="1200">
+          <a:solidFill>
+            <a:schemeClr val="tx1"/>
+          </a:solidFill>
+          <a:latin typeface="+mn-lt"/>
+          <a:ea typeface="+mn-ea"/>
+          <a:cs typeface="+mn-cs"/>
+        </a:defRPr>
+      </a:lvl1pPr>
+      <a:lvl2pPr marL="685800" indent="-228600" algn="l" defTabSz="914400" rtl="0" eaLnBrk="1" latinLnBrk="0" hangingPunct="1">
+        <a:lnSpc>
+          <a:spcPct val="90000"/>
+        </a:lnSpc>
+        <a:spcBef>
+          <a:spcPts val="500"/>
+        </a:spcBef>
+        <a:buFont typeface="Arial" panose="020B0604020202020204" pitchFamily="34" charset="0"/>
+        <a:buChar char="•"/>
+        <a:defRPr sz="2400" kern="1200">
+          <a:solidFill>
+            <a:schemeClr val="tx1"/>
+          </a:solidFill>
+          <a:latin typeface="+mn-lt"/>
+          <a:ea typeface="+mn-ea"/>
+          <a:cs typeface="+mn-cs"/>
+        </a:defRPr>
+      </a:lvl2pPr>
+      <a:lvl3pPr marL="1143000" indent="-228600" algn="l" defTabSz="914400" rtl="0" eaLnBrk="1" latinLnBrk="0" hangingPunct="1">
+        <a:lnSpc>
+          <a:spcPct val="90000"/>
+        </a:lnSpc>
+        <a:spcBef>
+          <a:spcPts val="500"/>
+        </a:spcBef>
+        <a:buFont typeface="Arial" panose="020B0604020202020204" pitchFamily="34" charset="0"/>
+        <a:buChar char="•"/>
+        <a:defRPr sz="2000" kern="1200">
+          <a:solidFill>
+            <a:schemeClr val="tx1"/>
+          </a:solidFill>
+          <a:latin typeface="+mn-lt"/>
+          <a:ea typeface="+mn-ea"/>
+          <a:cs typeface="+mn-cs"/>
+        </a:defRPr>
+      </a:lvl3pPr>
+      <a:lvl4pPr marL="1600200" indent="-228600" algn="l" defTabSz="914400" rtl="0" eaLnBrk="1" latinLnBrk="0" hangingPunct="1">
+        <a:lnSpc>
+          <a:spcPct val="90000"/>
+        </a:lnSpc>
+        <a:spcBef>
+          <a:spcPts val="500"/>
+        </a:spcBef>
+        <a:buFont typeface="Arial" panose="020B0604020202020204" pitchFamily="34" charset="0"/>
+        <a:buChar char="•"/>
+        <a:defRPr sz="1800" kern="1200">
+          <a:solidFill>
+            <a:schemeClr val="tx1"/>
+          </a:solidFill>
+          <a:latin typeface="+mn-lt"/>
+          <a:ea typeface="+mn-ea"/>
+          <a:cs typeface="+mn-cs"/>
+        </a:defRPr>
+      </a:lvl4pPr>
+      <a:lvl5pPr marL="2057400" indent="-228600" algn="l" defTabSz="914400" rtl="0" eaLnBrk="1" latinLnBrk="0" hangingPunct="1">
+        <a:lnSpc>
+          <a:spcPct val="90000"/>
+        </a:lnSpc>
+        <a:spcBef>
+          <a:spcPts val="500"/>
+        </a:spcBef>
+        <a:buFont typeface="Arial" panose="020B0604020202020204" pitchFamily="34" charset="0"/>
+        <a:buChar char="•"/>
+        <a:defRPr sz="1800" kern="1200">
+          <a:solidFill>
+            <a:schemeClr val="tx1"/>
+          </a:solidFill>
+          <a:latin typeface="+mn-lt"/>
+          <a:ea typeface="+mn-ea"/>
+          <a:cs typeface="+mn-cs"/>
+        </a:defRPr>
+      </a:lvl5pPr>
+      <a:lvl6pPr marL="2514600" indent="-228600" algn="l" defTabSz="914400" rtl="0" eaLnBrk="1" latinLnBrk="0" hangingPunct="1">
+        <a:lnSpc>
+          <a:spcPct val="90000"/>
+        </a:lnSpc>
+        <a:spcBef>
+          <a:spcPts val="500"/>
+        </a:spcBef>
+        <a:buFont typeface="Arial" panose="020B0604020202020204" pitchFamily="34" charset="0"/>
+        <a:buChar char="•"/>
+        <a:defRPr sz="1800" kern="1200">
+          <a:solidFill>
+            <a:schemeClr val="tx1"/>
+          </a:solidFill>
+          <a:latin typeface="+mn-lt"/>
+          <a:ea typeface="+mn-ea"/>
+          <a:cs typeface="+mn-cs"/>
+        </a:defRPr>
+      </a:lvl6pPr>
+      <a:lvl7pPr marL="2971800" indent="-228600" algn="l" defTabSz="914400" rtl="0" eaLnBrk="1" latinLnBrk="0" hangingPunct="1">
+        <a:lnSpc>
+          <a:spcPct val="90000"/>
+        </a:lnSpc>
+        <a:spcBef>
+          <a:spcPts val="500"/>
+        </a:spcBef>
+        <a:buFont typeface="Arial" panose="020B0604020202020204" pitchFamily="34" charset="0"/>
+        <a:buChar char="•"/>
+        <a:defRPr sz="1800" kern="1200">
+          <a:solidFill>
+            <a:schemeClr val="tx1"/>
+          </a:solidFill>
+          <a:latin typeface="+mn-lt"/>
+          <a:ea typeface="+mn-ea"/>
+          <a:cs typeface="+mn-cs"/>
+        </a:defRPr>
+      </a:lvl7pPr>
+      <a:lvl8pPr marL="3429000" indent="-228600" algn="l" defTabSz="914400" rtl="0" eaLnBrk="1" latinLnBrk="0" hangingPunct="1">
+        <a:lnSpc>
+          <a:spcPct val="90000"/>
+        </a:lnSpc>
+        <a:spcBef>
+          <a:spcPts val="500"/>
+        </a:spcBef>
+        <a:buFont typeface="Arial" panose="020B0604020202020204" pitchFamily="34" charset="0"/>
+        <a:buChar char="•"/>
+        <a:defRPr sz="1800" kern="1200">
+          <a:solidFill>
+            <a:schemeClr val="tx1"/>
+          </a:solidFill>
+          <a:latin typeface="+mn-lt"/>
+          <a:ea typeface="+mn-ea"/>
+          <a:cs typeface="+mn-cs"/>
+        </a:defRPr>
+      </a:lvl8pPr>
+      <a:lvl9pPr marL="3886200" indent="-228600" algn="l" defTabSz="914400" rtl="0" eaLnBrk="1" latinLnBrk="0" hangingPunct="1">
+        <a:lnSpc>
+          <a:spcPct val="90000"/>
+        </a:lnSpc>
+        <a:spcBef>
+          <a:spcPts val="500"/>
+        </a:spcBef>
+        <a:buFont typeface="Arial" panose="020B0604020202020204" pitchFamily="34" charset="0"/>
+        <a:buChar char="•"/>
+        <a:defRPr sz="1800" kern="1200">
+          <a:solidFill>
+            <a:schemeClr val="tx1"/>
+          </a:solidFill>
+          <a:latin typeface="+mn-lt"/>
+          <a:ea typeface="+mn-ea"/>
+          <a:cs typeface="+mn-cs"/>
+        </a:defRPr>
+      </a:lvl9pPr>
+    </p:bodyStyle>
+    <p:otherStyle>
+      <a:defPPr>
+        <a:defRPr lang="de-DE"/>
+      </a:defPPr>
+      <a:lvl1pPr marL="0" algn="l" defTabSz="914400" rtl="0" eaLnBrk="1" latinLnBrk="0" hangingPunct="1">
+        <a:defRPr sz="1800" kern="1200">
+          <a:solidFill>
+            <a:schemeClr val="tx1"/>
+          </a:solidFill>
+          <a:latin typeface="+mn-lt"/>
+          <a:ea typeface="+mn-ea"/>
+          <a:cs typeface="+mn-cs"/>
+        </a:defRPr>
+      </a:lvl1pPr>
+      <a:lvl2pPr marL="457200" algn="l" defTabSz="914400" rtl="0" eaLnBrk="1" latinLnBrk="0" hangingPunct="1">
+        <a:defRPr sz="1800" kern="1200">
+          <a:solidFill>
+            <a:schemeClr val="tx1"/>
+          </a:solidFill>
+          <a:latin typeface="+mn-lt"/>
+          <a:ea typeface="+mn-ea"/>
+          <a:cs typeface="+mn-cs"/>
+        </a:defRPr>
+      </a:lvl2pPr>
+      <a:lvl3pPr marL="914400" algn="l" defTabSz="914400" rtl="0" eaLnBrk="1" latinLnBrk="0" hangingPunct="1">
+        <a:defRPr sz="1800" kern="1200">
+          <a:solidFill>
+            <a:schemeClr val="tx1"/>
+          </a:solidFill>
+          <a:latin typeface="+mn-lt"/>
+          <a:ea typeface="+mn-ea"/>
+          <a:cs typeface="+mn-cs"/>
+        </a:defRPr>
+      </a:lvl3pPr>
+      <a:lvl4pPr marL="1371600" algn="l" defTabSz="914400" rtl="0" eaLnBrk="1" latinLnBrk="0" hangingPunct="1">
+        <a:defRPr sz="1800" kern="1200">
+          <a:solidFill>
+            <a:schemeClr val="tx1"/>
+          </a:solidFill>
+          <a:latin typeface="+mn-lt"/>
+          <a:ea typeface="+mn-ea"/>
+          <a:cs typeface="+mn-cs"/>
+        </a:defRPr>
+      </a:lvl4pPr>
+      <a:lvl5pPr marL="1828800" algn="l" defTabSz="914400" rtl="0" eaLnBrk="1" latinLnBrk="0" hangingPunct="1">
+        <a:defRPr sz="1800" kern="1200">
+          <a:solidFill>
+            <a:schemeClr val="tx1"/>
+          </a:solidFill>
+          <a:latin typeface="+mn-lt"/>
+          <a:ea typeface="+mn-ea"/>
+          <a:cs typeface="+mn-cs"/>
+        </a:defRPr>
+      </a:lvl5pPr>
+      <a:lvl6pPr marL="2286000" algn="l" defTabSz="914400" rtl="0" eaLnBrk="1" latinLnBrk="0" hangingPunct="1">
+        <a:defRPr sz="1800" kern="1200">
+          <a:solidFill>
+            <a:schemeClr val="tx1"/>
+          </a:solidFill>
+          <a:latin typeface="+mn-lt"/>
+          <a:ea typeface="+mn-ea"/>
+          <a:cs typeface="+mn-cs"/>
+        </a:defRPr>
+      </a:lvl6pPr>
+      <a:lvl7pPr marL="2743200" algn="l" defTabSz="914400" rtl="0" eaLnBrk="1" latinLnBrk="0" hangingPunct="1">
+        <a:defRPr sz="1800" kern="1200">
+          <a:solidFill>
+            <a:schemeClr val="tx1"/>
+          </a:solidFill>
+          <a:latin typeface="+mn-lt"/>
+          <a:ea typeface="+mn-ea"/>
+          <a:cs typeface="+mn-cs"/>
+        </a:defRPr>
+      </a:lvl7pPr>
+      <a:lvl8pPr marL="3200400" algn="l" defTabSz="914400" rtl="0" eaLnBrk="1" latinLnBrk="0" hangingPunct="1">
+        <a:defRPr sz="1800" kern="1200">
+          <a:solidFill>
+            <a:schemeClr val="tx1"/>
+          </a:solidFill>
+          <a:latin typeface="+mn-lt"/>
+          <a:ea typeface="+mn-ea"/>
+          <a:cs typeface="+mn-cs"/>
+        </a:defRPr>
+      </a:lvl8pPr>
+      <a:lvl9pPr marL="3657600" algn="l" defTabSz="914400" rtl="0" eaLnBrk="1" latinLnBrk="0" hangingPunct="1">
+        <a:defRPr sz="1800" kern="1200">
+          <a:solidFill>
+            <a:schemeClr val="tx1"/>
+          </a:solidFill>
+          <a:latin typeface="+mn-lt"/>
+          <a:ea typeface="+mn-ea"/>
+          <a:cs typeface="+mn-cs"/>
+        </a:defRPr>
+      </a:lvl9pPr>
+    </p:otherStyle>
+  </p:txStyles>
 </p:sldMaster>
 </file>
 
 <file path=ppt/slides/slide1.xml><?xml version="1.0" encoding="utf-8"?>
-<p:sld xmlns:a="http://schemas.openxmlformats.org/drawingml/2006/main" xmlns:p="http://schemas.openxmlformats.org/presentationml/2006/main" xmlns:r="http://schemas.openxmlformats.org/officeDocument/2006/relationships" xmlns:p14="http://schemas.microsoft.com/office/powerpoint/2010/main" xmlns:p15="http://schemas.microsoft.com/office/powerpoint/2012/main" xmlns:mc="http://schemas.openxmlformats.org/markup-compatibility/2006">
+<p:sld xmlns:a="http://schemas.openxmlformats.org/drawingml/2006/main" xmlns:r="http://schemas.openxmlformats.org/officeDocument/2006/relationships" xmlns:p="http://schemas.openxmlformats.org/presentationml/2006/main">
   <p:cSld>
     <p:spTree>
       <p:nvGrpSpPr>
@@ -4340,13 +5001,20 @@
           </a:ln>
         </p:spPr>
         <p:style>
-          <a:lnRef idx="0"/>
-          <a:fillRef idx="0"/>
-          <a:effectRef idx="0"/>
+          <a:lnRef idx="0">
+            <a:scrgbClr r="0" g="0" b="0"/>
+          </a:lnRef>
+          <a:fillRef idx="0">
+            <a:scrgbClr r="0" g="0" b="0"/>
+          </a:fillRef>
+          <a:effectRef idx="0">
+            <a:scrgbClr r="0" g="0" b="0"/>
+          </a:effectRef>
           <a:fontRef idx="minor"/>
         </p:style>
         <p:txBody>
-          <a:bodyPr lIns="0" rIns="0" tIns="0" bIns="0"/>
+          <a:bodyPr lIns="0" tIns="0" rIns="0" bIns="0"/>
+          <a:lstStyle/>
           <a:p>
             <a:pPr>
               <a:lnSpc>
@@ -4354,42 +5022,54 @@
               </a:lnSpc>
             </a:pPr>
             <a:r>
-              <a:rPr b="1" lang="de-DE" sz="2400" spc="-1" strike="noStrike">
-                <a:solidFill>
-                  <a:srgbClr val="ffffff"/>
+              <a:rPr lang="de-DE" sz="2400" b="1" strike="noStrike" spc="-1" dirty="0">
+                <a:solidFill>
+                  <a:srgbClr val="FFFFFF"/>
                 </a:solidFill>
                 <a:uFill>
                   <a:solidFill>
-                    <a:srgbClr val="ffffff"/>
+                    <a:srgbClr val="FFFFFF"/>
                   </a:solidFill>
                 </a:uFill>
                 <a:latin typeface="Arial"/>
               </a:rPr>
               <a:t>Workshop</a:t>
             </a:r>
-            <a:br/>
-            <a:r>
-              <a:rPr b="1" lang="de-DE" sz="2400" spc="-1" strike="noStrike">
-                <a:solidFill>
-                  <a:srgbClr val="ffffff"/>
+            <a:r>
+              <a:rPr dirty="0"/>
+              <a:t/>
+            </a:r>
+            <a:br>
+              <a:rPr dirty="0"/>
+            </a:br>
+            <a:r>
+              <a:rPr lang="de-DE" sz="2400" b="1" strike="noStrike" spc="-1" dirty="0">
+                <a:solidFill>
+                  <a:srgbClr val="FFFFFF"/>
                 </a:solidFill>
                 <a:uFill>
                   <a:solidFill>
-                    <a:srgbClr val="ffffff"/>
+                    <a:srgbClr val="FFFFFF"/>
                   </a:solidFill>
                 </a:uFill>
                 <a:latin typeface="Arial"/>
               </a:rPr>
               <a:t>T³ = Testen * Testen * Testen =  </a:t>
             </a:r>
-            <a:br/>
-            <a:endParaRPr b="0" lang="de-DE" sz="2400" spc="-1" strike="noStrike">
-              <a:solidFill>
-                <a:srgbClr val="ffffff"/>
-              </a:solidFill>
-              <a:uFill>
-                <a:solidFill>
-                  <a:srgbClr val="ffffff"/>
+            <a:r>
+              <a:rPr dirty="0"/>
+              <a:t/>
+            </a:r>
+            <a:br>
+              <a:rPr dirty="0"/>
+            </a:br>
+            <a:endParaRPr lang="de-DE" sz="2400" b="0" strike="noStrike" spc="-1" dirty="0">
+              <a:solidFill>
+                <a:srgbClr val="FFFFFF"/>
+              </a:solidFill>
+              <a:uFill>
+                <a:solidFill>
+                  <a:srgbClr val="FFFFFF"/>
                 </a:solidFill>
               </a:uFill>
               <a:latin typeface="Arial"/>
@@ -4417,13 +5097,20 @@
           </a:ln>
         </p:spPr>
         <p:style>
-          <a:lnRef idx="0"/>
-          <a:fillRef idx="0"/>
-          <a:effectRef idx="0"/>
+          <a:lnRef idx="0">
+            <a:scrgbClr r="0" g="0" b="0"/>
+          </a:lnRef>
+          <a:fillRef idx="0">
+            <a:scrgbClr r="0" g="0" b="0"/>
+          </a:fillRef>
+          <a:effectRef idx="0">
+            <a:scrgbClr r="0" g="0" b="0"/>
+          </a:effectRef>
           <a:fontRef idx="minor"/>
         </p:style>
         <p:txBody>
-          <a:bodyPr lIns="0" rIns="0" tIns="0" bIns="0"/>
+          <a:bodyPr lIns="0" tIns="0" rIns="0" bIns="0"/>
+          <a:lstStyle/>
           <a:p>
             <a:pPr>
               <a:lnSpc>
@@ -4431,26 +5118,26 @@
               </a:lnSpc>
             </a:pPr>
             <a:r>
-              <a:rPr b="1" lang="de-DE" sz="1800" spc="-1" strike="noStrike">
-                <a:solidFill>
-                  <a:srgbClr val="ffffff"/>
+              <a:rPr lang="de-DE" sz="1800" b="1" strike="noStrike" spc="-1">
+                <a:solidFill>
+                  <a:srgbClr val="FFFFFF"/>
                 </a:solidFill>
                 <a:uFill>
                   <a:solidFill>
-                    <a:srgbClr val="ffffff"/>
+                    <a:srgbClr val="FFFFFF"/>
                   </a:solidFill>
                 </a:uFill>
                 <a:latin typeface="Arial"/>
               </a:rPr>
               <a:t>Toni Schreiber</a:t>
             </a:r>
-            <a:endParaRPr b="0" lang="de-DE" sz="1800" spc="-1" strike="noStrike">
-              <a:solidFill>
-                <a:srgbClr val="ffffff"/>
-              </a:solidFill>
-              <a:uFill>
-                <a:solidFill>
-                  <a:srgbClr val="ffffff"/>
+            <a:endParaRPr lang="de-DE" sz="1800" b="0" strike="noStrike" spc="-1">
+              <a:solidFill>
+                <a:srgbClr val="FFFFFF"/>
+              </a:solidFill>
+              <a:uFill>
+                <a:solidFill>
+                  <a:srgbClr val="FFFFFF"/>
                 </a:solidFill>
               </a:uFill>
               <a:latin typeface="Arial"/>
@@ -4478,20 +5165,26 @@
           </a:ln>
         </p:spPr>
         <p:style>
-          <a:lnRef idx="0"/>
-          <a:fillRef idx="0"/>
-          <a:effectRef idx="0"/>
+          <a:lnRef idx="0">
+            <a:scrgbClr r="0" g="0" b="0"/>
+          </a:lnRef>
+          <a:fillRef idx="0">
+            <a:scrgbClr r="0" g="0" b="0"/>
+          </a:fillRef>
+          <a:effectRef idx="0">
+            <a:scrgbClr r="0" g="0" b="0"/>
+          </a:effectRef>
           <a:fontRef idx="minor"/>
         </p:style>
       </p:sp>
       <p:pic>
         <p:nvPicPr>
-          <p:cNvPr id="88" name="" descr=""/>
+          <p:cNvPr id="88" name="Grafik 87"/>
           <p:cNvPicPr/>
           <p:nvPr/>
         </p:nvPicPr>
         <p:blipFill>
-          <a:blip r:embed="rId1"/>
+          <a:blip r:embed="rId2"/>
           <a:stretch/>
         </p:blipFill>
         <p:spPr>
@@ -4509,6 +5202,9 @@
       </p:pic>
     </p:spTree>
   </p:cSld>
+  <p:clrMapOvr>
+    <a:masterClrMapping/>
+  </p:clrMapOvr>
   <p:timing>
     <p:tnLst>
       <p:par>
@@ -4517,14 +5213,14 @@
             <p:seq>
               <p:cTn id="2" nodeType="mainSeq"/>
               <p:prevCondLst>
-                <p:cond delay="0" evt="onPrev">
+                <p:cond evt="onPrev" delay="0">
                   <p:tgtEl>
                     <p:sldTgt/>
                   </p:tgtEl>
                 </p:cond>
               </p:prevCondLst>
               <p:nextCondLst>
-                <p:cond delay="0" evt="onNext">
+                <p:cond evt="onNext" delay="0">
                   <p:tgtEl>
                     <p:sldTgt/>
                   </p:tgtEl>
@@ -4540,7 +5236,7 @@
 </file>
 
 <file path=ppt/slides/slide2.xml><?xml version="1.0" encoding="utf-8"?>
-<p:sld xmlns:a="http://schemas.openxmlformats.org/drawingml/2006/main" xmlns:p="http://schemas.openxmlformats.org/presentationml/2006/main" xmlns:r="http://schemas.openxmlformats.org/officeDocument/2006/relationships" xmlns:p14="http://schemas.microsoft.com/office/powerpoint/2010/main" xmlns:p15="http://schemas.microsoft.com/office/powerpoint/2012/main" xmlns:mc="http://schemas.openxmlformats.org/markup-compatibility/2006">
+<p:sld xmlns:a="http://schemas.openxmlformats.org/drawingml/2006/main" xmlns:r="http://schemas.openxmlformats.org/officeDocument/2006/relationships" xmlns:p="http://schemas.openxmlformats.org/presentationml/2006/main">
   <p:cSld>
     <p:spTree>
       <p:nvGrpSpPr>
@@ -4577,6 +5273,7 @@
         </p:spPr>
         <p:txBody>
           <a:bodyPr/>
+          <a:lstStyle/>
           <a:p>
             <a:pPr>
               <a:lnSpc>
@@ -4584,30 +5281,19 @@
               </a:lnSpc>
             </a:pPr>
             <a:r>
-              <a:rPr b="0" lang="de-DE" sz="1600" spc="-1" strike="noStrike">
+              <a:rPr lang="de-DE" sz="1600" b="0" strike="noStrike" spc="-1">
                 <a:solidFill>
                   <a:srgbClr val="000000"/>
                 </a:solidFill>
                 <a:uFill>
                   <a:solidFill>
-                    <a:srgbClr val="ffffff"/>
+                    <a:srgbClr val="FFFFFF"/>
                   </a:solidFill>
                 </a:uFill>
                 <a:latin typeface="Arial"/>
               </a:rPr>
               <a:t>Hier Text eingeben</a:t>
             </a:r>
-            <a:endParaRPr b="0" lang="de-DE" sz="1600" spc="-1" strike="noStrike">
-              <a:solidFill>
-                <a:srgbClr val="000000"/>
-              </a:solidFill>
-              <a:uFill>
-                <a:solidFill>
-                  <a:srgbClr val="ffffff"/>
-                </a:solidFill>
-              </a:uFill>
-              <a:latin typeface="Arial"/>
-            </a:endParaRPr>
           </a:p>
           <a:p>
             <a:pPr>
@@ -4616,30 +5302,19 @@
               </a:lnSpc>
             </a:pPr>
             <a:r>
-              <a:rPr b="0" lang="de-DE" sz="1600" spc="-1" strike="noStrike">
+              <a:rPr lang="de-DE" sz="1600" b="0" strike="noStrike" spc="-1">
                 <a:solidFill>
                   <a:srgbClr val="000000"/>
                 </a:solidFill>
                 <a:uFill>
                   <a:solidFill>
-                    <a:srgbClr val="ffffff"/>
+                    <a:srgbClr val="FFFFFF"/>
                   </a:solidFill>
                 </a:uFill>
                 <a:latin typeface="Arial"/>
               </a:rPr>
               <a:t>Schriftgröße Arial, mindestens 14pt, möglichst 16 pt oder mehr, </a:t>
             </a:r>
-            <a:endParaRPr b="0" lang="de-DE" sz="1600" spc="-1" strike="noStrike">
-              <a:solidFill>
-                <a:srgbClr val="000000"/>
-              </a:solidFill>
-              <a:uFill>
-                <a:solidFill>
-                  <a:srgbClr val="ffffff"/>
-                </a:solidFill>
-              </a:uFill>
-              <a:latin typeface="Arial"/>
-            </a:endParaRPr>
           </a:p>
           <a:p>
             <a:pPr>
@@ -4648,30 +5323,19 @@
               </a:lnSpc>
             </a:pPr>
             <a:r>
-              <a:rPr b="0" lang="de-DE" sz="1600" spc="-1" strike="noStrike">
+              <a:rPr lang="de-DE" sz="1600" b="0" strike="noStrike" spc="-1">
                 <a:solidFill>
                   <a:srgbClr val="000000"/>
                 </a:solidFill>
                 <a:uFill>
                   <a:solidFill>
-                    <a:srgbClr val="ffffff"/>
+                    <a:srgbClr val="FFFFFF"/>
                   </a:solidFill>
                 </a:uFill>
                 <a:latin typeface="Arial"/>
               </a:rPr>
               <a:t>Zeilenabstand: mindestens 1,1 Zeilen</a:t>
             </a:r>
-            <a:endParaRPr b="0" lang="de-DE" sz="1600" spc="-1" strike="noStrike">
-              <a:solidFill>
-                <a:srgbClr val="000000"/>
-              </a:solidFill>
-              <a:uFill>
-                <a:solidFill>
-                  <a:srgbClr val="ffffff"/>
-                </a:solidFill>
-              </a:uFill>
-              <a:latin typeface="Arial"/>
-            </a:endParaRPr>
           </a:p>
           <a:p>
             <a:pPr marL="343080" indent="-342720">
@@ -4682,13 +5346,13 @@
                 <a:spcPts val="400"/>
               </a:spcBef>
             </a:pPr>
-            <a:endParaRPr b="0" lang="de-DE" sz="1600" spc="-1" strike="noStrike">
-              <a:solidFill>
-                <a:srgbClr val="000000"/>
-              </a:solidFill>
-              <a:uFill>
-                <a:solidFill>
-                  <a:srgbClr val="ffffff"/>
+            <a:endParaRPr lang="de-DE" sz="1600" b="0" strike="noStrike" spc="-1">
+              <a:solidFill>
+                <a:srgbClr val="000000"/>
+              </a:solidFill>
+              <a:uFill>
+                <a:solidFill>
+                  <a:srgbClr val="FFFFFF"/>
                 </a:solidFill>
               </a:uFill>
               <a:latin typeface="Arial"/>
@@ -4717,14 +5381,15 @@
         </p:spPr>
         <p:txBody>
           <a:bodyPr anchor="ctr"/>
-          <a:p>
-            <a:endParaRPr b="0" lang="de-DE" sz="2400" spc="-1" strike="noStrike">
-              <a:solidFill>
-                <a:srgbClr val="000000"/>
-              </a:solidFill>
-              <a:uFill>
-                <a:solidFill>
-                  <a:srgbClr val="ffffff"/>
+          <a:lstStyle/>
+          <a:p>
+            <a:endParaRPr lang="de-DE" sz="2400" b="0" strike="noStrike" spc="-1">
+              <a:solidFill>
+                <a:srgbClr val="000000"/>
+              </a:solidFill>
+              <a:uFill>
+                <a:solidFill>
+                  <a:srgbClr val="FFFFFF"/>
                 </a:solidFill>
               </a:uFill>
               <a:latin typeface="Times New Roman"/>
@@ -4753,6 +5418,7 @@
         </p:spPr>
         <p:txBody>
           <a:bodyPr anchor="ctr"/>
+          <a:lstStyle/>
           <a:p>
             <a:pPr algn="r">
               <a:lnSpc>
@@ -4760,26 +5426,26 @@
               </a:lnSpc>
             </a:pPr>
             <a:fld id="{C6C4C3EB-F338-4F01-8873-932CA2A0E956}" type="slidenum">
-              <a:rPr b="0" lang="de-DE" sz="1200" spc="-1" strike="noStrike">
-                <a:solidFill>
-                  <a:srgbClr val="8b8b8b"/>
+              <a:rPr lang="de-DE" sz="1200" b="0" strike="noStrike" spc="-1">
+                <a:solidFill>
+                  <a:srgbClr val="8B8B8B"/>
                 </a:solidFill>
                 <a:uFill>
                   <a:solidFill>
-                    <a:srgbClr val="ffffff"/>
+                    <a:srgbClr val="FFFFFF"/>
                   </a:solidFill>
                 </a:uFill>
                 <a:latin typeface="Arial"/>
               </a:rPr>
-              <a:t>&lt;Foliennummer&gt;</a:t>
+              <a:t>2</a:t>
             </a:fld>
-            <a:endParaRPr b="0" lang="de-DE" sz="1200" spc="-1" strike="noStrike">
-              <a:solidFill>
-                <a:srgbClr val="000000"/>
-              </a:solidFill>
-              <a:uFill>
-                <a:solidFill>
-                  <a:srgbClr val="ffffff"/>
+            <a:endParaRPr lang="de-DE" sz="1200" b="0" strike="noStrike" spc="-1">
+              <a:solidFill>
+                <a:srgbClr val="000000"/>
+              </a:solidFill>
+              <a:uFill>
+                <a:solidFill>
+                  <a:srgbClr val="FFFFFF"/>
                 </a:solidFill>
               </a:uFill>
               <a:latin typeface="Times New Roman"/>
@@ -4807,44 +5473,34 @@
           </a:ln>
         </p:spPr>
         <p:txBody>
-          <a:bodyPr lIns="0" rIns="0" tIns="0" bIns="0" anchor="ctr"/>
-          <a:p>
-            <a:r>
-              <a:rPr b="0" lang="de-DE" sz="4400" spc="-1" strike="noStrike">
+          <a:bodyPr lIns="0" tIns="0" rIns="0" bIns="0" anchor="ctr"/>
+          <a:lstStyle/>
+          <a:p>
+            <a:r>
+              <a:rPr lang="de-DE" sz="4400" b="0" strike="noStrike" spc="-1">
                 <a:solidFill>
                   <a:srgbClr val="000000"/>
                 </a:solidFill>
                 <a:uFill>
                   <a:solidFill>
-                    <a:srgbClr val="ffffff"/>
+                    <a:srgbClr val="FFFFFF"/>
                   </a:solidFill>
                 </a:uFill>
                 <a:latin typeface="Arial"/>
               </a:rPr>
               <a:t>PRE-Slide Actions</a:t>
             </a:r>
-            <a:endParaRPr b="0" lang="de-DE" sz="4400" spc="-1" strike="noStrike">
-              <a:solidFill>
-                <a:srgbClr val="000000"/>
-              </a:solidFill>
-              <a:uFill>
-                <a:solidFill>
-                  <a:srgbClr val="ffffff"/>
-                </a:solidFill>
-              </a:uFill>
-              <a:latin typeface="Arial"/>
-            </a:endParaRPr>
           </a:p>
         </p:txBody>
       </p:sp>
       <p:pic>
         <p:nvPicPr>
-          <p:cNvPr id="93" name="" descr=""/>
+          <p:cNvPr id="93" name="Grafik 92"/>
           <p:cNvPicPr/>
           <p:nvPr/>
         </p:nvPicPr>
         <p:blipFill>
-          <a:blip r:embed="rId1"/>
+          <a:blip r:embed="rId2"/>
           <a:stretch/>
         </p:blipFill>
         <p:spPr>
@@ -4880,69 +5536,62 @@
           </a:ln>
         </p:spPr>
         <p:txBody>
-          <a:bodyPr lIns="90000" rIns="90000" tIns="45000" bIns="45000"/>
-          <a:p>
-            <a:r>
-              <a:rPr b="0" lang="de-DE" sz="1800" spc="-1" strike="noStrike">
+          <a:bodyPr lIns="90000" tIns="45000" rIns="90000" bIns="45000"/>
+          <a:lstStyle/>
+          <a:p>
+            <a:r>
+              <a:rPr lang="de-DE" sz="1800" b="0" strike="noStrike" spc="-1">
                 <a:solidFill>
                   <a:srgbClr val="000000"/>
                 </a:solidFill>
                 <a:uFill>
                   <a:solidFill>
-                    <a:srgbClr val="ffffff"/>
+                    <a:srgbClr val="FFFFFF"/>
                   </a:solidFill>
                 </a:uFill>
                 <a:latin typeface="Arial"/>
-                <a:hlinkClick r:id="rId2"/>
+                <a:hlinkClick r:id="rId3"/>
               </a:rPr>
               <a:t>https://github.com/ToSchQLB/workshop_testen</a:t>
             </a:r>
             <a:r>
-              <a:rPr b="0" lang="de-DE" sz="1800" spc="-1" strike="noStrike">
+              <a:rPr lang="de-DE" sz="1800" b="0" strike="noStrike" spc="-1">
                 <a:solidFill>
                   <a:srgbClr val="000000"/>
                 </a:solidFill>
                 <a:uFill>
                   <a:solidFill>
-                    <a:srgbClr val="ffffff"/>
+                    <a:srgbClr val="FFFFFF"/>
                   </a:solidFill>
                 </a:uFill>
                 <a:latin typeface="Arial"/>
               </a:rPr>
               <a:t> </a:t>
             </a:r>
-            <a:endParaRPr b="0" lang="de-DE" sz="1800" spc="-1" strike="noStrike">
-              <a:solidFill>
-                <a:srgbClr val="000000"/>
-              </a:solidFill>
-              <a:uFill>
-                <a:solidFill>
-                  <a:srgbClr val="ffffff"/>
-                </a:solidFill>
-              </a:uFill>
-              <a:latin typeface="Arial"/>
-            </a:endParaRPr>
           </a:p>
         </p:txBody>
       </p:sp>
     </p:spTree>
   </p:cSld>
+  <p:clrMapOvr>
+    <a:masterClrMapping/>
+  </p:clrMapOvr>
   <p:timing>
     <p:tnLst>
       <p:par>
-        <p:cTn id="3" dur="indefinite" restart="never" nodeType="tmRoot">
+        <p:cTn id="1" dur="indefinite" restart="never" nodeType="tmRoot">
           <p:childTnLst>
             <p:seq>
-              <p:cTn id="4" nodeType="mainSeq"/>
+              <p:cTn id="2" nodeType="mainSeq"/>
               <p:prevCondLst>
-                <p:cond delay="0" evt="onPrev">
+                <p:cond evt="onPrev" delay="0">
                   <p:tgtEl>
                     <p:sldTgt/>
                   </p:tgtEl>
                 </p:cond>
               </p:prevCondLst>
               <p:nextCondLst>
-                <p:cond delay="0" evt="onNext">
+                <p:cond evt="onNext" delay="0">
                   <p:tgtEl>
                     <p:sldTgt/>
                   </p:tgtEl>
@@ -4958,7 +5607,7 @@
 </file>
 
 <file path=ppt/slides/slide3.xml><?xml version="1.0" encoding="utf-8"?>
-<p:sld xmlns:a="http://schemas.openxmlformats.org/drawingml/2006/main" xmlns:p="http://schemas.openxmlformats.org/presentationml/2006/main" xmlns:r="http://schemas.openxmlformats.org/officeDocument/2006/relationships" xmlns:p14="http://schemas.microsoft.com/office/powerpoint/2010/main" xmlns:p15="http://schemas.microsoft.com/office/powerpoint/2012/main" xmlns:mc="http://schemas.openxmlformats.org/markup-compatibility/2006">
+<p:sld xmlns:a="http://schemas.openxmlformats.org/drawingml/2006/main" xmlns:r="http://schemas.openxmlformats.org/officeDocument/2006/relationships" xmlns:p="http://schemas.openxmlformats.org/presentationml/2006/main">
   <p:cSld>
     <p:spTree>
       <p:nvGrpSpPr>
@@ -4994,48 +5643,41 @@
           </a:ln>
         </p:spPr>
         <p:txBody>
-          <a:bodyPr lIns="0" rIns="0" tIns="0" bIns="0" anchor="ctr"/>
-          <a:p>
-            <a:r>
-              <a:rPr b="0" lang="de-DE" sz="4400" spc="-1" strike="noStrike">
+          <a:bodyPr lIns="0" tIns="0" rIns="0" bIns="0" anchor="ctr"/>
+          <a:lstStyle/>
+          <a:p>
+            <a:r>
+              <a:rPr lang="de-DE" sz="4400" b="0" strike="noStrike" spc="-1">
                 <a:solidFill>
                   <a:srgbClr val="000000"/>
                 </a:solidFill>
                 <a:uFill>
                   <a:solidFill>
-                    <a:srgbClr val="ffffff"/>
+                    <a:srgbClr val="FFFFFF"/>
                   </a:solidFill>
                 </a:uFill>
                 <a:latin typeface="Arial"/>
               </a:rPr>
               <a:t>PRE-Slide Actions:</a:t>
             </a:r>
+            <a:r>
+              <a:t/>
+            </a:r>
             <a:br/>
             <a:r>
-              <a:rPr b="0" lang="de-DE" sz="4400" spc="-1" strike="noStrike">
+              <a:rPr lang="de-DE" sz="4400" b="0" strike="noStrike" spc="-1">
                 <a:solidFill>
                   <a:srgbClr val="000000"/>
                 </a:solidFill>
                 <a:uFill>
                   <a:solidFill>
-                    <a:srgbClr val="ffffff"/>
+                    <a:srgbClr val="FFFFFF"/>
                   </a:solidFill>
                 </a:uFill>
                 <a:latin typeface="Arial"/>
               </a:rPr>
               <a:t>Projekt herunterladen</a:t>
             </a:r>
-            <a:endParaRPr b="0" lang="de-DE" sz="4400" spc="-1" strike="noStrike">
-              <a:solidFill>
-                <a:srgbClr val="000000"/>
-              </a:solidFill>
-              <a:uFill>
-                <a:solidFill>
-                  <a:srgbClr val="ffffff"/>
-                </a:solidFill>
-              </a:uFill>
-              <a:latin typeface="Arial"/>
-            </a:endParaRPr>
           </a:p>
         </p:txBody>
       </p:sp>
@@ -5059,9 +5701,10 @@
           </a:ln>
         </p:spPr>
         <p:txBody>
-          <a:bodyPr lIns="0" rIns="0" tIns="0" bIns="0">
+          <a:bodyPr lIns="0" tIns="0" rIns="0" bIns="0">
             <a:normAutofit/>
           </a:bodyPr>
+          <a:lstStyle/>
           <a:p>
             <a:pPr marL="432000" indent="-324000">
               <a:spcBef>
@@ -5075,48 +5718,40 @@
               <a:buChar char=""/>
             </a:pPr>
             <a:r>
-              <a:rPr b="0" lang="de-DE" sz="3200" spc="-1" strike="noStrike">
+              <a:rPr lang="de-DE" sz="3200" b="0" strike="noStrike" spc="-1">
                 <a:solidFill>
                   <a:srgbClr val="000000"/>
                 </a:solidFill>
                 <a:uFill>
                   <a:solidFill>
-                    <a:srgbClr val="ffffff"/>
+                    <a:srgbClr val="FFFFFF"/>
                   </a:solidFill>
                 </a:uFill>
                 <a:latin typeface="Arial"/>
               </a:rPr>
               <a:t>GIT</a:t>
             </a:r>
+            <a:r>
+              <a:t/>
+            </a:r>
             <a:br/>
             <a:r>
-              <a:rPr b="0" lang="de-DE" sz="3200" spc="-1" strike="noStrike">
+              <a:rPr lang="de-DE" sz="3200" b="0" strike="noStrike" spc="-1">
                 <a:solidFill>
                   <a:srgbClr val="000000"/>
                 </a:solidFill>
                 <a:uFill>
                   <a:solidFill>
-                    <a:srgbClr val="ffffff"/>
+                    <a:srgbClr val="FFFFFF"/>
                   </a:solidFill>
                 </a:uFill>
                 <a:latin typeface="Arial"/>
               </a:rPr>
               <a:t> </a:t>
             </a:r>
-            <a:endParaRPr b="0" lang="de-DE" sz="3200" spc="-1" strike="noStrike">
-              <a:solidFill>
-                <a:srgbClr val="000000"/>
-              </a:solidFill>
-              <a:uFill>
-                <a:solidFill>
-                  <a:srgbClr val="ffffff"/>
-                </a:solidFill>
-              </a:uFill>
-              <a:latin typeface="Arial"/>
-            </a:endParaRPr>
-          </a:p>
-          <a:p>
-            <a:pPr lvl="1" marL="864000" indent="-324000">
+          </a:p>
+          <a:p>
+            <a:pPr marL="864000" lvl="1" indent="-324000">
               <a:spcBef>
                 <a:spcPts val="1134"/>
               </a:spcBef>
@@ -5128,28 +5763,31 @@
               <a:buChar char=""/>
             </a:pPr>
             <a:r>
-              <a:rPr b="0" lang="de-DE" sz="2400" spc="-1" strike="noStrike">
+              <a:rPr lang="de-DE" sz="2400" b="0" strike="noStrike" spc="-1">
                 <a:solidFill>
                   <a:srgbClr val="000000"/>
                 </a:solidFill>
                 <a:uFill>
                   <a:solidFill>
-                    <a:srgbClr val="ffffff"/>
+                    <a:srgbClr val="FFFFFF"/>
                   </a:solidFill>
                 </a:uFill>
                 <a:latin typeface="Arial"/>
               </a:rPr>
               <a:t>git clone </a:t>
             </a:r>
+            <a:r>
+              <a:t/>
+            </a:r>
             <a:br/>
             <a:r>
-              <a:rPr b="0" lang="de-DE" sz="2400" spc="-1" strike="noStrike">
+              <a:rPr lang="de-DE" sz="2400" b="0" strike="noStrike" spc="-1">
                 <a:solidFill>
                   <a:srgbClr val="000000"/>
                 </a:solidFill>
                 <a:uFill>
                   <a:solidFill>
-                    <a:srgbClr val="ffffff"/>
+                    <a:srgbClr val="FFFFFF"/>
                   </a:solidFill>
                 </a:uFill>
                 <a:latin typeface="Arial"/>
@@ -5157,61 +5795,56 @@
               <a:t>--branch gs </a:t>
             </a:r>
             <a:r>
-              <a:rPr b="0" lang="de-DE" sz="2400" spc="-1" strike="noStrike">
+              <a:rPr lang="de-DE" sz="2400" b="0" strike="noStrike" spc="-1">
                 <a:solidFill>
                   <a:srgbClr val="000000"/>
                 </a:solidFill>
                 <a:uFill>
                   <a:solidFill>
-                    <a:srgbClr val="ffffff"/>
+                    <a:srgbClr val="FFFFFF"/>
                   </a:solidFill>
                 </a:uFill>
                 <a:latin typeface="Arial"/>
-                <a:hlinkClick r:id="rId1"/>
+                <a:hlinkClick r:id="rId2"/>
               </a:rPr>
               <a:t>https://github.com/</a:t>
             </a:r>
+            <a:r>
+              <a:t/>
+            </a:r>
             <a:br/>
             <a:r>
-              <a:rPr b="0" lang="de-DE" sz="2400" spc="-1" strike="noStrike">
+              <a:rPr lang="de-DE" sz="2400" b="0" strike="noStrike" spc="-1">
                 <a:solidFill>
                   <a:srgbClr val="000000"/>
                 </a:solidFill>
                 <a:uFill>
                   <a:solidFill>
-                    <a:srgbClr val="ffffff"/>
+                    <a:srgbClr val="FFFFFF"/>
                   </a:solidFill>
                 </a:uFill>
                 <a:latin typeface="Arial"/>
               </a:rPr>
               <a:t>ToSchQLB/</a:t>
             </a:r>
+            <a:r>
+              <a:t/>
+            </a:r>
             <a:br/>
             <a:r>
-              <a:rPr b="0" lang="de-DE" sz="2400" spc="-1" strike="noStrike">
+              <a:rPr lang="de-DE" sz="2400" b="0" strike="noStrike" spc="-1">
                 <a:solidFill>
                   <a:srgbClr val="000000"/>
                 </a:solidFill>
                 <a:uFill>
                   <a:solidFill>
-                    <a:srgbClr val="ffffff"/>
+                    <a:srgbClr val="FFFFFF"/>
                   </a:solidFill>
                 </a:uFill>
                 <a:latin typeface="Arial"/>
               </a:rPr>
               <a:t>workshop_testen.git</a:t>
             </a:r>
-            <a:endParaRPr b="0" lang="de-DE" sz="2400" spc="-1" strike="noStrike">
-              <a:solidFill>
-                <a:srgbClr val="000000"/>
-              </a:solidFill>
-              <a:uFill>
-                <a:solidFill>
-                  <a:srgbClr val="ffffff"/>
-                </a:solidFill>
-              </a:uFill>
-              <a:latin typeface="Arial"/>
-            </a:endParaRPr>
           </a:p>
         </p:txBody>
       </p:sp>
@@ -5235,9 +5868,10 @@
           </a:ln>
         </p:spPr>
         <p:txBody>
-          <a:bodyPr lIns="0" rIns="0" tIns="0" bIns="0">
+          <a:bodyPr lIns="0" tIns="0" rIns="0" bIns="0">
             <a:normAutofit/>
           </a:bodyPr>
+          <a:lstStyle/>
           <a:p>
             <a:pPr marL="432000" indent="-324000">
               <a:spcBef>
@@ -5251,59 +5885,25 @@
               <a:buChar char=""/>
             </a:pPr>
             <a:r>
-              <a:rPr b="0" lang="de-DE" sz="3200" spc="-1" strike="noStrike">
+              <a:rPr lang="de-DE" sz="3200" b="0" strike="noStrike" spc="-1">
                 <a:solidFill>
                   <a:srgbClr val="000000"/>
                 </a:solidFill>
                 <a:uFill>
                   <a:solidFill>
-                    <a:srgbClr val="ffffff"/>
+                    <a:srgbClr val="FFFFFF"/>
                   </a:solidFill>
                 </a:uFill>
                 <a:latin typeface="Arial"/>
               </a:rPr>
               <a:t>Github zip</a:t>
             </a:r>
-            <a:endParaRPr b="0" lang="de-DE" sz="3200" spc="-1" strike="noStrike">
-              <a:solidFill>
-                <a:srgbClr val="000000"/>
-              </a:solidFill>
-              <a:uFill>
-                <a:solidFill>
-                  <a:srgbClr val="ffffff"/>
-                </a:solidFill>
-              </a:uFill>
-              <a:latin typeface="Arial"/>
-            </a:endParaRPr>
           </a:p>
         </p:txBody>
       </p:sp>
       <p:pic>
         <p:nvPicPr>
-          <p:cNvPr id="98" name="" descr=""/>
-          <p:cNvPicPr/>
-          <p:nvPr/>
-        </p:nvPicPr>
-        <p:blipFill>
-          <a:blip r:embed="rId2"/>
-          <a:stretch/>
-        </p:blipFill>
-        <p:spPr>
-          <a:xfrm>
-            <a:off x="5400000" y="2334240"/>
-            <a:ext cx="2952000" cy="3857760"/>
-          </a:xfrm>
-          <a:prstGeom prst="rect">
-            <a:avLst/>
-          </a:prstGeom>
-          <a:ln>
-            <a:noFill/>
-          </a:ln>
-        </p:spPr>
-      </p:pic>
-      <p:pic>
-        <p:nvPicPr>
-          <p:cNvPr id="99" name="" descr=""/>
+          <p:cNvPr id="98" name="Grafik 97"/>
           <p:cNvPicPr/>
           <p:nvPr/>
         </p:nvPicPr>
@@ -5313,8 +5913,8 @@
         </p:blipFill>
         <p:spPr>
           <a:xfrm>
-            <a:off x="775080" y="4536000"/>
-            <a:ext cx="4076640" cy="2114640"/>
+            <a:off x="5400000" y="2334240"/>
+            <a:ext cx="2952000" cy="3857760"/>
           </a:xfrm>
           <a:prstGeom prst="rect">
             <a:avLst/>
@@ -5324,6 +5924,29 @@
           </a:ln>
         </p:spPr>
       </p:pic>
+      <p:pic>
+        <p:nvPicPr>
+          <p:cNvPr id="99" name="Grafik 98"/>
+          <p:cNvPicPr/>
+          <p:nvPr/>
+        </p:nvPicPr>
+        <p:blipFill>
+          <a:blip r:embed="rId4"/>
+          <a:stretch/>
+        </p:blipFill>
+        <p:spPr>
+          <a:xfrm>
+            <a:off x="761040" y="4654872"/>
+            <a:ext cx="4076640" cy="2114640"/>
+          </a:xfrm>
+          <a:prstGeom prst="rect">
+            <a:avLst/>
+          </a:prstGeom>
+          <a:ln>
+            <a:noFill/>
+          </a:ln>
+        </p:spPr>
+      </p:pic>
       <p:sp>
         <p:nvSpPr>
           <p:cNvPr id="100" name="Line 4"/>
@@ -5332,7 +5955,7 @@
         </p:nvSpPr>
         <p:spPr>
           <a:xfrm>
-            <a:off x="288000" y="4392000"/>
+            <a:off x="288000" y="4654872"/>
             <a:ext cx="4392000" cy="0"/>
           </a:xfrm>
           <a:prstGeom prst="line">
@@ -5346,9 +5969,15 @@
           </a:ln>
         </p:spPr>
         <p:style>
-          <a:lnRef idx="0"/>
-          <a:fillRef idx="0"/>
-          <a:effectRef idx="0"/>
+          <a:lnRef idx="0">
+            <a:scrgbClr r="0" g="0" b="0"/>
+          </a:lnRef>
+          <a:fillRef idx="0">
+            <a:scrgbClr r="0" g="0" b="0"/>
+          </a:fillRef>
+          <a:effectRef idx="0">
+            <a:scrgbClr r="0" g="0" b="0"/>
+          </a:effectRef>
           <a:fontRef idx="minor"/>
         </p:style>
       </p:sp>
@@ -5360,8 +5989,8 @@
         </p:nvSpPr>
         <p:spPr>
           <a:xfrm>
-            <a:off x="4680000" y="1512000"/>
-            <a:ext cx="0" cy="2880000"/>
+            <a:off x="4680000" y="1511999"/>
+            <a:ext cx="0" cy="3142871"/>
           </a:xfrm>
           <a:prstGeom prst="line">
             <a:avLst/>
@@ -5374,9 +6003,15 @@
           </a:ln>
         </p:spPr>
         <p:style>
-          <a:lnRef idx="0"/>
-          <a:fillRef idx="0"/>
-          <a:effectRef idx="0"/>
+          <a:lnRef idx="0">
+            <a:scrgbClr r="0" g="0" b="0"/>
+          </a:lnRef>
+          <a:fillRef idx="0">
+            <a:scrgbClr r="0" g="0" b="0"/>
+          </a:fillRef>
+          <a:effectRef idx="0">
+            <a:scrgbClr r="0" g="0" b="0"/>
+          </a:effectRef>
           <a:fontRef idx="minor"/>
         </p:style>
       </p:sp>
@@ -5388,7 +6023,7 @@
         </p:nvSpPr>
         <p:spPr>
           <a:xfrm flipH="1">
-            <a:off x="4763520" y="5112000"/>
+            <a:off x="4763520" y="5569200"/>
             <a:ext cx="636480" cy="0"/>
           </a:xfrm>
           <a:prstGeom prst="line">
@@ -5399,34 +6034,43 @@
               <a:srgbClr val="000000"/>
             </a:solidFill>
             <a:round/>
-            <a:tailEnd len="med" type="triangle" w="med"/>
+            <a:tailEnd type="triangle" w="med" len="med"/>
           </a:ln>
         </p:spPr>
         <p:style>
-          <a:lnRef idx="0"/>
-          <a:fillRef idx="0"/>
-          <a:effectRef idx="0"/>
+          <a:lnRef idx="0">
+            <a:scrgbClr r="0" g="0" b="0"/>
+          </a:lnRef>
+          <a:fillRef idx="0">
+            <a:scrgbClr r="0" g="0" b="0"/>
+          </a:fillRef>
+          <a:effectRef idx="0">
+            <a:scrgbClr r="0" g="0" b="0"/>
+          </a:effectRef>
           <a:fontRef idx="minor"/>
         </p:style>
       </p:sp>
     </p:spTree>
   </p:cSld>
+  <p:clrMapOvr>
+    <a:masterClrMapping/>
+  </p:clrMapOvr>
   <p:timing>
     <p:tnLst>
       <p:par>
-        <p:cTn id="5" dur="indefinite" restart="never" nodeType="tmRoot">
+        <p:cTn id="1" dur="indefinite" restart="never" nodeType="tmRoot">
           <p:childTnLst>
             <p:seq>
-              <p:cTn id="6" nodeType="mainSeq"/>
+              <p:cTn id="2" nodeType="mainSeq"/>
               <p:prevCondLst>
-                <p:cond delay="0" evt="onPrev">
+                <p:cond evt="onPrev" delay="0">
                   <p:tgtEl>
                     <p:sldTgt/>
                   </p:tgtEl>
                 </p:cond>
               </p:prevCondLst>
               <p:nextCondLst>
-                <p:cond delay="0" evt="onNext">
+                <p:cond evt="onNext" delay="0">
                   <p:tgtEl>
                     <p:sldTgt/>
                   </p:tgtEl>
@@ -5442,7 +6086,7 @@
 </file>
 
 <file path=ppt/slides/slide4.xml><?xml version="1.0" encoding="utf-8"?>
-<p:sld xmlns:a="http://schemas.openxmlformats.org/drawingml/2006/main" xmlns:p="http://schemas.openxmlformats.org/presentationml/2006/main" xmlns:r="http://schemas.openxmlformats.org/officeDocument/2006/relationships" xmlns:p14="http://schemas.microsoft.com/office/powerpoint/2010/main" xmlns:p15="http://schemas.microsoft.com/office/powerpoint/2012/main" xmlns:mc="http://schemas.openxmlformats.org/markup-compatibility/2006">
+<p:sld xmlns:a="http://schemas.openxmlformats.org/drawingml/2006/main" xmlns:r="http://schemas.openxmlformats.org/officeDocument/2006/relationships" xmlns:p="http://schemas.openxmlformats.org/presentationml/2006/main">
   <p:cSld>
     <p:spTree>
       <p:nvGrpSpPr>
@@ -5478,48 +6122,41 @@
           </a:ln>
         </p:spPr>
         <p:txBody>
-          <a:bodyPr lIns="0" rIns="0" tIns="0" bIns="0" anchor="ctr"/>
-          <a:p>
-            <a:r>
-              <a:rPr b="0" lang="de-DE" sz="4400" spc="-1" strike="noStrike">
+          <a:bodyPr lIns="0" tIns="0" rIns="0" bIns="0" anchor="ctr"/>
+          <a:lstStyle/>
+          <a:p>
+            <a:r>
+              <a:rPr lang="de-DE" sz="4400" b="0" strike="noStrike" spc="-1">
                 <a:solidFill>
                   <a:srgbClr val="000000"/>
                 </a:solidFill>
                 <a:uFill>
                   <a:solidFill>
-                    <a:srgbClr val="ffffff"/>
+                    <a:srgbClr val="FFFFFF"/>
                   </a:solidFill>
                 </a:uFill>
                 <a:latin typeface="Arial"/>
               </a:rPr>
               <a:t>PRE-Slide Actions:</a:t>
             </a:r>
+            <a:r>
+              <a:t/>
+            </a:r>
             <a:br/>
             <a:r>
-              <a:rPr b="0" lang="de-DE" sz="4400" spc="-1" strike="noStrike">
+              <a:rPr lang="de-DE" sz="4400" b="0" strike="noStrike" spc="-1">
                 <a:solidFill>
                   <a:srgbClr val="000000"/>
                 </a:solidFill>
                 <a:uFill>
                   <a:solidFill>
-                    <a:srgbClr val="ffffff"/>
+                    <a:srgbClr val="FFFFFF"/>
                   </a:solidFill>
                 </a:uFill>
                 <a:latin typeface="Arial"/>
               </a:rPr>
               <a:t>composer install</a:t>
             </a:r>
-            <a:endParaRPr b="0" lang="de-DE" sz="4400" spc="-1" strike="noStrike">
-              <a:solidFill>
-                <a:srgbClr val="000000"/>
-              </a:solidFill>
-              <a:uFill>
-                <a:solidFill>
-                  <a:srgbClr val="ffffff"/>
-                </a:solidFill>
-              </a:uFill>
-              <a:latin typeface="Arial"/>
-            </a:endParaRPr>
           </a:p>
         </p:txBody>
       </p:sp>
@@ -5543,9 +6180,10 @@
           </a:ln>
         </p:spPr>
         <p:txBody>
-          <a:bodyPr lIns="0" rIns="0" tIns="0" bIns="0">
+          <a:bodyPr lIns="0" tIns="0" rIns="0" bIns="0">
             <a:normAutofit/>
           </a:bodyPr>
+          <a:lstStyle/>
           <a:p>
             <a:pPr marL="432000" indent="-324000">
               <a:spcBef>
@@ -5558,13 +6196,13 @@
               <a:buFont typeface="Wingdings" charset="2"/>
               <a:buChar char=""/>
             </a:pPr>
-            <a:endParaRPr b="0" lang="de-DE" sz="3200" spc="-1" strike="noStrike">
-              <a:solidFill>
-                <a:srgbClr val="000000"/>
-              </a:solidFill>
-              <a:uFill>
-                <a:solidFill>
-                  <a:srgbClr val="ffffff"/>
+            <a:endParaRPr lang="de-DE" sz="3200" b="0" strike="noStrike" spc="-1">
+              <a:solidFill>
+                <a:srgbClr val="000000"/>
+              </a:solidFill>
+              <a:uFill>
+                <a:solidFill>
+                  <a:srgbClr val="FFFFFF"/>
                 </a:solidFill>
               </a:uFill>
               <a:latin typeface="Arial"/>
@@ -5583,30 +6221,19 @@
               <a:buChar char=""/>
             </a:pPr>
             <a:r>
-              <a:rPr b="0" lang="de-DE" sz="3200" spc="-1" strike="noStrike">
+              <a:rPr lang="de-DE" sz="3200" b="0" strike="noStrike" spc="-1">
                 <a:solidFill>
                   <a:srgbClr val="000000"/>
                 </a:solidFill>
                 <a:uFill>
                   <a:solidFill>
-                    <a:srgbClr val="ffffff"/>
+                    <a:srgbClr val="FFFFFF"/>
                   </a:solidFill>
                 </a:uFill>
                 <a:latin typeface="Arial"/>
               </a:rPr>
               <a:t>CMD: composer install</a:t>
             </a:r>
-            <a:endParaRPr b="0" lang="de-DE" sz="3200" spc="-1" strike="noStrike">
-              <a:solidFill>
-                <a:srgbClr val="000000"/>
-              </a:solidFill>
-              <a:uFill>
-                <a:solidFill>
-                  <a:srgbClr val="ffffff"/>
-                </a:solidFill>
-              </a:uFill>
-              <a:latin typeface="Arial"/>
-            </a:endParaRPr>
           </a:p>
           <a:p>
             <a:pPr marL="432000" indent="-324000">
@@ -5621,51 +6248,43 @@
               <a:buChar char=""/>
             </a:pPr>
             <a:r>
-              <a:rPr b="0" lang="de-DE" sz="3200" spc="-1" strike="noStrike">
+              <a:rPr lang="de-DE" sz="3200" b="0" strike="noStrike" spc="-1">
                 <a:solidFill>
                   <a:srgbClr val="000000"/>
                 </a:solidFill>
                 <a:uFill>
                   <a:solidFill>
-                    <a:srgbClr val="ffffff"/>
+                    <a:srgbClr val="FFFFFF"/>
                   </a:solidFill>
                 </a:uFill>
                 <a:latin typeface="Arial"/>
               </a:rPr>
               <a:t>WARTEN!!!  </a:t>
             </a:r>
-            <a:endParaRPr b="0" lang="de-DE" sz="3200" spc="-1" strike="noStrike">
-              <a:solidFill>
-                <a:srgbClr val="000000"/>
-              </a:solidFill>
-              <a:uFill>
-                <a:solidFill>
-                  <a:srgbClr val="ffffff"/>
-                </a:solidFill>
-              </a:uFill>
-              <a:latin typeface="Arial"/>
-            </a:endParaRPr>
           </a:p>
         </p:txBody>
       </p:sp>
     </p:spTree>
   </p:cSld>
+  <p:clrMapOvr>
+    <a:masterClrMapping/>
+  </p:clrMapOvr>
   <p:timing>
     <p:tnLst>
       <p:par>
-        <p:cTn id="7" dur="indefinite" restart="never" nodeType="tmRoot">
+        <p:cTn id="1" dur="indefinite" restart="never" nodeType="tmRoot">
           <p:childTnLst>
             <p:seq>
-              <p:cTn id="8" nodeType="mainSeq"/>
+              <p:cTn id="2" nodeType="mainSeq"/>
               <p:prevCondLst>
-                <p:cond delay="0" evt="onPrev">
+                <p:cond evt="onPrev" delay="0">
                   <p:tgtEl>
                     <p:sldTgt/>
                   </p:tgtEl>
                 </p:cond>
               </p:prevCondLst>
               <p:nextCondLst>
-                <p:cond delay="0" evt="onNext">
+                <p:cond evt="onNext" delay="0">
                   <p:tgtEl>
                     <p:sldTgt/>
                   </p:tgtEl>
@@ -5674,6 +6293,1347 @@
             </p:seq>
           </p:childTnLst>
         </p:cTn>
+      </p:par>
+    </p:tnLst>
+  </p:timing>
+</p:sld>
+</file>
+
+<file path=ppt/slides/slide5.xml><?xml version="1.0" encoding="utf-8"?>
+<p:sld xmlns:a="http://schemas.openxmlformats.org/drawingml/2006/main" xmlns:r="http://schemas.openxmlformats.org/officeDocument/2006/relationships" xmlns:p="http://schemas.openxmlformats.org/presentationml/2006/main">
+  <p:cSld>
+    <p:spTree>
+      <p:nvGrpSpPr>
+        <p:cNvPr id="1" name=""/>
+        <p:cNvGrpSpPr/>
+        <p:nvPr/>
+      </p:nvGrpSpPr>
+      <p:grpSpPr>
+        <a:xfrm>
+          <a:off x="0" y="0"/>
+          <a:ext cx="0" cy="0"/>
+          <a:chOff x="0" y="0"/>
+          <a:chExt cx="0" cy="0"/>
+        </a:xfrm>
+      </p:grpSpPr>
+      <p:sp>
+        <p:nvSpPr>
+          <p:cNvPr id="2" name="Titel 1"/>
+          <p:cNvSpPr>
+            <a:spLocks noGrp="1"/>
+          </p:cNvSpPr>
+          <p:nvPr>
+            <p:ph type="title"/>
+          </p:nvPr>
+        </p:nvSpPr>
+        <p:spPr/>
+        <p:txBody>
+          <a:bodyPr/>
+          <a:lstStyle/>
+          <a:p>
+            <a:r>
+              <a:rPr lang="de-DE" dirty="0" err="1" smtClean="0"/>
+              <a:t>Codeception</a:t>
+            </a:r>
+            <a:endParaRPr lang="de-DE" dirty="0"/>
+          </a:p>
+        </p:txBody>
+      </p:sp>
+      <p:sp>
+        <p:nvSpPr>
+          <p:cNvPr id="3" name="Textplatzhalter 2"/>
+          <p:cNvSpPr>
+            <a:spLocks noGrp="1"/>
+          </p:cNvSpPr>
+          <p:nvPr>
+            <p:ph type="body"/>
+          </p:nvPr>
+        </p:nvSpPr>
+        <p:spPr/>
+        <p:txBody>
+          <a:bodyPr/>
+          <a:lstStyle/>
+          <a:p>
+            <a:r>
+              <a:rPr lang="de-DE" dirty="0" smtClean="0"/>
+              <a:t>PHP Test-Framework</a:t>
+            </a:r>
+          </a:p>
+          <a:p>
+            <a:r>
+              <a:rPr lang="de-DE" dirty="0" smtClean="0"/>
+              <a:t>Eigenes Yii2-Module </a:t>
+            </a:r>
+          </a:p>
+          <a:p>
+            <a:pPr lvl="1"/>
+            <a:r>
+              <a:rPr lang="de-DE" dirty="0" smtClean="0"/>
+              <a:t>In </a:t>
+            </a:r>
+            <a:r>
+              <a:rPr lang="de-DE" dirty="0" err="1" smtClean="0"/>
+              <a:t>basic</a:t>
+            </a:r>
+            <a:r>
+              <a:rPr lang="de-DE" dirty="0" smtClean="0"/>
+              <a:t> und </a:t>
+            </a:r>
+            <a:r>
+              <a:rPr lang="de-DE" dirty="0" err="1" smtClean="0"/>
+              <a:t>advanced</a:t>
+            </a:r>
+            <a:r>
+              <a:rPr lang="de-DE" dirty="0" smtClean="0"/>
+              <a:t> </a:t>
+            </a:r>
+            <a:r>
+              <a:rPr lang="de-DE" dirty="0" err="1" smtClean="0"/>
+              <a:t>app</a:t>
+            </a:r>
+            <a:r>
+              <a:rPr lang="de-DE" dirty="0" smtClean="0"/>
+              <a:t> von Yii2 vorinstalliert</a:t>
+            </a:r>
+          </a:p>
+          <a:p>
+            <a:r>
+              <a:rPr lang="de-DE" dirty="0" smtClean="0"/>
+              <a:t>Vereint 3 Test-Arten</a:t>
+            </a:r>
+          </a:p>
+          <a:p>
+            <a:pPr lvl="1"/>
+            <a:r>
+              <a:rPr lang="de-DE" dirty="0" err="1" smtClean="0"/>
+              <a:t>Acceptance</a:t>
+            </a:r>
+            <a:endParaRPr lang="de-DE" dirty="0" smtClean="0"/>
+          </a:p>
+          <a:p>
+            <a:pPr lvl="1"/>
+            <a:r>
+              <a:rPr lang="de-DE" dirty="0" err="1" smtClean="0"/>
+              <a:t>Functional</a:t>
+            </a:r>
+            <a:endParaRPr lang="de-DE" dirty="0" smtClean="0"/>
+          </a:p>
+          <a:p>
+            <a:pPr lvl="1"/>
+            <a:r>
+              <a:rPr lang="de-DE" dirty="0" smtClean="0"/>
+              <a:t>Unit</a:t>
+            </a:r>
+          </a:p>
+          <a:p>
+            <a:pPr marL="457200" lvl="1" indent="0">
+              <a:buNone/>
+            </a:pPr>
+            <a:endParaRPr lang="de-DE" dirty="0"/>
+          </a:p>
+        </p:txBody>
+      </p:sp>
+      <p:pic>
+        <p:nvPicPr>
+          <p:cNvPr id="4" name="Grafik 3"/>
+          <p:cNvPicPr/>
+          <p:nvPr/>
+        </p:nvPicPr>
+        <p:blipFill>
+          <a:blip r:embed="rId2"/>
+          <a:stretch/>
+        </p:blipFill>
+        <p:spPr>
+          <a:xfrm>
+            <a:off x="3769344" y="322092"/>
+            <a:ext cx="1410360" cy="1048176"/>
+          </a:xfrm>
+          <a:prstGeom prst="rect">
+            <a:avLst/>
+          </a:prstGeom>
+          <a:ln>
+            <a:noFill/>
+          </a:ln>
+        </p:spPr>
+      </p:pic>
+      <p:pic>
+        <p:nvPicPr>
+          <p:cNvPr id="1028" name="Picture 4" descr="Output"/>
+          <p:cNvPicPr>
+            <a:picLocks noChangeAspect="1" noChangeArrowheads="1"/>
+          </p:cNvPicPr>
+          <p:nvPr/>
+        </p:nvPicPr>
+        <p:blipFill>
+          <a:blip r:embed="rId3">
+            <a:extLst>
+              <a:ext uri="{28A0092B-C50C-407E-A947-70E740481C1C}">
+                <a14:useLocalDpi xmlns:a14="http://schemas.microsoft.com/office/drawing/2010/main" val="0"/>
+              </a:ext>
+            </a:extLst>
+          </a:blip>
+          <a:srcRect/>
+          <a:stretch>
+            <a:fillRect/>
+          </a:stretch>
+        </p:blipFill>
+        <p:spPr bwMode="auto">
+          <a:xfrm>
+            <a:off x="4105783" y="3020239"/>
+            <a:ext cx="4453001" cy="3729389"/>
+          </a:xfrm>
+          <a:prstGeom prst="rect">
+            <a:avLst/>
+          </a:prstGeom>
+          <a:noFill/>
+          <a:extLst>
+            <a:ext uri="{909E8E84-426E-40DD-AFC4-6F175D3DCCD1}">
+              <a14:hiddenFill xmlns:a14="http://schemas.microsoft.com/office/drawing/2010/main">
+                <a:solidFill>
+                  <a:srgbClr val="FFFFFF"/>
+                </a:solidFill>
+              </a14:hiddenFill>
+            </a:ext>
+          </a:extLst>
+        </p:spPr>
+      </p:pic>
+    </p:spTree>
+    <p:extLst>
+      <p:ext uri="{BB962C8B-B14F-4D97-AF65-F5344CB8AC3E}">
+        <p14:creationId xmlns:p14="http://schemas.microsoft.com/office/powerpoint/2010/main" val="2273743779"/>
+      </p:ext>
+    </p:extLst>
+  </p:cSld>
+  <p:clrMapOvr>
+    <a:masterClrMapping/>
+  </p:clrMapOvr>
+</p:sld>
+</file>
+
+<file path=ppt/slides/slide6.xml><?xml version="1.0" encoding="utf-8"?>
+<p:sld xmlns:a="http://schemas.openxmlformats.org/drawingml/2006/main" xmlns:r="http://schemas.openxmlformats.org/officeDocument/2006/relationships" xmlns:p="http://schemas.openxmlformats.org/presentationml/2006/main">
+  <p:cSld>
+    <p:spTree>
+      <p:nvGrpSpPr>
+        <p:cNvPr id="1" name=""/>
+        <p:cNvGrpSpPr/>
+        <p:nvPr/>
+      </p:nvGrpSpPr>
+      <p:grpSpPr>
+        <a:xfrm>
+          <a:off x="0" y="0"/>
+          <a:ext cx="0" cy="0"/>
+          <a:chOff x="0" y="0"/>
+          <a:chExt cx="0" cy="0"/>
+        </a:xfrm>
+      </p:grpSpPr>
+      <p:sp>
+        <p:nvSpPr>
+          <p:cNvPr id="2" name="Titel 1"/>
+          <p:cNvSpPr>
+            <a:spLocks noGrp="1"/>
+          </p:cNvSpPr>
+          <p:nvPr>
+            <p:ph type="title"/>
+          </p:nvPr>
+        </p:nvSpPr>
+        <p:spPr/>
+        <p:txBody>
+          <a:bodyPr/>
+          <a:lstStyle/>
+          <a:p>
+            <a:r>
+              <a:rPr lang="de-DE" dirty="0" err="1" smtClean="0"/>
+              <a:t>Acceptance</a:t>
+            </a:r>
+            <a:r>
+              <a:rPr lang="de-DE" dirty="0" smtClean="0"/>
+              <a:t> Test</a:t>
+            </a:r>
+            <a:endParaRPr lang="de-DE" dirty="0"/>
+          </a:p>
+        </p:txBody>
+      </p:sp>
+      <p:sp>
+        <p:nvSpPr>
+          <p:cNvPr id="3" name="Textplatzhalter 2"/>
+          <p:cNvSpPr>
+            <a:spLocks noGrp="1"/>
+          </p:cNvSpPr>
+          <p:nvPr>
+            <p:ph type="body"/>
+          </p:nvPr>
+        </p:nvSpPr>
+        <p:spPr/>
+        <p:txBody>
+          <a:bodyPr>
+            <a:normAutofit lnSpcReduction="10000"/>
+          </a:bodyPr>
+          <a:lstStyle/>
+          <a:p>
+            <a:r>
+              <a:rPr lang="de-DE" dirty="0" smtClean="0"/>
+              <a:t>Browser </a:t>
+            </a:r>
+            <a:r>
+              <a:rPr lang="de-DE" dirty="0" err="1" smtClean="0"/>
+              <a:t>emulation</a:t>
+            </a:r>
+            <a:r>
+              <a:rPr lang="de-DE" dirty="0" smtClean="0"/>
+              <a:t> (</a:t>
+            </a:r>
+            <a:r>
+              <a:rPr lang="de-DE" dirty="0" err="1" smtClean="0"/>
+              <a:t>Selenium</a:t>
+            </a:r>
+            <a:r>
+              <a:rPr lang="de-DE" dirty="0" smtClean="0"/>
+              <a:t> / Webdriver)</a:t>
+            </a:r>
+          </a:p>
+          <a:p>
+            <a:endParaRPr lang="de-DE" dirty="0" smtClean="0"/>
+          </a:p>
+          <a:p>
+            <a:r>
+              <a:rPr lang="de-DE" dirty="0" smtClean="0"/>
+              <a:t>JavaScript &amp; Ajax</a:t>
+            </a:r>
+          </a:p>
+          <a:p>
+            <a:endParaRPr lang="de-DE" dirty="0" smtClean="0"/>
+          </a:p>
+          <a:p>
+            <a:r>
+              <a:rPr lang="de-DE" dirty="0" smtClean="0"/>
+              <a:t>Langsam</a:t>
+            </a:r>
+          </a:p>
+          <a:p>
+            <a:endParaRPr lang="de-DE" dirty="0" smtClean="0"/>
+          </a:p>
+          <a:p>
+            <a:pPr marL="0" indent="0">
+              <a:buNone/>
+            </a:pPr>
+            <a:r>
+              <a:rPr lang="en-US" sz="1400" dirty="0">
+                <a:solidFill>
+                  <a:srgbClr val="660000"/>
+                </a:solidFill>
+                <a:latin typeface="Courier New" panose="02070309020205020404" pitchFamily="49" charset="0"/>
+              </a:rPr>
+              <a:t>$I</a:t>
+            </a:r>
+            <a:r>
+              <a:rPr lang="en-US" sz="1400" dirty="0">
+                <a:solidFill>
+                  <a:srgbClr val="000000"/>
+                </a:solidFill>
+                <a:latin typeface="Courier New" panose="02070309020205020404" pitchFamily="49" charset="0"/>
+              </a:rPr>
+              <a:t>-&gt;</a:t>
+            </a:r>
+            <a:r>
+              <a:rPr lang="en-US" sz="1400" dirty="0" err="1">
+                <a:solidFill>
+                  <a:srgbClr val="000000"/>
+                </a:solidFill>
+                <a:latin typeface="Courier New" panose="02070309020205020404" pitchFamily="49" charset="0"/>
+              </a:rPr>
+              <a:t>amOnPage</a:t>
+            </a:r>
+            <a:r>
+              <a:rPr lang="en-US" sz="1400" dirty="0">
+                <a:solidFill>
+                  <a:srgbClr val="000000"/>
+                </a:solidFill>
+                <a:latin typeface="Courier New" panose="02070309020205020404" pitchFamily="49" charset="0"/>
+              </a:rPr>
+              <a:t>(Url::</a:t>
+            </a:r>
+            <a:r>
+              <a:rPr lang="en-US" sz="1400" i="1" dirty="0">
+                <a:solidFill>
+                  <a:srgbClr val="000000"/>
+                </a:solidFill>
+                <a:latin typeface="Courier New" panose="02070309020205020404" pitchFamily="49" charset="0"/>
+              </a:rPr>
+              <a:t>toRoute</a:t>
+            </a:r>
+            <a:r>
+              <a:rPr lang="en-US" sz="1400" dirty="0">
+                <a:solidFill>
+                  <a:srgbClr val="000000"/>
+                </a:solidFill>
+                <a:latin typeface="Courier New" panose="02070309020205020404" pitchFamily="49" charset="0"/>
+              </a:rPr>
+              <a:t>(</a:t>
+            </a:r>
+            <a:r>
+              <a:rPr lang="en-US" sz="1400" b="1" dirty="0">
+                <a:solidFill>
+                  <a:srgbClr val="008000"/>
+                </a:solidFill>
+                <a:latin typeface="Courier New" panose="02070309020205020404" pitchFamily="49" charset="0"/>
+              </a:rPr>
+              <a:t>'/user/security/login'</a:t>
+            </a:r>
+            <a:r>
+              <a:rPr lang="en-US" sz="1400" dirty="0">
+                <a:solidFill>
+                  <a:srgbClr val="000000"/>
+                </a:solidFill>
+                <a:latin typeface="Courier New" panose="02070309020205020404" pitchFamily="49" charset="0"/>
+              </a:rPr>
+              <a:t>));</a:t>
+            </a:r>
+            <a:br>
+              <a:rPr lang="en-US" sz="1400" dirty="0">
+                <a:solidFill>
+                  <a:srgbClr val="000000"/>
+                </a:solidFill>
+                <a:latin typeface="Courier New" panose="02070309020205020404" pitchFamily="49" charset="0"/>
+              </a:rPr>
+            </a:br>
+            <a:r>
+              <a:rPr lang="en-US" sz="1400" dirty="0">
+                <a:solidFill>
+                  <a:srgbClr val="660000"/>
+                </a:solidFill>
+                <a:latin typeface="Courier New" panose="02070309020205020404" pitchFamily="49" charset="0"/>
+              </a:rPr>
+              <a:t>$I</a:t>
+            </a:r>
+            <a:r>
+              <a:rPr lang="en-US" sz="1400" dirty="0">
+                <a:solidFill>
+                  <a:srgbClr val="000000"/>
+                </a:solidFill>
+                <a:latin typeface="Courier New" panose="02070309020205020404" pitchFamily="49" charset="0"/>
+              </a:rPr>
+              <a:t>-&gt;see(</a:t>
+            </a:r>
+            <a:r>
+              <a:rPr lang="en-US" sz="1400" b="1" dirty="0">
+                <a:solidFill>
+                  <a:srgbClr val="008000"/>
+                </a:solidFill>
+                <a:latin typeface="Courier New" panose="02070309020205020404" pitchFamily="49" charset="0"/>
+              </a:rPr>
+              <a:t>'</a:t>
+            </a:r>
+            <a:r>
+              <a:rPr lang="en-US" sz="1400" b="1" dirty="0" err="1">
+                <a:solidFill>
+                  <a:srgbClr val="008000"/>
+                </a:solidFill>
+                <a:latin typeface="Courier New" panose="02070309020205020404" pitchFamily="49" charset="0"/>
+              </a:rPr>
+              <a:t>Anmelden</a:t>
+            </a:r>
+            <a:r>
+              <a:rPr lang="en-US" sz="1400" b="1" dirty="0">
+                <a:solidFill>
+                  <a:srgbClr val="008000"/>
+                </a:solidFill>
+                <a:latin typeface="Courier New" panose="02070309020205020404" pitchFamily="49" charset="0"/>
+              </a:rPr>
+              <a:t>'</a:t>
+            </a:r>
+            <a:r>
+              <a:rPr lang="en-US" sz="1400" dirty="0">
+                <a:solidFill>
+                  <a:srgbClr val="000000"/>
+                </a:solidFill>
+                <a:latin typeface="Courier New" panose="02070309020205020404" pitchFamily="49" charset="0"/>
+              </a:rPr>
+              <a:t>);</a:t>
+            </a:r>
+            <a:br>
+              <a:rPr lang="en-US" sz="1400" dirty="0">
+                <a:solidFill>
+                  <a:srgbClr val="000000"/>
+                </a:solidFill>
+                <a:latin typeface="Courier New" panose="02070309020205020404" pitchFamily="49" charset="0"/>
+              </a:rPr>
+            </a:br>
+            <a:r>
+              <a:rPr lang="en-US" sz="1400" dirty="0">
+                <a:solidFill>
+                  <a:srgbClr val="000000"/>
+                </a:solidFill>
+                <a:latin typeface="Courier New" panose="02070309020205020404" pitchFamily="49" charset="0"/>
+              </a:rPr>
+              <a:t/>
+            </a:r>
+            <a:br>
+              <a:rPr lang="en-US" sz="1400" dirty="0">
+                <a:solidFill>
+                  <a:srgbClr val="000000"/>
+                </a:solidFill>
+                <a:latin typeface="Courier New" panose="02070309020205020404" pitchFamily="49" charset="0"/>
+              </a:rPr>
+            </a:br>
+            <a:r>
+              <a:rPr lang="en-US" sz="1400" dirty="0">
+                <a:solidFill>
+                  <a:srgbClr val="660000"/>
+                </a:solidFill>
+                <a:latin typeface="Courier New" panose="02070309020205020404" pitchFamily="49" charset="0"/>
+              </a:rPr>
+              <a:t>$I</a:t>
+            </a:r>
+            <a:r>
+              <a:rPr lang="en-US" sz="1400" dirty="0">
+                <a:solidFill>
+                  <a:srgbClr val="000000"/>
+                </a:solidFill>
+                <a:latin typeface="Courier New" panose="02070309020205020404" pitchFamily="49" charset="0"/>
+              </a:rPr>
+              <a:t>-&gt;</a:t>
+            </a:r>
+            <a:r>
+              <a:rPr lang="en-US" sz="1400" dirty="0" err="1">
+                <a:solidFill>
+                  <a:srgbClr val="000000"/>
+                </a:solidFill>
+                <a:latin typeface="Courier New" panose="02070309020205020404" pitchFamily="49" charset="0"/>
+              </a:rPr>
+              <a:t>fillField</a:t>
+            </a:r>
+            <a:r>
+              <a:rPr lang="en-US" sz="1400" dirty="0">
+                <a:solidFill>
+                  <a:srgbClr val="000000"/>
+                </a:solidFill>
+                <a:latin typeface="Courier New" panose="02070309020205020404" pitchFamily="49" charset="0"/>
+              </a:rPr>
+              <a:t>(</a:t>
+            </a:r>
+            <a:r>
+              <a:rPr lang="en-US" sz="1400" b="1" dirty="0">
+                <a:solidFill>
+                  <a:srgbClr val="008000"/>
+                </a:solidFill>
+                <a:latin typeface="Courier New" panose="02070309020205020404" pitchFamily="49" charset="0"/>
+              </a:rPr>
+              <a:t>'#</a:t>
+            </a:r>
+            <a:r>
+              <a:rPr lang="en-US" sz="1400" b="1" dirty="0" err="1">
+                <a:solidFill>
+                  <a:srgbClr val="008000"/>
+                </a:solidFill>
+                <a:latin typeface="Courier New" panose="02070309020205020404" pitchFamily="49" charset="0"/>
+              </a:rPr>
+              <a:t>loginform</a:t>
+            </a:r>
+            <a:r>
+              <a:rPr lang="en-US" sz="1400" b="1" dirty="0">
+                <a:solidFill>
+                  <a:srgbClr val="008000"/>
+                </a:solidFill>
+                <a:latin typeface="Courier New" panose="02070309020205020404" pitchFamily="49" charset="0"/>
+              </a:rPr>
+              <a:t>-login'</a:t>
+            </a:r>
+            <a:r>
+              <a:rPr lang="en-US" sz="1400" dirty="0">
+                <a:solidFill>
+                  <a:srgbClr val="000000"/>
+                </a:solidFill>
+                <a:latin typeface="Courier New" panose="02070309020205020404" pitchFamily="49" charset="0"/>
+              </a:rPr>
+              <a:t>, </a:t>
+            </a:r>
+            <a:r>
+              <a:rPr lang="en-US" sz="1400" dirty="0">
+                <a:solidFill>
+                  <a:srgbClr val="660000"/>
+                </a:solidFill>
+                <a:latin typeface="Courier New" panose="02070309020205020404" pitchFamily="49" charset="0"/>
+              </a:rPr>
+              <a:t>$user</a:t>
+            </a:r>
+            <a:r>
+              <a:rPr lang="en-US" sz="1400" dirty="0">
+                <a:solidFill>
+                  <a:srgbClr val="000000"/>
+                </a:solidFill>
+                <a:latin typeface="Courier New" panose="02070309020205020404" pitchFamily="49" charset="0"/>
+              </a:rPr>
+              <a:t>[</a:t>
+            </a:r>
+            <a:r>
+              <a:rPr lang="en-US" sz="1400" b="1" dirty="0">
+                <a:solidFill>
+                  <a:srgbClr val="008000"/>
+                </a:solidFill>
+                <a:latin typeface="Courier New" panose="02070309020205020404" pitchFamily="49" charset="0"/>
+              </a:rPr>
+              <a:t>'login'</a:t>
+            </a:r>
+            <a:r>
+              <a:rPr lang="en-US" sz="1400" dirty="0">
+                <a:solidFill>
+                  <a:srgbClr val="000000"/>
+                </a:solidFill>
+                <a:latin typeface="Courier New" panose="02070309020205020404" pitchFamily="49" charset="0"/>
+              </a:rPr>
+              <a:t>]);</a:t>
+            </a:r>
+            <a:br>
+              <a:rPr lang="en-US" sz="1400" dirty="0">
+                <a:solidFill>
+                  <a:srgbClr val="000000"/>
+                </a:solidFill>
+                <a:latin typeface="Courier New" panose="02070309020205020404" pitchFamily="49" charset="0"/>
+              </a:rPr>
+            </a:br>
+            <a:r>
+              <a:rPr lang="en-US" sz="1400" dirty="0">
+                <a:solidFill>
+                  <a:srgbClr val="660000"/>
+                </a:solidFill>
+                <a:latin typeface="Courier New" panose="02070309020205020404" pitchFamily="49" charset="0"/>
+              </a:rPr>
+              <a:t>$I</a:t>
+            </a:r>
+            <a:r>
+              <a:rPr lang="en-US" sz="1400" dirty="0">
+                <a:solidFill>
+                  <a:srgbClr val="000000"/>
+                </a:solidFill>
+                <a:latin typeface="Courier New" panose="02070309020205020404" pitchFamily="49" charset="0"/>
+              </a:rPr>
+              <a:t>-&gt;</a:t>
+            </a:r>
+            <a:r>
+              <a:rPr lang="en-US" sz="1400" dirty="0" err="1">
+                <a:solidFill>
+                  <a:srgbClr val="000000"/>
+                </a:solidFill>
+                <a:latin typeface="Courier New" panose="02070309020205020404" pitchFamily="49" charset="0"/>
+              </a:rPr>
+              <a:t>fillField</a:t>
+            </a:r>
+            <a:r>
+              <a:rPr lang="en-US" sz="1400" dirty="0">
+                <a:solidFill>
+                  <a:srgbClr val="000000"/>
+                </a:solidFill>
+                <a:latin typeface="Courier New" panose="02070309020205020404" pitchFamily="49" charset="0"/>
+              </a:rPr>
+              <a:t>(</a:t>
+            </a:r>
+            <a:r>
+              <a:rPr lang="en-US" sz="1400" b="1" dirty="0">
+                <a:solidFill>
+                  <a:srgbClr val="008000"/>
+                </a:solidFill>
+                <a:latin typeface="Courier New" panose="02070309020205020404" pitchFamily="49" charset="0"/>
+              </a:rPr>
+              <a:t>'#</a:t>
+            </a:r>
+            <a:r>
+              <a:rPr lang="en-US" sz="1400" b="1" dirty="0" err="1">
+                <a:solidFill>
+                  <a:srgbClr val="008000"/>
+                </a:solidFill>
+                <a:latin typeface="Courier New" panose="02070309020205020404" pitchFamily="49" charset="0"/>
+              </a:rPr>
+              <a:t>loginform</a:t>
+            </a:r>
+            <a:r>
+              <a:rPr lang="en-US" sz="1400" b="1" dirty="0">
+                <a:solidFill>
+                  <a:srgbClr val="008000"/>
+                </a:solidFill>
+                <a:latin typeface="Courier New" panose="02070309020205020404" pitchFamily="49" charset="0"/>
+              </a:rPr>
+              <a:t>-password'</a:t>
+            </a:r>
+            <a:r>
+              <a:rPr lang="en-US" sz="1400" dirty="0">
+                <a:solidFill>
+                  <a:srgbClr val="000000"/>
+                </a:solidFill>
+                <a:latin typeface="Courier New" panose="02070309020205020404" pitchFamily="49" charset="0"/>
+              </a:rPr>
+              <a:t>, </a:t>
+            </a:r>
+            <a:r>
+              <a:rPr lang="en-US" sz="1400" dirty="0">
+                <a:solidFill>
+                  <a:srgbClr val="660000"/>
+                </a:solidFill>
+                <a:latin typeface="Courier New" panose="02070309020205020404" pitchFamily="49" charset="0"/>
+              </a:rPr>
+              <a:t>$user</a:t>
+            </a:r>
+            <a:r>
+              <a:rPr lang="en-US" sz="1400" dirty="0">
+                <a:solidFill>
+                  <a:srgbClr val="000000"/>
+                </a:solidFill>
+                <a:latin typeface="Courier New" panose="02070309020205020404" pitchFamily="49" charset="0"/>
+              </a:rPr>
+              <a:t>[</a:t>
+            </a:r>
+            <a:r>
+              <a:rPr lang="en-US" sz="1400" b="1" dirty="0">
+                <a:solidFill>
+                  <a:srgbClr val="008000"/>
+                </a:solidFill>
+                <a:latin typeface="Courier New" panose="02070309020205020404" pitchFamily="49" charset="0"/>
+              </a:rPr>
+              <a:t>'password'</a:t>
+            </a:r>
+            <a:r>
+              <a:rPr lang="en-US" sz="1400" dirty="0">
+                <a:solidFill>
+                  <a:srgbClr val="000000"/>
+                </a:solidFill>
+                <a:latin typeface="Courier New" panose="02070309020205020404" pitchFamily="49" charset="0"/>
+              </a:rPr>
+              <a:t>]);</a:t>
+            </a:r>
+            <a:br>
+              <a:rPr lang="en-US" sz="1400" dirty="0">
+                <a:solidFill>
+                  <a:srgbClr val="000000"/>
+                </a:solidFill>
+                <a:latin typeface="Courier New" panose="02070309020205020404" pitchFamily="49" charset="0"/>
+              </a:rPr>
+            </a:br>
+            <a:r>
+              <a:rPr lang="en-US" sz="1400" dirty="0">
+                <a:solidFill>
+                  <a:srgbClr val="660000"/>
+                </a:solidFill>
+                <a:latin typeface="Courier New" panose="02070309020205020404" pitchFamily="49" charset="0"/>
+              </a:rPr>
+              <a:t>$I</a:t>
+            </a:r>
+            <a:r>
+              <a:rPr lang="en-US" sz="1400" dirty="0">
+                <a:solidFill>
+                  <a:srgbClr val="000000"/>
+                </a:solidFill>
+                <a:latin typeface="Courier New" panose="02070309020205020404" pitchFamily="49" charset="0"/>
+              </a:rPr>
+              <a:t>-&gt;click(</a:t>
+            </a:r>
+            <a:r>
+              <a:rPr lang="en-US" sz="1400" b="1" dirty="0">
+                <a:solidFill>
+                  <a:srgbClr val="008000"/>
+                </a:solidFill>
+                <a:latin typeface="Courier New" panose="02070309020205020404" pitchFamily="49" charset="0"/>
+              </a:rPr>
+              <a:t>'</a:t>
+            </a:r>
+            <a:r>
+              <a:rPr lang="en-US" sz="1400" b="1" dirty="0" err="1">
+                <a:solidFill>
+                  <a:srgbClr val="008000"/>
+                </a:solidFill>
+                <a:latin typeface="Courier New" panose="02070309020205020404" pitchFamily="49" charset="0"/>
+              </a:rPr>
+              <a:t>form#LoginForm</a:t>
+            </a:r>
+            <a:r>
+              <a:rPr lang="en-US" sz="1400" b="1" dirty="0">
+                <a:solidFill>
+                  <a:srgbClr val="008000"/>
+                </a:solidFill>
+                <a:latin typeface="Courier New" panose="02070309020205020404" pitchFamily="49" charset="0"/>
+              </a:rPr>
+              <a:t> </a:t>
+            </a:r>
+            <a:r>
+              <a:rPr lang="en-US" sz="1400" b="1" dirty="0" err="1">
+                <a:solidFill>
+                  <a:srgbClr val="008000"/>
+                </a:solidFill>
+                <a:latin typeface="Courier New" panose="02070309020205020404" pitchFamily="49" charset="0"/>
+              </a:rPr>
+              <a:t>button.btn</a:t>
+            </a:r>
+            <a:r>
+              <a:rPr lang="en-US" sz="1400" b="1" dirty="0">
+                <a:solidFill>
+                  <a:srgbClr val="008000"/>
+                </a:solidFill>
+                <a:latin typeface="Courier New" panose="02070309020205020404" pitchFamily="49" charset="0"/>
+              </a:rPr>
+              <a:t>-primary'</a:t>
+            </a:r>
+            <a:r>
+              <a:rPr lang="en-US" sz="1400" dirty="0">
+                <a:solidFill>
+                  <a:srgbClr val="000000"/>
+                </a:solidFill>
+                <a:latin typeface="Courier New" panose="02070309020205020404" pitchFamily="49" charset="0"/>
+              </a:rPr>
+              <a:t>);</a:t>
+            </a:r>
+            <a:br>
+              <a:rPr lang="en-US" sz="1400" dirty="0">
+                <a:solidFill>
+                  <a:srgbClr val="000000"/>
+                </a:solidFill>
+                <a:latin typeface="Courier New" panose="02070309020205020404" pitchFamily="49" charset="0"/>
+              </a:rPr>
+            </a:br>
+            <a:r>
+              <a:rPr lang="en-US" sz="1400" dirty="0">
+                <a:solidFill>
+                  <a:srgbClr val="000000"/>
+                </a:solidFill>
+                <a:latin typeface="Courier New" panose="02070309020205020404" pitchFamily="49" charset="0"/>
+              </a:rPr>
+              <a:t/>
+            </a:r>
+            <a:br>
+              <a:rPr lang="en-US" sz="1400" dirty="0">
+                <a:solidFill>
+                  <a:srgbClr val="000000"/>
+                </a:solidFill>
+                <a:latin typeface="Courier New" panose="02070309020205020404" pitchFamily="49" charset="0"/>
+              </a:rPr>
+            </a:br>
+            <a:r>
+              <a:rPr lang="en-US" sz="1400" dirty="0">
+                <a:solidFill>
+                  <a:srgbClr val="660000"/>
+                </a:solidFill>
+                <a:latin typeface="Courier New" panose="02070309020205020404" pitchFamily="49" charset="0"/>
+              </a:rPr>
+              <a:t>$I</a:t>
+            </a:r>
+            <a:r>
+              <a:rPr lang="en-US" sz="1400" dirty="0">
+                <a:solidFill>
+                  <a:srgbClr val="000000"/>
+                </a:solidFill>
+                <a:latin typeface="Courier New" panose="02070309020205020404" pitchFamily="49" charset="0"/>
+              </a:rPr>
+              <a:t>-&gt;wait(</a:t>
+            </a:r>
+            <a:r>
+              <a:rPr lang="en-US" sz="1400" dirty="0">
+                <a:solidFill>
+                  <a:srgbClr val="0000FF"/>
+                </a:solidFill>
+                <a:latin typeface="Courier New" panose="02070309020205020404" pitchFamily="49" charset="0"/>
+              </a:rPr>
+              <a:t>2</a:t>
+            </a:r>
+            <a:r>
+              <a:rPr lang="en-US" sz="1400" dirty="0">
+                <a:solidFill>
+                  <a:srgbClr val="000000"/>
+                </a:solidFill>
+                <a:latin typeface="Courier New" panose="02070309020205020404" pitchFamily="49" charset="0"/>
+              </a:rPr>
+              <a:t>);</a:t>
+            </a:r>
+            <a:br>
+              <a:rPr lang="en-US" sz="1400" dirty="0">
+                <a:solidFill>
+                  <a:srgbClr val="000000"/>
+                </a:solidFill>
+                <a:latin typeface="Courier New" panose="02070309020205020404" pitchFamily="49" charset="0"/>
+              </a:rPr>
+            </a:br>
+            <a:r>
+              <a:rPr lang="en-US" sz="1400" dirty="0">
+                <a:solidFill>
+                  <a:srgbClr val="000000"/>
+                </a:solidFill>
+                <a:latin typeface="Courier New" panose="02070309020205020404" pitchFamily="49" charset="0"/>
+              </a:rPr>
+              <a:t/>
+            </a:r>
+            <a:br>
+              <a:rPr lang="en-US" sz="1400" dirty="0">
+                <a:solidFill>
+                  <a:srgbClr val="000000"/>
+                </a:solidFill>
+                <a:latin typeface="Courier New" panose="02070309020205020404" pitchFamily="49" charset="0"/>
+              </a:rPr>
+            </a:br>
+            <a:r>
+              <a:rPr lang="en-US" sz="1400" dirty="0">
+                <a:solidFill>
+                  <a:srgbClr val="660000"/>
+                </a:solidFill>
+                <a:latin typeface="Courier New" panose="02070309020205020404" pitchFamily="49" charset="0"/>
+              </a:rPr>
+              <a:t>$I</a:t>
+            </a:r>
+            <a:r>
+              <a:rPr lang="en-US" sz="1400" dirty="0">
+                <a:solidFill>
+                  <a:srgbClr val="000000"/>
+                </a:solidFill>
+                <a:latin typeface="Courier New" panose="02070309020205020404" pitchFamily="49" charset="0"/>
+              </a:rPr>
+              <a:t>-&gt;see(</a:t>
+            </a:r>
+            <a:r>
+              <a:rPr lang="en-US" sz="1400" b="1" dirty="0">
+                <a:solidFill>
+                  <a:srgbClr val="008000"/>
+                </a:solidFill>
+                <a:latin typeface="Courier New" panose="02070309020205020404" pitchFamily="49" charset="0"/>
+              </a:rPr>
+              <a:t>'</a:t>
+            </a:r>
+            <a:r>
+              <a:rPr lang="en-US" sz="1400" b="1" dirty="0" err="1">
+                <a:solidFill>
+                  <a:srgbClr val="008000"/>
+                </a:solidFill>
+                <a:latin typeface="Courier New" panose="02070309020205020404" pitchFamily="49" charset="0"/>
+              </a:rPr>
+              <a:t>abmelden</a:t>
+            </a:r>
+            <a:r>
+              <a:rPr lang="en-US" sz="1400" b="1" dirty="0">
+                <a:solidFill>
+                  <a:srgbClr val="008000"/>
+                </a:solidFill>
+                <a:latin typeface="Courier New" panose="02070309020205020404" pitchFamily="49" charset="0"/>
+              </a:rPr>
+              <a:t> ('</a:t>
+            </a:r>
+            <a:r>
+              <a:rPr lang="en-US" sz="1400" dirty="0">
+                <a:solidFill>
+                  <a:srgbClr val="000000"/>
+                </a:solidFill>
+                <a:latin typeface="Courier New" panose="02070309020205020404" pitchFamily="49" charset="0"/>
+              </a:rPr>
+              <a:t>.</a:t>
+            </a:r>
+            <a:r>
+              <a:rPr lang="en-US" sz="1400" dirty="0">
+                <a:solidFill>
+                  <a:srgbClr val="660000"/>
+                </a:solidFill>
+                <a:latin typeface="Courier New" panose="02070309020205020404" pitchFamily="49" charset="0"/>
+              </a:rPr>
+              <a:t>$user</a:t>
+            </a:r>
+            <a:r>
+              <a:rPr lang="en-US" sz="1400" dirty="0">
+                <a:solidFill>
+                  <a:srgbClr val="000000"/>
+                </a:solidFill>
+                <a:latin typeface="Courier New" panose="02070309020205020404" pitchFamily="49" charset="0"/>
+              </a:rPr>
+              <a:t>[</a:t>
+            </a:r>
+            <a:r>
+              <a:rPr lang="en-US" sz="1400" b="1" dirty="0">
+                <a:solidFill>
+                  <a:srgbClr val="008000"/>
+                </a:solidFill>
+                <a:latin typeface="Courier New" panose="02070309020205020404" pitchFamily="49" charset="0"/>
+              </a:rPr>
+              <a:t>'login'</a:t>
+            </a:r>
+            <a:r>
+              <a:rPr lang="en-US" sz="1400" dirty="0">
+                <a:solidFill>
+                  <a:srgbClr val="000000"/>
+                </a:solidFill>
+                <a:latin typeface="Courier New" panose="02070309020205020404" pitchFamily="49" charset="0"/>
+              </a:rPr>
+              <a:t>].</a:t>
+            </a:r>
+            <a:r>
+              <a:rPr lang="en-US" sz="1400" b="1" dirty="0">
+                <a:solidFill>
+                  <a:srgbClr val="008000"/>
+                </a:solidFill>
+                <a:latin typeface="Courier New" panose="02070309020205020404" pitchFamily="49" charset="0"/>
+              </a:rPr>
+              <a:t>')'</a:t>
+            </a:r>
+            <a:r>
+              <a:rPr lang="en-US" sz="1400" dirty="0">
+                <a:solidFill>
+                  <a:srgbClr val="000000"/>
+                </a:solidFill>
+                <a:latin typeface="Courier New" panose="02070309020205020404" pitchFamily="49" charset="0"/>
+              </a:rPr>
+              <a:t>);</a:t>
+            </a:r>
+          </a:p>
+          <a:p>
+            <a:endParaRPr lang="de-DE" sz="1200" dirty="0"/>
+          </a:p>
+        </p:txBody>
+      </p:sp>
+      <p:pic>
+        <p:nvPicPr>
+          <p:cNvPr id="4" name="Grafik 3"/>
+          <p:cNvPicPr>
+            <a:picLocks noChangeAspect="1"/>
+          </p:cNvPicPr>
+          <p:nvPr/>
+        </p:nvPicPr>
+        <p:blipFill>
+          <a:blip r:embed="rId2" cstate="print">
+            <a:extLst>
+              <a:ext uri="{28A0092B-C50C-407E-A947-70E740481C1C}">
+                <a14:useLocalDpi xmlns:a14="http://schemas.microsoft.com/office/drawing/2010/main" val="0"/>
+              </a:ext>
+            </a:extLst>
+          </a:blip>
+          <a:stretch>
+            <a:fillRect/>
+          </a:stretch>
+        </p:blipFill>
+        <p:spPr>
+          <a:xfrm>
+            <a:off x="6459968" y="4736592"/>
+            <a:ext cx="2534968" cy="1688328"/>
+          </a:xfrm>
+          <a:prstGeom prst="rect">
+            <a:avLst/>
+          </a:prstGeom>
+        </p:spPr>
+      </p:pic>
+    </p:spTree>
+    <p:extLst>
+      <p:ext uri="{BB962C8B-B14F-4D97-AF65-F5344CB8AC3E}">
+        <p14:creationId xmlns:p14="http://schemas.microsoft.com/office/powerpoint/2010/main" val="761338292"/>
+      </p:ext>
+    </p:extLst>
+  </p:cSld>
+  <p:clrMapOvr>
+    <a:masterClrMapping/>
+  </p:clrMapOvr>
+  <p:timing>
+    <p:tnLst>
+      <p:par>
+        <p:cTn id="1" dur="indefinite" restart="never" nodeType="tmRoot"/>
+      </p:par>
+    </p:tnLst>
+  </p:timing>
+</p:sld>
+</file>
+
+<file path=ppt/slides/slide7.xml><?xml version="1.0" encoding="utf-8"?>
+<p:sld xmlns:a="http://schemas.openxmlformats.org/drawingml/2006/main" xmlns:r="http://schemas.openxmlformats.org/officeDocument/2006/relationships" xmlns:p="http://schemas.openxmlformats.org/presentationml/2006/main">
+  <p:cSld>
+    <p:spTree>
+      <p:nvGrpSpPr>
+        <p:cNvPr id="1" name=""/>
+        <p:cNvGrpSpPr/>
+        <p:nvPr/>
+      </p:nvGrpSpPr>
+      <p:grpSpPr>
+        <a:xfrm>
+          <a:off x="0" y="0"/>
+          <a:ext cx="0" cy="0"/>
+          <a:chOff x="0" y="0"/>
+          <a:chExt cx="0" cy="0"/>
+        </a:xfrm>
+      </p:grpSpPr>
+      <p:sp>
+        <p:nvSpPr>
+          <p:cNvPr id="2" name="Titel 1"/>
+          <p:cNvSpPr>
+            <a:spLocks noGrp="1"/>
+          </p:cNvSpPr>
+          <p:nvPr>
+            <p:ph type="title"/>
+          </p:nvPr>
+        </p:nvSpPr>
+        <p:spPr/>
+        <p:txBody>
+          <a:bodyPr/>
+          <a:lstStyle/>
+          <a:p>
+            <a:r>
+              <a:rPr lang="de-DE" dirty="0" err="1" smtClean="0"/>
+              <a:t>Functional</a:t>
+            </a:r>
+            <a:r>
+              <a:rPr lang="de-DE" dirty="0" smtClean="0"/>
+              <a:t> Test</a:t>
+            </a:r>
+            <a:endParaRPr lang="de-DE" dirty="0"/>
+          </a:p>
+        </p:txBody>
+      </p:sp>
+      <p:sp>
+        <p:nvSpPr>
+          <p:cNvPr id="3" name="Textplatzhalter 2"/>
+          <p:cNvSpPr>
+            <a:spLocks noGrp="1"/>
+          </p:cNvSpPr>
+          <p:nvPr>
+            <p:ph type="body"/>
+          </p:nvPr>
+        </p:nvSpPr>
+        <p:spPr/>
+        <p:txBody>
+          <a:bodyPr/>
+          <a:lstStyle/>
+          <a:p>
+            <a:r>
+              <a:rPr lang="de-DE" dirty="0" smtClean="0"/>
+              <a:t>Emuliert Anfrage und Antwort der </a:t>
+            </a:r>
+            <a:r>
+              <a:rPr lang="de-DE" dirty="0" err="1" smtClean="0"/>
+              <a:t>Anwedung</a:t>
+            </a:r>
+            <a:endParaRPr lang="de-DE" dirty="0" smtClean="0"/>
+          </a:p>
+          <a:p>
+            <a:r>
+              <a:rPr lang="de-DE" dirty="0" smtClean="0"/>
+              <a:t>Kein Test von </a:t>
+            </a:r>
+            <a:r>
+              <a:rPr lang="de-DE" dirty="0" err="1" smtClean="0"/>
+              <a:t>Js</a:t>
+            </a:r>
+            <a:r>
+              <a:rPr lang="de-DE" dirty="0" smtClean="0"/>
+              <a:t>/Ajax möglich</a:t>
+            </a:r>
+          </a:p>
+          <a:p>
+            <a:r>
+              <a:rPr lang="de-DE" dirty="0" smtClean="0"/>
+              <a:t>Schneller als </a:t>
+            </a:r>
+            <a:r>
+              <a:rPr lang="de-DE" dirty="0" err="1" smtClean="0"/>
+              <a:t>Acceptance</a:t>
+            </a:r>
+            <a:r>
+              <a:rPr lang="de-DE" dirty="0" smtClean="0"/>
+              <a:t> Test</a:t>
+            </a:r>
+          </a:p>
+        </p:txBody>
+      </p:sp>
+      <p:pic>
+        <p:nvPicPr>
+          <p:cNvPr id="4" name="Grafik 3"/>
+          <p:cNvPicPr>
+            <a:picLocks noChangeAspect="1"/>
+          </p:cNvPicPr>
+          <p:nvPr/>
+        </p:nvPicPr>
+        <p:blipFill>
+          <a:blip r:embed="rId2">
+            <a:extLst>
+              <a:ext uri="{28A0092B-C50C-407E-A947-70E740481C1C}">
+                <a14:useLocalDpi xmlns:a14="http://schemas.microsoft.com/office/drawing/2010/main" val="0"/>
+              </a:ext>
+            </a:extLst>
+          </a:blip>
+          <a:stretch>
+            <a:fillRect/>
+          </a:stretch>
+        </p:blipFill>
+        <p:spPr>
+          <a:xfrm flipH="1">
+            <a:off x="6765540" y="2939640"/>
+            <a:ext cx="2095500" cy="3352800"/>
+          </a:xfrm>
+          <a:prstGeom prst="rect">
+            <a:avLst/>
+          </a:prstGeom>
+        </p:spPr>
+      </p:pic>
+      <p:pic>
+        <p:nvPicPr>
+          <p:cNvPr id="5" name="Grafik 4"/>
+          <p:cNvPicPr>
+            <a:picLocks noChangeAspect="1"/>
+          </p:cNvPicPr>
+          <p:nvPr/>
+        </p:nvPicPr>
+        <p:blipFill>
+          <a:blip r:embed="rId3"/>
+          <a:stretch>
+            <a:fillRect/>
+          </a:stretch>
+        </p:blipFill>
+        <p:spPr>
+          <a:xfrm>
+            <a:off x="704088" y="3138795"/>
+            <a:ext cx="4410075" cy="3286125"/>
+          </a:xfrm>
+          <a:prstGeom prst="rect">
+            <a:avLst/>
+          </a:prstGeom>
+        </p:spPr>
+      </p:pic>
+    </p:spTree>
+    <p:extLst>
+      <p:ext uri="{BB962C8B-B14F-4D97-AF65-F5344CB8AC3E}">
+        <p14:creationId xmlns:p14="http://schemas.microsoft.com/office/powerpoint/2010/main" val="1100490943"/>
+      </p:ext>
+    </p:extLst>
+  </p:cSld>
+  <p:clrMapOvr>
+    <a:masterClrMapping/>
+  </p:clrMapOvr>
+  <p:timing>
+    <p:tnLst>
+      <p:par>
+        <p:cTn id="1" dur="indefinite" restart="never" nodeType="tmRoot"/>
+      </p:par>
+    </p:tnLst>
+  </p:timing>
+</p:sld>
+</file>
+
+<file path=ppt/slides/slide8.xml><?xml version="1.0" encoding="utf-8"?>
+<p:sld xmlns:a="http://schemas.openxmlformats.org/drawingml/2006/main" xmlns:r="http://schemas.openxmlformats.org/officeDocument/2006/relationships" xmlns:p="http://schemas.openxmlformats.org/presentationml/2006/main">
+  <p:cSld>
+    <p:spTree>
+      <p:nvGrpSpPr>
+        <p:cNvPr id="1" name=""/>
+        <p:cNvGrpSpPr/>
+        <p:nvPr/>
+      </p:nvGrpSpPr>
+      <p:grpSpPr>
+        <a:xfrm>
+          <a:off x="0" y="0"/>
+          <a:ext cx="0" cy="0"/>
+          <a:chOff x="0" y="0"/>
+          <a:chExt cx="0" cy="0"/>
+        </a:xfrm>
+      </p:grpSpPr>
+      <p:sp>
+        <p:nvSpPr>
+          <p:cNvPr id="2" name="Titel 1"/>
+          <p:cNvSpPr>
+            <a:spLocks noGrp="1"/>
+          </p:cNvSpPr>
+          <p:nvPr>
+            <p:ph type="title"/>
+          </p:nvPr>
+        </p:nvSpPr>
+        <p:spPr/>
+        <p:txBody>
+          <a:bodyPr/>
+          <a:lstStyle/>
+          <a:p>
+            <a:r>
+              <a:rPr lang="de-DE" dirty="0" smtClean="0"/>
+              <a:t>Unit Test</a:t>
+            </a:r>
+            <a:endParaRPr lang="de-DE" dirty="0"/>
+          </a:p>
+        </p:txBody>
+      </p:sp>
+      <p:sp>
+        <p:nvSpPr>
+          <p:cNvPr id="3" name="Textplatzhalter 2"/>
+          <p:cNvSpPr>
+            <a:spLocks noGrp="1"/>
+          </p:cNvSpPr>
+          <p:nvPr>
+            <p:ph type="body"/>
+          </p:nvPr>
+        </p:nvSpPr>
+        <p:spPr/>
+        <p:txBody>
+          <a:bodyPr/>
+          <a:lstStyle/>
+          <a:p>
+            <a:r>
+              <a:rPr lang="de-DE" dirty="0" smtClean="0"/>
+              <a:t>Testet nur das Innere der Anwendung</a:t>
+            </a:r>
+          </a:p>
+          <a:p>
+            <a:r>
+              <a:rPr lang="de-DE" dirty="0" smtClean="0"/>
+              <a:t>schnell</a:t>
+            </a:r>
+            <a:endParaRPr lang="de-DE" dirty="0"/>
+          </a:p>
+        </p:txBody>
+      </p:sp>
+      <p:pic>
+        <p:nvPicPr>
+          <p:cNvPr id="6" name="Grafik 5"/>
+          <p:cNvPicPr>
+            <a:picLocks noChangeAspect="1"/>
+          </p:cNvPicPr>
+          <p:nvPr/>
+        </p:nvPicPr>
+        <p:blipFill>
+          <a:blip r:embed="rId2"/>
+          <a:stretch>
+            <a:fillRect/>
+          </a:stretch>
+        </p:blipFill>
+        <p:spPr>
+          <a:xfrm>
+            <a:off x="5724144" y="4199394"/>
+            <a:ext cx="3040951" cy="2225526"/>
+          </a:xfrm>
+          <a:prstGeom prst="rect">
+            <a:avLst/>
+          </a:prstGeom>
+        </p:spPr>
+      </p:pic>
+      <p:pic>
+        <p:nvPicPr>
+          <p:cNvPr id="7" name="Grafik 6"/>
+          <p:cNvPicPr>
+            <a:picLocks noChangeAspect="1"/>
+          </p:cNvPicPr>
+          <p:nvPr/>
+        </p:nvPicPr>
+        <p:blipFill>
+          <a:blip r:embed="rId3"/>
+          <a:stretch>
+            <a:fillRect/>
+          </a:stretch>
+        </p:blipFill>
+        <p:spPr>
+          <a:xfrm>
+            <a:off x="384048" y="2722571"/>
+            <a:ext cx="5244151" cy="3702350"/>
+          </a:xfrm>
+          <a:prstGeom prst="rect">
+            <a:avLst/>
+          </a:prstGeom>
+        </p:spPr>
+      </p:pic>
+    </p:spTree>
+    <p:extLst>
+      <p:ext uri="{BB962C8B-B14F-4D97-AF65-F5344CB8AC3E}">
+        <p14:creationId xmlns:p14="http://schemas.microsoft.com/office/powerpoint/2010/main" val="1484085642"/>
+      </p:ext>
+    </p:extLst>
+  </p:cSld>
+  <p:clrMapOvr>
+    <a:masterClrMapping/>
+  </p:clrMapOvr>
+  <p:timing>
+    <p:tnLst>
+      <p:par>
+        <p:cTn id="1" dur="indefinite" restart="never" nodeType="tmRoot"/>
       </p:par>
     </p:tnLst>
   </p:timing>
@@ -5900,6 +7860,8 @@
       </a:bgFillStyleLst>
     </a:fmtScheme>
   </a:themeElements>
+  <a:objectDefaults/>
+  <a:extraClrSchemeLst/>
 </a:theme>
 </file>
 
@@ -6123,5 +8085,7 @@
       </a:bgFillStyleLst>
     </a:fmtScheme>
   </a:themeElements>
+  <a:objectDefaults/>
+  <a:extraClrSchemeLst/>
 </a:theme>
 </file>
--- a/docs/praesi.pptx
+++ b/docs/praesi.pptx
@@ -14,6 +14,9 @@
     <p:sldId id="260" r:id="rId8"/>
     <p:sldId id="261" r:id="rId9"/>
     <p:sldId id="262" r:id="rId10"/>
+    <p:sldId id="264" r:id="rId11"/>
+    <p:sldId id="265" r:id="rId12"/>
+    <p:sldId id="266" r:id="rId13"/>
   </p:sldIdLst>
   <p:sldSz cx="9144000" cy="6858000" type="screen4x3"/>
   <p:notesSz cx="7559675" cy="10691813"/>
@@ -5235,6 +5238,624 @@
 </p:sld>
 </file>
 
+<file path=ppt/slides/slide10.xml><?xml version="1.0" encoding="utf-8"?>
+<p:sld xmlns:a="http://schemas.openxmlformats.org/drawingml/2006/main" xmlns:r="http://schemas.openxmlformats.org/officeDocument/2006/relationships" xmlns:p="http://schemas.openxmlformats.org/presentationml/2006/main">
+  <p:cSld>
+    <p:spTree>
+      <p:nvGrpSpPr>
+        <p:cNvPr id="1" name=""/>
+        <p:cNvGrpSpPr/>
+        <p:nvPr/>
+      </p:nvGrpSpPr>
+      <p:grpSpPr>
+        <a:xfrm>
+          <a:off x="0" y="0"/>
+          <a:ext cx="0" cy="0"/>
+          <a:chOff x="0" y="0"/>
+          <a:chExt cx="0" cy="0"/>
+        </a:xfrm>
+      </p:grpSpPr>
+      <p:sp>
+        <p:nvSpPr>
+          <p:cNvPr id="2" name="Titel 1"/>
+          <p:cNvSpPr>
+            <a:spLocks noGrp="1"/>
+          </p:cNvSpPr>
+          <p:nvPr>
+            <p:ph type="title"/>
+          </p:nvPr>
+        </p:nvSpPr>
+        <p:spPr/>
+        <p:txBody>
+          <a:bodyPr/>
+          <a:lstStyle/>
+          <a:p>
+            <a:r>
+              <a:rPr lang="de-DE" dirty="0" smtClean="0"/>
+              <a:t>Das haben wir jetzt</a:t>
+            </a:r>
+            <a:endParaRPr lang="de-DE" dirty="0"/>
+          </a:p>
+        </p:txBody>
+      </p:sp>
+      <p:sp>
+        <p:nvSpPr>
+          <p:cNvPr id="3" name="Textplatzhalter 2"/>
+          <p:cNvSpPr>
+            <a:spLocks noGrp="1"/>
+          </p:cNvSpPr>
+          <p:nvPr>
+            <p:ph type="body"/>
+          </p:nvPr>
+        </p:nvSpPr>
+        <p:spPr/>
+        <p:txBody>
+          <a:bodyPr/>
+          <a:lstStyle/>
+          <a:p>
+            <a:r>
+              <a:rPr lang="de-DE" dirty="0" smtClean="0"/>
+              <a:t>3 Nutzer</a:t>
+            </a:r>
+          </a:p>
+          <a:p>
+            <a:pPr lvl="1"/>
+            <a:r>
+              <a:rPr lang="de-DE" dirty="0" err="1" smtClean="0"/>
+              <a:t>Achim.Admin</a:t>
+            </a:r>
+            <a:r>
+              <a:rPr lang="de-DE" dirty="0" smtClean="0"/>
+              <a:t> (Administrator)</a:t>
+            </a:r>
+          </a:p>
+          <a:p>
+            <a:pPr lvl="1"/>
+            <a:r>
+              <a:rPr lang="de-DE" dirty="0" err="1" smtClean="0"/>
+              <a:t>Bernd.Beispiel</a:t>
+            </a:r>
+            <a:r>
+              <a:rPr lang="de-DE" dirty="0" smtClean="0"/>
+              <a:t> (Nutzer)</a:t>
+            </a:r>
+          </a:p>
+          <a:p>
+            <a:pPr lvl="1"/>
+            <a:r>
+              <a:rPr lang="de-DE" dirty="0" err="1" smtClean="0"/>
+              <a:t>Tom.Tester</a:t>
+            </a:r>
+            <a:r>
+              <a:rPr lang="de-DE" dirty="0" smtClean="0"/>
+              <a:t> (Nutzer)</a:t>
+            </a:r>
+            <a:endParaRPr lang="de-DE" dirty="0"/>
+          </a:p>
+        </p:txBody>
+      </p:sp>
+      <p:pic>
+        <p:nvPicPr>
+          <p:cNvPr id="4" name="Grafik 3"/>
+          <p:cNvPicPr>
+            <a:picLocks noChangeAspect="1"/>
+          </p:cNvPicPr>
+          <p:nvPr/>
+        </p:nvPicPr>
+        <p:blipFill>
+          <a:blip r:embed="rId2"/>
+          <a:stretch>
+            <a:fillRect/>
+          </a:stretch>
+        </p:blipFill>
+        <p:spPr>
+          <a:xfrm>
+            <a:off x="445635" y="3389854"/>
+            <a:ext cx="8415405" cy="2559686"/>
+          </a:xfrm>
+          <a:prstGeom prst="rect">
+            <a:avLst/>
+          </a:prstGeom>
+        </p:spPr>
+      </p:pic>
+    </p:spTree>
+    <p:extLst>
+      <p:ext uri="{BB962C8B-B14F-4D97-AF65-F5344CB8AC3E}">
+        <p14:creationId xmlns:p14="http://schemas.microsoft.com/office/powerpoint/2010/main" val="3238560562"/>
+      </p:ext>
+    </p:extLst>
+  </p:cSld>
+  <p:clrMapOvr>
+    <a:masterClrMapping/>
+  </p:clrMapOvr>
+  <p:timing>
+    <p:tnLst>
+      <p:par>
+        <p:cTn id="1" dur="indefinite" restart="never" nodeType="tmRoot"/>
+      </p:par>
+    </p:tnLst>
+  </p:timing>
+</p:sld>
+</file>
+
+<file path=ppt/slides/slide11.xml><?xml version="1.0" encoding="utf-8"?>
+<p:sld xmlns:a="http://schemas.openxmlformats.org/drawingml/2006/main" xmlns:r="http://schemas.openxmlformats.org/officeDocument/2006/relationships" xmlns:p="http://schemas.openxmlformats.org/presentationml/2006/main">
+  <p:cSld>
+    <p:spTree>
+      <p:nvGrpSpPr>
+        <p:cNvPr id="1" name=""/>
+        <p:cNvGrpSpPr/>
+        <p:nvPr/>
+      </p:nvGrpSpPr>
+      <p:grpSpPr>
+        <a:xfrm>
+          <a:off x="0" y="0"/>
+          <a:ext cx="0" cy="0"/>
+          <a:chOff x="0" y="0"/>
+          <a:chExt cx="0" cy="0"/>
+        </a:xfrm>
+      </p:grpSpPr>
+      <p:sp>
+        <p:nvSpPr>
+          <p:cNvPr id="2" name="Titel 1"/>
+          <p:cNvSpPr>
+            <a:spLocks noGrp="1"/>
+          </p:cNvSpPr>
+          <p:nvPr>
+            <p:ph type="title"/>
+          </p:nvPr>
+        </p:nvSpPr>
+        <p:spPr/>
+        <p:txBody>
+          <a:bodyPr/>
+          <a:lstStyle/>
+          <a:p>
+            <a:r>
+              <a:rPr lang="de-DE" dirty="0" smtClean="0"/>
+              <a:t>Testsystem einrichten</a:t>
+            </a:r>
+            <a:endParaRPr lang="de-DE" dirty="0"/>
+          </a:p>
+        </p:txBody>
+      </p:sp>
+      <p:sp>
+        <p:nvSpPr>
+          <p:cNvPr id="3" name="Textplatzhalter 2"/>
+          <p:cNvSpPr>
+            <a:spLocks noGrp="1"/>
+          </p:cNvSpPr>
+          <p:nvPr>
+            <p:ph type="body"/>
+          </p:nvPr>
+        </p:nvSpPr>
+        <p:spPr>
+          <a:xfrm>
+            <a:off x="3150606" y="1602000"/>
+            <a:ext cx="5710434" cy="4690440"/>
+          </a:xfrm>
+        </p:spPr>
+        <p:txBody>
+          <a:bodyPr/>
+          <a:lstStyle/>
+          <a:p>
+            <a:r>
+              <a:rPr lang="de-DE" dirty="0" err="1" smtClean="0"/>
+              <a:t>acceptance.suite.yml.example</a:t>
+            </a:r>
+            <a:r>
+              <a:rPr lang="de-DE" dirty="0"/>
+              <a:t/>
+            </a:r>
+            <a:br>
+              <a:rPr lang="de-DE" dirty="0"/>
+            </a:br>
+            <a:endParaRPr lang="de-DE" dirty="0" smtClean="0"/>
+          </a:p>
+          <a:p>
+            <a:r>
+              <a:rPr lang="de-DE" dirty="0" err="1" smtClean="0"/>
+              <a:t>acceptance.suite.yml</a:t>
+            </a:r>
+            <a:r>
+              <a:rPr lang="de-DE" dirty="0" smtClean="0"/>
+              <a:t/>
+            </a:r>
+            <a:br>
+              <a:rPr lang="de-DE" dirty="0" smtClean="0"/>
+            </a:br>
+            <a:endParaRPr lang="de-DE" dirty="0" smtClean="0"/>
+          </a:p>
+          <a:p>
+            <a:r>
+              <a:rPr lang="de-DE" dirty="0" smtClean="0"/>
+              <a:t>.\</a:t>
+            </a:r>
+            <a:r>
+              <a:rPr lang="de-DE" dirty="0" err="1" smtClean="0"/>
+              <a:t>vendor</a:t>
+            </a:r>
+            <a:r>
+              <a:rPr lang="de-DE" dirty="0" smtClean="0"/>
+              <a:t>\bin\</a:t>
+            </a:r>
+            <a:r>
+              <a:rPr lang="de-DE" dirty="0" err="1" smtClean="0"/>
+              <a:t>codecept</a:t>
+            </a:r>
+            <a:r>
+              <a:rPr lang="de-DE" dirty="0" smtClean="0"/>
+              <a:t> </a:t>
+            </a:r>
+            <a:r>
+              <a:rPr lang="de-DE" smtClean="0"/>
+              <a:t>build</a:t>
+            </a:r>
+            <a:r>
+              <a:rPr lang="de-DE" dirty="0"/>
+              <a:t/>
+            </a:r>
+            <a:br>
+              <a:rPr lang="de-DE" dirty="0"/>
+            </a:br>
+            <a:r>
+              <a:rPr lang="de-DE" dirty="0"/>
+              <a:t/>
+            </a:r>
+            <a:br>
+              <a:rPr lang="de-DE" dirty="0"/>
+            </a:br>
+            <a:endParaRPr lang="de-DE" dirty="0" smtClean="0"/>
+          </a:p>
+          <a:p>
+            <a:endParaRPr lang="de-DE" dirty="0"/>
+          </a:p>
+        </p:txBody>
+      </p:sp>
+      <p:pic>
+        <p:nvPicPr>
+          <p:cNvPr id="4" name="Grafik 3"/>
+          <p:cNvPicPr>
+            <a:picLocks noChangeAspect="1"/>
+          </p:cNvPicPr>
+          <p:nvPr/>
+        </p:nvPicPr>
+        <p:blipFill>
+          <a:blip r:embed="rId2"/>
+          <a:stretch>
+            <a:fillRect/>
+          </a:stretch>
+        </p:blipFill>
+        <p:spPr>
+          <a:xfrm>
+            <a:off x="203438" y="1601999"/>
+            <a:ext cx="2863612" cy="2508273"/>
+          </a:xfrm>
+          <a:prstGeom prst="rect">
+            <a:avLst/>
+          </a:prstGeom>
+        </p:spPr>
+      </p:pic>
+      <p:sp>
+        <p:nvSpPr>
+          <p:cNvPr id="5" name="Pfeil nach unten 4"/>
+          <p:cNvSpPr/>
+          <p:nvPr/>
+        </p:nvSpPr>
+        <p:spPr>
+          <a:xfrm>
+            <a:off x="4979406" y="2046083"/>
+            <a:ext cx="488887" cy="470781"/>
+          </a:xfrm>
+          <a:prstGeom prst="downArrow">
+            <a:avLst/>
+          </a:prstGeom>
+        </p:spPr>
+        <p:style>
+          <a:lnRef idx="2">
+            <a:schemeClr val="accent1">
+              <a:shade val="50000"/>
+            </a:schemeClr>
+          </a:lnRef>
+          <a:fillRef idx="1">
+            <a:schemeClr val="accent1"/>
+          </a:fillRef>
+          <a:effectRef idx="0">
+            <a:schemeClr val="accent1"/>
+          </a:effectRef>
+          <a:fontRef idx="minor">
+            <a:schemeClr val="lt1"/>
+          </a:fontRef>
+        </p:style>
+        <p:txBody>
+          <a:bodyPr rtlCol="0" anchor="ctr"/>
+          <a:lstStyle/>
+          <a:p>
+            <a:pPr algn="ctr"/>
+            <a:endParaRPr lang="de-DE"/>
+          </a:p>
+        </p:txBody>
+      </p:sp>
+      <p:sp>
+        <p:nvSpPr>
+          <p:cNvPr id="6" name="Rechteck 5"/>
+          <p:cNvSpPr/>
+          <p:nvPr/>
+        </p:nvSpPr>
+        <p:spPr>
+          <a:xfrm>
+            <a:off x="2055019" y="3494638"/>
+            <a:ext cx="516165" cy="190122"/>
+          </a:xfrm>
+          <a:prstGeom prst="rect">
+            <a:avLst/>
+          </a:prstGeom>
+          <a:solidFill>
+            <a:schemeClr val="bg1"/>
+          </a:solidFill>
+          <a:ln>
+            <a:solidFill>
+              <a:schemeClr val="bg1"/>
+            </a:solidFill>
+          </a:ln>
+        </p:spPr>
+        <p:style>
+          <a:lnRef idx="2">
+            <a:schemeClr val="accent1">
+              <a:shade val="50000"/>
+            </a:schemeClr>
+          </a:lnRef>
+          <a:fillRef idx="1">
+            <a:schemeClr val="accent1"/>
+          </a:fillRef>
+          <a:effectRef idx="0">
+            <a:schemeClr val="accent1"/>
+          </a:effectRef>
+          <a:fontRef idx="minor">
+            <a:schemeClr val="lt1"/>
+          </a:fontRef>
+        </p:style>
+        <p:txBody>
+          <a:bodyPr rtlCol="0" anchor="ctr"/>
+          <a:lstStyle/>
+          <a:p>
+            <a:pPr algn="ctr"/>
+            <a:endParaRPr lang="de-DE"/>
+          </a:p>
+        </p:txBody>
+      </p:sp>
+    </p:spTree>
+    <p:extLst>
+      <p:ext uri="{BB962C8B-B14F-4D97-AF65-F5344CB8AC3E}">
+        <p14:creationId xmlns:p14="http://schemas.microsoft.com/office/powerpoint/2010/main" val="4177943282"/>
+      </p:ext>
+    </p:extLst>
+  </p:cSld>
+  <p:clrMapOvr>
+    <a:masterClrMapping/>
+  </p:clrMapOvr>
+  <p:timing>
+    <p:tnLst>
+      <p:par>
+        <p:cTn id="1" dur="indefinite" restart="never" nodeType="tmRoot">
+          <p:childTnLst>
+            <p:seq concurrent="1" nextAc="seek">
+              <p:cTn id="2" dur="indefinite" nodeType="mainSeq">
+                <p:childTnLst>
+                  <p:par>
+                    <p:cTn id="3" fill="hold">
+                      <p:stCondLst>
+                        <p:cond delay="indefinite"/>
+                      </p:stCondLst>
+                      <p:childTnLst>
+                        <p:par>
+                          <p:cTn id="4" fill="hold">
+                            <p:stCondLst>
+                              <p:cond delay="0"/>
+                            </p:stCondLst>
+                            <p:childTnLst>
+                              <p:par>
+                                <p:cTn id="5" presetID="1" presetClass="entr" presetSubtype="0" fill="hold" nodeType="clickEffect">
+                                  <p:stCondLst>
+                                    <p:cond delay="0"/>
+                                  </p:stCondLst>
+                                  <p:childTnLst>
+                                    <p:set>
+                                      <p:cBhvr>
+                                        <p:cTn id="6" dur="1" fill="hold">
+                                          <p:stCondLst>
+                                            <p:cond delay="0"/>
+                                          </p:stCondLst>
+                                        </p:cTn>
+                                        <p:tgtEl>
+                                          <p:spTgt spid="3">
+                                            <p:txEl>
+                                              <p:pRg st="1" end="1"/>
+                                            </p:txEl>
+                                          </p:spTgt>
+                                        </p:tgtEl>
+                                        <p:attrNameLst>
+                                          <p:attrName>style.visibility</p:attrName>
+                                        </p:attrNameLst>
+                                      </p:cBhvr>
+                                      <p:to>
+                                        <p:strVal val="visible"/>
+                                      </p:to>
+                                    </p:set>
+                                  </p:childTnLst>
+                                </p:cTn>
+                              </p:par>
+                            </p:childTnLst>
+                          </p:cTn>
+                        </p:par>
+                      </p:childTnLst>
+                    </p:cTn>
+                  </p:par>
+                  <p:par>
+                    <p:cTn id="7" fill="hold">
+                      <p:stCondLst>
+                        <p:cond delay="indefinite"/>
+                      </p:stCondLst>
+                      <p:childTnLst>
+                        <p:par>
+                          <p:cTn id="8" fill="hold">
+                            <p:stCondLst>
+                              <p:cond delay="0"/>
+                            </p:stCondLst>
+                            <p:childTnLst>
+                              <p:par>
+                                <p:cTn id="9" presetID="1" presetClass="entr" presetSubtype="0" fill="hold" nodeType="clickEffect">
+                                  <p:stCondLst>
+                                    <p:cond delay="0"/>
+                                  </p:stCondLst>
+                                  <p:childTnLst>
+                                    <p:set>
+                                      <p:cBhvr>
+                                        <p:cTn id="10" dur="1" fill="hold">
+                                          <p:stCondLst>
+                                            <p:cond delay="0"/>
+                                          </p:stCondLst>
+                                        </p:cTn>
+                                        <p:tgtEl>
+                                          <p:spTgt spid="3">
+                                            <p:txEl>
+                                              <p:pRg st="2" end="2"/>
+                                            </p:txEl>
+                                          </p:spTgt>
+                                        </p:tgtEl>
+                                        <p:attrNameLst>
+                                          <p:attrName>style.visibility</p:attrName>
+                                        </p:attrNameLst>
+                                      </p:cBhvr>
+                                      <p:to>
+                                        <p:strVal val="visible"/>
+                                      </p:to>
+                                    </p:set>
+                                  </p:childTnLst>
+                                </p:cTn>
+                              </p:par>
+                            </p:childTnLst>
+                          </p:cTn>
+                        </p:par>
+                        <p:par>
+                          <p:cTn id="11" fill="hold">
+                            <p:stCondLst>
+                              <p:cond delay="0"/>
+                            </p:stCondLst>
+                            <p:childTnLst>
+                              <p:par>
+                                <p:cTn id="12" presetID="10" presetClass="entr" presetSubtype="0" fill="hold" grpId="0" nodeType="afterEffect">
+                                  <p:stCondLst>
+                                    <p:cond delay="0"/>
+                                  </p:stCondLst>
+                                  <p:childTnLst>
+                                    <p:set>
+                                      <p:cBhvr>
+                                        <p:cTn id="13" dur="1" fill="hold">
+                                          <p:stCondLst>
+                                            <p:cond delay="0"/>
+                                          </p:stCondLst>
+                                        </p:cTn>
+                                        <p:tgtEl>
+                                          <p:spTgt spid="5"/>
+                                        </p:tgtEl>
+                                        <p:attrNameLst>
+                                          <p:attrName>style.visibility</p:attrName>
+                                        </p:attrNameLst>
+                                      </p:cBhvr>
+                                      <p:to>
+                                        <p:strVal val="visible"/>
+                                      </p:to>
+                                    </p:set>
+                                    <p:animEffect transition="in" filter="fade">
+                                      <p:cBhvr>
+                                        <p:cTn id="14" dur="500"/>
+                                        <p:tgtEl>
+                                          <p:spTgt spid="5"/>
+                                        </p:tgtEl>
+                                      </p:cBhvr>
+                                    </p:animEffect>
+                                  </p:childTnLst>
+                                </p:cTn>
+                              </p:par>
+                            </p:childTnLst>
+                          </p:cTn>
+                        </p:par>
+                        <p:par>
+                          <p:cTn id="15" fill="hold">
+                            <p:stCondLst>
+                              <p:cond delay="500"/>
+                            </p:stCondLst>
+                            <p:childTnLst>
+                              <p:par>
+                                <p:cTn id="16" presetID="21" presetClass="entr" presetSubtype="1" fill="hold" grpId="0" nodeType="afterEffect">
+                                  <p:stCondLst>
+                                    <p:cond delay="0"/>
+                                  </p:stCondLst>
+                                  <p:childTnLst>
+                                    <p:set>
+                                      <p:cBhvr>
+                                        <p:cTn id="17" dur="1" fill="hold">
+                                          <p:stCondLst>
+                                            <p:cond delay="0"/>
+                                          </p:stCondLst>
+                                        </p:cTn>
+                                        <p:tgtEl>
+                                          <p:spTgt spid="6"/>
+                                        </p:tgtEl>
+                                        <p:attrNameLst>
+                                          <p:attrName>style.visibility</p:attrName>
+                                        </p:attrNameLst>
+                                      </p:cBhvr>
+                                      <p:to>
+                                        <p:strVal val="visible"/>
+                                      </p:to>
+                                    </p:set>
+                                    <p:animEffect transition="in" filter="wheel(1)">
+                                      <p:cBhvr>
+                                        <p:cTn id="18" dur="2000"/>
+                                        <p:tgtEl>
+                                          <p:spTgt spid="6"/>
+                                        </p:tgtEl>
+                                      </p:cBhvr>
+                                    </p:animEffect>
+                                  </p:childTnLst>
+                                </p:cTn>
+                              </p:par>
+                            </p:childTnLst>
+                          </p:cTn>
+                        </p:par>
+                      </p:childTnLst>
+                    </p:cTn>
+                  </p:par>
+                </p:childTnLst>
+              </p:cTn>
+              <p:prevCondLst>
+                <p:cond evt="onPrev" delay="0">
+                  <p:tgtEl>
+                    <p:sldTgt/>
+                  </p:tgtEl>
+                </p:cond>
+              </p:prevCondLst>
+              <p:nextCondLst>
+                <p:cond evt="onNext" delay="0">
+                  <p:tgtEl>
+                    <p:sldTgt/>
+                  </p:tgtEl>
+                </p:cond>
+              </p:nextCondLst>
+            </p:seq>
+          </p:childTnLst>
+        </p:cTn>
+      </p:par>
+    </p:tnLst>
+    <p:bldLst>
+      <p:bldP spid="5" grpId="0" animBg="1"/>
+      <p:bldP spid="6" grpId="0" animBg="1"/>
+    </p:bldLst>
+  </p:timing>
+</p:sld>
+</file>
+
 <file path=ppt/slides/slide2.xml><?xml version="1.0" encoding="utf-8"?>
 <p:sld xmlns:a="http://schemas.openxmlformats.org/drawingml/2006/main" xmlns:r="http://schemas.openxmlformats.org/officeDocument/2006/relationships" xmlns:p="http://schemas.openxmlformats.org/presentationml/2006/main">
   <p:cSld>
@@ -7637,6 +8258,192 @@
       </p:par>
     </p:tnLst>
   </p:timing>
+</p:sld>
+</file>
+
+<file path=ppt/slides/slide9.xml><?xml version="1.0" encoding="utf-8"?>
+<p:sld xmlns:a="http://schemas.openxmlformats.org/drawingml/2006/main" xmlns:r="http://schemas.openxmlformats.org/officeDocument/2006/relationships" xmlns:p="http://schemas.openxmlformats.org/presentationml/2006/main">
+  <p:cSld>
+    <p:spTree>
+      <p:nvGrpSpPr>
+        <p:cNvPr id="1" name=""/>
+        <p:cNvGrpSpPr/>
+        <p:nvPr/>
+      </p:nvGrpSpPr>
+      <p:grpSpPr>
+        <a:xfrm>
+          <a:off x="0" y="0"/>
+          <a:ext cx="0" cy="0"/>
+          <a:chOff x="0" y="0"/>
+          <a:chExt cx="0" cy="0"/>
+        </a:xfrm>
+      </p:grpSpPr>
+      <p:sp>
+        <p:nvSpPr>
+          <p:cNvPr id="2" name="Titel 1"/>
+          <p:cNvSpPr>
+            <a:spLocks noGrp="1"/>
+          </p:cNvSpPr>
+          <p:nvPr>
+            <p:ph type="title"/>
+          </p:nvPr>
+        </p:nvSpPr>
+        <p:spPr/>
+        <p:txBody>
+          <a:bodyPr/>
+          <a:lstStyle/>
+          <a:p>
+            <a:r>
+              <a:rPr lang="de-DE" dirty="0" smtClean="0"/>
+              <a:t>System einrichten</a:t>
+            </a:r>
+            <a:endParaRPr lang="de-DE" dirty="0"/>
+          </a:p>
+        </p:txBody>
+      </p:sp>
+      <p:sp>
+        <p:nvSpPr>
+          <p:cNvPr id="3" name="Textplatzhalter 2"/>
+          <p:cNvSpPr>
+            <a:spLocks noGrp="1"/>
+          </p:cNvSpPr>
+          <p:nvPr>
+            <p:ph type="body"/>
+          </p:nvPr>
+        </p:nvSpPr>
+        <p:spPr/>
+        <p:txBody>
+          <a:bodyPr/>
+          <a:lstStyle/>
+          <a:p>
+            <a:r>
+              <a:rPr lang="de-DE" dirty="0" smtClean="0"/>
+              <a:t>Datenbanken einrichten</a:t>
+            </a:r>
+            <a:br>
+              <a:rPr lang="de-DE" dirty="0" smtClean="0"/>
+            </a:br>
+            <a:endParaRPr lang="de-DE" dirty="0" smtClean="0"/>
+          </a:p>
+          <a:p>
+            <a:pPr lvl="1"/>
+            <a:r>
+              <a:rPr lang="de-DE" dirty="0" err="1" smtClean="0"/>
+              <a:t>workshop</a:t>
+            </a:r>
+            <a:endParaRPr lang="de-DE" dirty="0"/>
+          </a:p>
+          <a:p>
+            <a:pPr lvl="1"/>
+            <a:r>
+              <a:rPr lang="de-DE" dirty="0" err="1" smtClean="0"/>
+              <a:t>workshop_test</a:t>
+            </a:r>
+            <a:endParaRPr lang="de-DE" dirty="0" smtClean="0"/>
+          </a:p>
+          <a:p>
+            <a:r>
+              <a:rPr lang="de-DE" dirty="0" smtClean="0"/>
+              <a:t>Datenbank </a:t>
+            </a:r>
+            <a:r>
+              <a:rPr lang="de-DE" dirty="0" err="1" smtClean="0"/>
+              <a:t>migrationen</a:t>
+            </a:r>
+            <a:r>
+              <a:rPr lang="de-DE" dirty="0" smtClean="0"/>
+              <a:t> durch führen</a:t>
+            </a:r>
+            <a:br>
+              <a:rPr lang="de-DE" dirty="0" smtClean="0"/>
+            </a:br>
+            <a:endParaRPr lang="de-DE" dirty="0" smtClean="0"/>
+          </a:p>
+          <a:p>
+            <a:pPr lvl="1"/>
+            <a:r>
+              <a:rPr lang="en-US" dirty="0" err="1"/>
+              <a:t>yii</a:t>
+            </a:r>
+            <a:r>
+              <a:rPr lang="en-US" dirty="0"/>
+              <a:t> migrate --</a:t>
+            </a:r>
+            <a:r>
+              <a:rPr lang="en-US" dirty="0" err="1" smtClean="0"/>
+              <a:t>migrationNamespaces</a:t>
+            </a:r>
+            <a:r>
+              <a:rPr lang="en-US" dirty="0" smtClean="0"/>
+              <a:t>=Da\User\Migration</a:t>
+            </a:r>
+          </a:p>
+          <a:p>
+            <a:pPr lvl="1"/>
+            <a:r>
+              <a:rPr lang="en-US" dirty="0" err="1" smtClean="0"/>
+              <a:t>yii</a:t>
+            </a:r>
+            <a:r>
+              <a:rPr lang="en-US" dirty="0" smtClean="0"/>
+              <a:t> migrate --</a:t>
+            </a:r>
+            <a:r>
+              <a:rPr lang="en-US" dirty="0" err="1" smtClean="0"/>
+              <a:t>migrationPath</a:t>
+            </a:r>
+            <a:r>
+              <a:rPr lang="en-US" dirty="0" smtClean="0"/>
+              <a:t>=@</a:t>
+            </a:r>
+            <a:r>
+              <a:rPr lang="en-US" dirty="0" err="1" smtClean="0"/>
+              <a:t>yii</a:t>
+            </a:r>
+            <a:r>
+              <a:rPr lang="en-US" dirty="0" smtClean="0"/>
+              <a:t>/</a:t>
+            </a:r>
+            <a:r>
+              <a:rPr lang="en-US" dirty="0" err="1" smtClean="0"/>
+              <a:t>rbac</a:t>
+            </a:r>
+            <a:r>
+              <a:rPr lang="en-US" dirty="0" smtClean="0"/>
+              <a:t>/migrations</a:t>
+            </a:r>
+          </a:p>
+          <a:p>
+            <a:pPr lvl="1"/>
+            <a:r>
+              <a:rPr lang="en-US" dirty="0" err="1" smtClean="0"/>
+              <a:t>yii</a:t>
+            </a:r>
+            <a:r>
+              <a:rPr lang="en-US" dirty="0" smtClean="0"/>
+              <a:t> migrate</a:t>
+            </a:r>
+          </a:p>
+          <a:p>
+            <a:pPr lvl="1"/>
+            <a:endParaRPr lang="de-DE" dirty="0"/>
+          </a:p>
+          <a:p>
+            <a:pPr lvl="1"/>
+            <a:endParaRPr lang="de-DE" dirty="0"/>
+          </a:p>
+        </p:txBody>
+      </p:sp>
+    </p:spTree>
+    <p:extLst>
+      <p:ext uri="{BB962C8B-B14F-4D97-AF65-F5344CB8AC3E}">
+        <p14:creationId xmlns:p14="http://schemas.microsoft.com/office/powerpoint/2010/main" val="3365811128"/>
+      </p:ext>
+    </p:extLst>
+  </p:cSld>
+  <p:clrMapOvr>
+    <a:masterClrMapping/>
+  </p:clrMapOvr>
 </p:sld>
 </file>
 
